--- a/slides/session06.pptx
+++ b/slides/session06.pptx
@@ -5,10 +5,10 @@
     <p:sldMasterId id="2147483648" r:id="rId1"/>
   </p:sldMasterIdLst>
   <p:notesMasterIdLst>
-    <p:notesMasterId r:id="rId46"/>
+    <p:notesMasterId r:id="rId47"/>
   </p:notesMasterIdLst>
   <p:handoutMasterIdLst>
-    <p:handoutMasterId r:id="rId47"/>
+    <p:handoutMasterId r:id="rId48"/>
   </p:handoutMasterIdLst>
   <p:sldIdLst>
     <p:sldId id="616" r:id="rId2"/>
@@ -38,23 +38,24 @@
     <p:sldId id="632" r:id="rId26"/>
     <p:sldId id="634" r:id="rId27"/>
     <p:sldId id="635" r:id="rId28"/>
-    <p:sldId id="633" r:id="rId29"/>
-    <p:sldId id="636" r:id="rId30"/>
-    <p:sldId id="647" r:id="rId31"/>
-    <p:sldId id="648" r:id="rId32"/>
-    <p:sldId id="649" r:id="rId33"/>
-    <p:sldId id="650" r:id="rId34"/>
-    <p:sldId id="651" r:id="rId35"/>
-    <p:sldId id="653" r:id="rId36"/>
-    <p:sldId id="654" r:id="rId37"/>
-    <p:sldId id="655" r:id="rId38"/>
-    <p:sldId id="656" r:id="rId39"/>
-    <p:sldId id="657" r:id="rId40"/>
-    <p:sldId id="658" r:id="rId41"/>
-    <p:sldId id="659" r:id="rId42"/>
-    <p:sldId id="660" r:id="rId43"/>
-    <p:sldId id="661" r:id="rId44"/>
-    <p:sldId id="663" r:id="rId45"/>
+    <p:sldId id="664" r:id="rId29"/>
+    <p:sldId id="665" r:id="rId30"/>
+    <p:sldId id="666" r:id="rId31"/>
+    <p:sldId id="633" r:id="rId32"/>
+    <p:sldId id="647" r:id="rId33"/>
+    <p:sldId id="649" r:id="rId34"/>
+    <p:sldId id="650" r:id="rId35"/>
+    <p:sldId id="651" r:id="rId36"/>
+    <p:sldId id="653" r:id="rId37"/>
+    <p:sldId id="654" r:id="rId38"/>
+    <p:sldId id="655" r:id="rId39"/>
+    <p:sldId id="656" r:id="rId40"/>
+    <p:sldId id="657" r:id="rId41"/>
+    <p:sldId id="658" r:id="rId42"/>
+    <p:sldId id="659" r:id="rId43"/>
+    <p:sldId id="660" r:id="rId44"/>
+    <p:sldId id="661" r:id="rId45"/>
+    <p:sldId id="663" r:id="rId46"/>
   </p:sldIdLst>
   <p:sldSz cx="9144000" cy="6858000" type="screen4x3"/>
   <p:notesSz cx="7315200" cy="9601200"/>
@@ -1288,7 +1289,7 @@
             <a:fld id="{2ADCC5D1-AC55-D840-9D40-C7290ABF9FCF}" type="slidenum">
               <a:rPr lang="en-US" sz="1200" b="0"/>
               <a:pPr/>
-              <a:t>42</a:t>
+              <a:t>43</a:t>
             </a:fld>
             <a:endParaRPr lang="en-US" sz="1200" b="0"/>
           </a:p>
@@ -2685,25 +2686,8 @@
                 <a:latin typeface="Gill Sans"/>
                 <a:cs typeface="Gill Sans"/>
               </a:rPr>
-              <a:t>Thursday, October </a:t>
-            </a:r>
-            <a:r>
-              <a:rPr lang="en-US" sz="2400" b="0" kern="0" dirty="0" smtClean="0">
-                <a:solidFill>
-                  <a:schemeClr val="bg1"/>
-                </a:solidFill>
-                <a:latin typeface="Gill Sans"/>
-                <a:cs typeface="Gill Sans"/>
-              </a:rPr>
-              <a:t>10, 2013</a:t>
-            </a:r>
-            <a:endParaRPr lang="en-US" sz="2400" b="0" kern="0" dirty="0" smtClean="0">
-              <a:solidFill>
-                <a:schemeClr val="bg1"/>
-              </a:solidFill>
-              <a:latin typeface="Gill Sans"/>
-              <a:cs typeface="Gill Sans"/>
-            </a:endParaRPr>
+              <a:t>Thursday, October 10, 2013</a:t>
+            </a:r>
           </a:p>
         </p:txBody>
       </p:sp>
@@ -2876,7 +2860,7 @@
               <a:t>Field: an </a:t>
             </a:r>
             <a:r>
-              <a:rPr lang="ja-JP" altLang="en-US" dirty="0" smtClean="0"/>
+              <a:rPr lang="en-US" altLang="ja-JP" dirty="0" smtClean="0"/>
               <a:t>“</a:t>
             </a:r>
             <a:r>
@@ -2884,7 +2868,7 @@
               <a:t>atomic</a:t>
             </a:r>
             <a:r>
-              <a:rPr lang="ja-JP" altLang="en-US" dirty="0" smtClean="0"/>
+              <a:rPr lang="en-US" altLang="ja-JP" dirty="0" smtClean="0"/>
               <a:t>”</a:t>
             </a:r>
             <a:r>
@@ -5675,7 +5659,7 @@
               <a:t>Why </a:t>
             </a:r>
             <a:r>
-              <a:rPr lang="ja-JP" altLang="en-US" dirty="0" smtClean="0"/>
+              <a:rPr lang="en-US" altLang="ja-JP" dirty="0" smtClean="0"/>
               <a:t>“</a:t>
             </a:r>
             <a:r>
@@ -5683,7 +5667,7 @@
               <a:t>Relational</a:t>
             </a:r>
             <a:r>
-              <a:rPr lang="ja-JP" altLang="en-US" dirty="0" smtClean="0"/>
+              <a:rPr lang="en-US" altLang="ja-JP" dirty="0" smtClean="0"/>
               <a:t>”</a:t>
             </a:r>
             <a:r>
@@ -5802,7 +5786,7 @@
               <a:t>Data is manipulated by </a:t>
             </a:r>
             <a:r>
-              <a:rPr lang="ja-JP" altLang="en-US" dirty="0" smtClean="0"/>
+              <a:rPr lang="en-US" altLang="ja-JP" dirty="0" smtClean="0"/>
               <a:t>“</a:t>
             </a:r>
             <a:r>
@@ -5810,13 +5794,14 @@
               <a:t>relational algebra</a:t>
             </a:r>
             <a:r>
-              <a:rPr lang="ja-JP" altLang="en-US" dirty="0" smtClean="0"/>
+              <a:rPr lang="en-US" altLang="ja-JP" dirty="0" smtClean="0"/>
               <a:t>”</a:t>
             </a:r>
             <a:r>
               <a:rPr lang="en-US" dirty="0" smtClean="0"/>
               <a:t>:</a:t>
             </a:r>
+            <a:endParaRPr lang="en-US" dirty="0" smtClean="0"/>
           </a:p>
           <a:p>
             <a:pPr lvl="1"/>
@@ -6050,7 +6035,7 @@
           <a:graphicData uri="http://schemas.openxmlformats.org/presentationml/2006/ole">
             <mc:AlternateContent xmlns:mc="http://schemas.openxmlformats.org/markup-compatibility/2006">
               <mc:Choice xmlns:v="urn:schemas-microsoft-com:vml" Requires="v">
-                <p:oleObj spid="_x0000_s5244" name="Worksheet" r:id="rId3" imgW="7353419" imgH="1143060" progId="Excel.Sheet.8">
+                <p:oleObj spid="_x0000_s5286" name="Worksheet" r:id="rId3" imgW="7353419" imgH="1143060" progId="Excel.Sheet.8">
                   <p:embed/>
                 </p:oleObj>
               </mc:Choice>
@@ -6558,22 +6543,22 @@
           <a:lstStyle/>
           <a:p>
             <a:r>
-              <a:rPr lang="en-US" smtClean="0"/>
+              <a:rPr lang="en-US" dirty="0" smtClean="0"/>
               <a:t>Goals of </a:t>
             </a:r>
             <a:r>
-              <a:rPr lang="ja-JP" altLang="en-US" smtClean="0"/>
+              <a:rPr lang="en-US" altLang="ja-JP" dirty="0" smtClean="0"/>
               <a:t>“</a:t>
             </a:r>
             <a:r>
-              <a:rPr lang="en-US" smtClean="0"/>
+              <a:rPr lang="en-US" dirty="0" smtClean="0"/>
               <a:t>Normalization</a:t>
             </a:r>
             <a:r>
-              <a:rPr lang="ja-JP" altLang="en-US" smtClean="0"/>
+              <a:rPr lang="en-US" altLang="ja-JP" dirty="0" smtClean="0"/>
               <a:t>”</a:t>
             </a:r>
-            <a:endParaRPr lang="en-US"/>
+            <a:endParaRPr lang="en-US" dirty="0"/>
           </a:p>
         </p:txBody>
       </p:sp>
@@ -6725,7 +6710,7 @@
           <a:graphicData uri="http://schemas.openxmlformats.org/presentationml/2006/ole">
             <mc:AlternateContent xmlns:mc="http://schemas.openxmlformats.org/markup-compatibility/2006">
               <mc:Choice xmlns:v="urn:schemas-microsoft-com:vml" Requires="v">
-                <p:oleObj spid="_x0000_s7655" name="Worksheet" r:id="rId3" imgW="2295704" imgH="657165" progId="Excel.Sheet.8">
+                <p:oleObj spid="_x0000_s7817" name="Worksheet" r:id="rId3" imgW="2295704" imgH="657165" progId="Excel.Sheet.8">
                   <p:embed/>
                 </p:oleObj>
               </mc:Choice>
@@ -6815,7 +6800,7 @@
           <a:graphicData uri="http://schemas.openxmlformats.org/presentationml/2006/ole">
             <mc:AlternateContent xmlns:mc="http://schemas.openxmlformats.org/markup-compatibility/2006">
               <mc:Choice xmlns:v="urn:schemas-microsoft-com:vml" Requires="v">
-                <p:oleObj spid="_x0000_s7656" name="Worksheet" r:id="rId5" imgW="2047756" imgH="657165" progId="Excel.Sheet.8">
+                <p:oleObj spid="_x0000_s7818" name="Worksheet" r:id="rId5" imgW="2047756" imgH="657165" progId="Excel.Sheet.8">
                   <p:embed/>
                 </p:oleObj>
               </mc:Choice>
@@ -6905,7 +6890,7 @@
           <a:graphicData uri="http://schemas.openxmlformats.org/presentationml/2006/ole">
             <mc:AlternateContent xmlns:mc="http://schemas.openxmlformats.org/markup-compatibility/2006">
               <mc:Choice xmlns:v="urn:schemas-microsoft-com:vml" Requires="v">
-                <p:oleObj spid="_x0000_s7657" name="Worksheet" r:id="rId7" imgW="2371546" imgH="1143060" progId="Excel.Sheet.8">
+                <p:oleObj spid="_x0000_s7819" name="Worksheet" r:id="rId7" imgW="2371546" imgH="1143060" progId="Excel.Sheet.8">
                   <p:embed/>
                 </p:oleObj>
               </mc:Choice>
@@ -6995,7 +6980,7 @@
           <a:graphicData uri="http://schemas.openxmlformats.org/presentationml/2006/ole">
             <mc:AlternateContent xmlns:mc="http://schemas.openxmlformats.org/markup-compatibility/2006">
               <mc:Choice xmlns:v="urn:schemas-microsoft-com:vml" Requires="v">
-                <p:oleObj spid="_x0000_s7658" name="Worksheet" r:id="rId9" imgW="4752975" imgH="819150" progId="Excel.Sheet.8">
+                <p:oleObj spid="_x0000_s7820" name="Worksheet" r:id="rId9" imgW="4752975" imgH="819150" progId="Excel.Sheet.8">
                   <p:embed/>
                 </p:oleObj>
               </mc:Choice>
@@ -7806,56 +7791,64 @@
           <a:lstStyle/>
           <a:p>
             <a:r>
-              <a:rPr lang="ja-JP" altLang="en-US" smtClean="0"/>
+              <a:rPr lang="en-US" altLang="ja-JP" dirty="0" smtClean="0"/>
               <a:t>“</a:t>
             </a:r>
             <a:r>
-              <a:rPr lang="en-US" smtClean="0"/>
+              <a:rPr lang="en-US" dirty="0" smtClean="0"/>
               <a:t>Primary Key</a:t>
             </a:r>
             <a:r>
-              <a:rPr lang="ja-JP" altLang="en-US" smtClean="0"/>
+              <a:rPr lang="en-US" altLang="ja-JP" dirty="0" smtClean="0"/>
               <a:t>”</a:t>
             </a:r>
             <a:r>
-              <a:rPr lang="en-US" smtClean="0"/>
-              <a:t> uniquely identifies a record</a:t>
+              <a:rPr lang="en-US" dirty="0" smtClean="0"/>
+              <a:t> </a:t>
+            </a:r>
+            <a:r>
+              <a:rPr lang="en-US" dirty="0" smtClean="0"/>
+              <a:t>uniquely identifies a record</a:t>
             </a:r>
           </a:p>
           <a:p>
             <a:pPr lvl="1"/>
             <a:r>
-              <a:rPr lang="en-US" smtClean="0"/>
+              <a:rPr lang="en-US" dirty="0" smtClean="0"/>
               <a:t>e.g., student ID in the student table</a:t>
             </a:r>
           </a:p>
           <a:p>
             <a:r>
-              <a:rPr lang="ja-JP" altLang="en-US" smtClean="0"/>
+              <a:rPr lang="en-US" altLang="ja-JP" dirty="0" smtClean="0"/>
               <a:t>“</a:t>
             </a:r>
             <a:r>
-              <a:rPr lang="en-US" smtClean="0"/>
+              <a:rPr lang="en-US" dirty="0" smtClean="0"/>
               <a:t>Foreign Key</a:t>
             </a:r>
             <a:r>
-              <a:rPr lang="ja-JP" altLang="en-US" smtClean="0"/>
+              <a:rPr lang="en-US" altLang="ja-JP" dirty="0" smtClean="0"/>
               <a:t>”</a:t>
             </a:r>
             <a:r>
-              <a:rPr lang="en-US" smtClean="0"/>
-              <a:t> is primary key in the other table</a:t>
+              <a:rPr lang="en-US" dirty="0" smtClean="0"/>
+              <a:t> </a:t>
+            </a:r>
+            <a:r>
+              <a:rPr lang="en-US" dirty="0" smtClean="0"/>
+              <a:t>is primary key in the other table</a:t>
             </a:r>
           </a:p>
           <a:p>
             <a:pPr lvl="1"/>
             <a:r>
-              <a:rPr lang="en-US" smtClean="0"/>
+              <a:rPr lang="en-US" dirty="0" smtClean="0"/>
               <a:t>It need not be unique in this table</a:t>
             </a:r>
           </a:p>
           <a:p>
-            <a:endParaRPr lang="en-US"/>
+            <a:endParaRPr lang="en-US" dirty="0"/>
           </a:p>
         </p:txBody>
       </p:sp>
@@ -7998,15 +7991,23 @@
             <a:pPr lvl="1"/>
             <a:r>
               <a:rPr lang="en-US" dirty="0" smtClean="0"/>
-              <a:t>Start with the entities you</a:t>
-            </a:r>
-            <a:r>
-              <a:rPr lang="ja-JP" altLang="en-US" dirty="0" smtClean="0"/>
+              <a:t>Start with the entities </a:t>
+            </a:r>
+            <a:r>
+              <a:rPr lang="en-US" dirty="0" smtClean="0"/>
+              <a:t>you</a:t>
+            </a:r>
+            <a:r>
+              <a:rPr lang="en-US" altLang="ja-JP" dirty="0" smtClean="0"/>
               <a:t>’</a:t>
             </a:r>
             <a:r>
               <a:rPr lang="en-US" dirty="0" smtClean="0"/>
-              <a:t>re trying to model</a:t>
+              <a:t>re </a:t>
+            </a:r>
+            <a:r>
+              <a:rPr lang="en-US" dirty="0" smtClean="0"/>
+              <a:t>trying to model</a:t>
             </a:r>
           </a:p>
           <a:p>
@@ -8131,7 +8132,7 @@
           <a:graphicData uri="http://schemas.openxmlformats.org/presentationml/2006/ole">
             <mc:AlternateContent xmlns:mc="http://schemas.openxmlformats.org/markup-compatibility/2006">
               <mc:Choice xmlns:v="urn:schemas-microsoft-com:vml" Requires="v">
-                <p:oleObj spid="_x0000_s11735" name="Worksheet" r:id="rId3" imgW="2295704" imgH="657165" progId="Excel.Sheet.8">
+                <p:oleObj spid="_x0000_s11897" name="Worksheet" r:id="rId3" imgW="2295704" imgH="657165" progId="Excel.Sheet.8">
                   <p:embed/>
                 </p:oleObj>
               </mc:Choice>
@@ -8221,7 +8222,7 @@
           <a:graphicData uri="http://schemas.openxmlformats.org/presentationml/2006/ole">
             <mc:AlternateContent xmlns:mc="http://schemas.openxmlformats.org/markup-compatibility/2006">
               <mc:Choice xmlns:v="urn:schemas-microsoft-com:vml" Requires="v">
-                <p:oleObj spid="_x0000_s11736" name="Worksheet" r:id="rId5" imgW="2047756" imgH="657165" progId="Excel.Sheet.8">
+                <p:oleObj spid="_x0000_s11898" name="Worksheet" r:id="rId5" imgW="2047756" imgH="657165" progId="Excel.Sheet.8">
                   <p:embed/>
                 </p:oleObj>
               </mc:Choice>
@@ -8311,7 +8312,7 @@
           <a:graphicData uri="http://schemas.openxmlformats.org/presentationml/2006/ole">
             <mc:AlternateContent xmlns:mc="http://schemas.openxmlformats.org/markup-compatibility/2006">
               <mc:Choice xmlns:v="urn:schemas-microsoft-com:vml" Requires="v">
-                <p:oleObj spid="_x0000_s11737" name="Worksheet" r:id="rId7" imgW="2371546" imgH="1143060" progId="Excel.Sheet.8">
+                <p:oleObj spid="_x0000_s11899" name="Worksheet" r:id="rId7" imgW="2371546" imgH="1143060" progId="Excel.Sheet.8">
                   <p:embed/>
                 </p:oleObj>
               </mc:Choice>
@@ -8401,7 +8402,7 @@
           <a:graphicData uri="http://schemas.openxmlformats.org/presentationml/2006/ole">
             <mc:AlternateContent xmlns:mc="http://schemas.openxmlformats.org/markup-compatibility/2006">
               <mc:Choice xmlns:v="urn:schemas-microsoft-com:vml" Requires="v">
-                <p:oleObj spid="_x0000_s11738" name="Worksheet" r:id="rId9" imgW="4752975" imgH="819150" progId="Excel.Sheet.8">
+                <p:oleObj spid="_x0000_s11900" name="Worksheet" r:id="rId9" imgW="4752975" imgH="819150" progId="Excel.Sheet.8">
                   <p:embed/>
                 </p:oleObj>
               </mc:Choice>
@@ -14259,7 +14260,7 @@
           <a:graphicData uri="http://schemas.openxmlformats.org/presentationml/2006/ole">
             <mc:AlternateContent xmlns:mc="http://schemas.openxmlformats.org/markup-compatibility/2006">
               <mc:Choice xmlns:v="urn:schemas-microsoft-com:vml" Requires="v">
-                <p:oleObj spid="_x0000_s19667" name="Worksheet" r:id="rId3" imgW="4857958" imgH="818965" progId="Excel.Sheet.8">
+                <p:oleObj spid="_x0000_s19749" name="Worksheet" r:id="rId3" imgW="4857958" imgH="818965" progId="Excel.Sheet.8">
                   <p:embed/>
                 </p:oleObj>
               </mc:Choice>
@@ -14349,7 +14350,7 @@
           <a:graphicData uri="http://schemas.openxmlformats.org/presentationml/2006/ole">
             <mc:AlternateContent xmlns:mc="http://schemas.openxmlformats.org/markup-compatibility/2006">
               <mc:Choice xmlns:v="urn:schemas-microsoft-com:vml" Requires="v">
-                <p:oleObj spid="_x0000_s19668" name="Worksheet" r:id="rId5" imgW="2104846" imgH="819269" progId="Excel.Sheet.8">
+                <p:oleObj spid="_x0000_s19750" name="Worksheet" r:id="rId5" imgW="2104846" imgH="819269" progId="Excel.Sheet.8">
                   <p:embed/>
                 </p:oleObj>
               </mc:Choice>
@@ -14500,7 +14501,7 @@
           <a:graphicData uri="http://schemas.openxmlformats.org/presentationml/2006/ole">
             <mc:AlternateContent xmlns:mc="http://schemas.openxmlformats.org/markup-compatibility/2006">
               <mc:Choice xmlns:v="urn:schemas-microsoft-com:vml" Requires="v">
-                <p:oleObj spid="_x0000_s20691" name="Worksheet" r:id="rId3" imgW="4857690" imgH="819269" progId="Excel.Sheet.8">
+                <p:oleObj spid="_x0000_s20773" name="Worksheet" r:id="rId3" imgW="4857690" imgH="819269" progId="Excel.Sheet.8">
                   <p:embed/>
                 </p:oleObj>
               </mc:Choice>
@@ -14590,7 +14591,7 @@
           <a:graphicData uri="http://schemas.openxmlformats.org/presentationml/2006/ole">
             <mc:AlternateContent xmlns:mc="http://schemas.openxmlformats.org/markup-compatibility/2006">
               <mc:Choice xmlns:v="urn:schemas-microsoft-com:vml" Requires="v">
-                <p:oleObj spid="_x0000_s20692" name="Worksheet" r:id="rId5" imgW="5143560" imgH="495479" progId="Excel.Sheet.8">
+                <p:oleObj spid="_x0000_s20774" name="Worksheet" r:id="rId5" imgW="5143560" imgH="495479" progId="Excel.Sheet.8">
                   <p:embed/>
                 </p:oleObj>
               </mc:Choice>
@@ -14957,7 +14958,7 @@
       </p:grpSpPr>
       <p:sp>
         <p:nvSpPr>
-          <p:cNvPr id="5125" name="Rectangle 13"/>
+          <p:cNvPr id="34818" name="Rectangle 2"/>
           <p:cNvSpPr>
             <a:spLocks noGrp="1" noChangeArrowheads="1"/>
           </p:cNvSpPr>
@@ -14971,188 +14972,89 @@
           <a:lstStyle/>
           <a:p>
             <a:r>
-              <a:rPr lang="en-US" smtClean="0"/>
-              <a:t>Join</a:t>
-            </a:r>
-            <a:endParaRPr lang="en-US"/>
-          </a:p>
-        </p:txBody>
-      </p:sp>
-      <p:graphicFrame>
-        <p:nvGraphicFramePr>
-          <p:cNvPr id="5122" name="Object 2"/>
-          <p:cNvGraphicFramePr>
-            <a:graphicFrameLocks noChangeAspect="1"/>
-          </p:cNvGraphicFramePr>
-          <p:nvPr/>
-        </p:nvGraphicFramePr>
-        <p:xfrm>
-          <a:off x="554038" y="4875213"/>
-          <a:ext cx="7446962" cy="1271587"/>
-        </p:xfrm>
-        <a:graphic>
-          <a:graphicData uri="http://schemas.openxmlformats.org/presentationml/2006/ole">
-            <mc:AlternateContent xmlns:mc="http://schemas.openxmlformats.org/markup-compatibility/2006">
-              <mc:Choice xmlns:v="urn:schemas-microsoft-com:vml" Requires="v">
-                <p:oleObj spid="_x0000_s18747" name="Worksheet" r:id="rId3" imgW="4857690" imgH="819269" progId="Excel.Sheet.8">
-                  <p:embed/>
-                </p:oleObj>
-              </mc:Choice>
-              <mc:Fallback>
-                <p:oleObj name="Worksheet" r:id="rId3" imgW="4857690" imgH="819269" progId="Excel.Sheet.8">
-                  <p:embed/>
-                  <p:pic>
-                    <p:nvPicPr>
-                      <p:cNvPr id="0" name=""/>
-                      <p:cNvPicPr>
-                        <a:picLocks noChangeAspect="1" noChangeArrowheads="1"/>
-                      </p:cNvPicPr>
-                      <p:nvPr/>
-                    </p:nvPicPr>
-                    <p:blipFill>
-                      <a:blip r:embed="rId4">
-                        <a:extLst>
-                          <a:ext uri="{28A0092B-C50C-407E-A947-70E740481C1C}">
-                            <a14:useLocalDpi xmlns:a14="http://schemas.microsoft.com/office/drawing/2010/main" val="0"/>
-                          </a:ext>
-                        </a:extLst>
-                      </a:blip>
-                      <a:srcRect/>
-                      <a:stretch>
-                        <a:fillRect/>
-                      </a:stretch>
-                    </p:blipFill>
-                    <p:spPr bwMode="auto">
-                      <a:xfrm>
-                        <a:off x="554038" y="4875213"/>
-                        <a:ext cx="7446962" cy="1271587"/>
-                      </a:xfrm>
-                      <a:prstGeom prst="rect">
-                        <a:avLst/>
-                      </a:prstGeom>
-                      <a:solidFill>
-                        <a:schemeClr val="tx1"/>
-                      </a:solidFill>
-                      <a:ln>
-                        <a:noFill/>
-                      </a:ln>
-                      <a:effectLst/>
-                      <a:extLst>
-                        <a:ext uri="{91240B29-F687-4f45-9708-019B960494DF}">
-                          <a14:hiddenLine xmlns:a14="http://schemas.microsoft.com/office/drawing/2010/main" w="12700">
-                            <a:solidFill>
-                              <a:schemeClr val="tx1"/>
-                            </a:solidFill>
-                            <a:miter lim="800000"/>
-                            <a:headEnd/>
-                            <a:tailEnd/>
-                          </a14:hiddenLine>
-                        </a:ext>
-                        <a:ext uri="{AF507438-7753-43e0-B8FC-AC1667EBCBE1}">
-                          <a14:hiddenEffects xmlns:a14="http://schemas.microsoft.com/office/drawing/2010/main">
-                            <a:effectLst>
-                              <a:outerShdw blurRad="63500" dist="38099" dir="2700000" algn="ctr" rotWithShape="0">
-                                <a:schemeClr val="bg2">
-                                  <a:alpha val="74998"/>
-                                </a:schemeClr>
-                              </a:outerShdw>
-                            </a:effectLst>
-                          </a14:hiddenEffects>
-                        </a:ext>
-                      </a:extLst>
-                    </p:spPr>
-                  </p:pic>
-                </p:oleObj>
-              </mc:Fallback>
-            </mc:AlternateContent>
-          </a:graphicData>
-        </a:graphic>
-      </p:graphicFrame>
-      <p:sp>
-        <p:nvSpPr>
-          <p:cNvPr id="5126" name="Line 9"/>
-          <p:cNvSpPr>
-            <a:spLocks noChangeShapeType="1"/>
-          </p:cNvSpPr>
-          <p:nvPr/>
-        </p:nvSpPr>
-        <p:spPr bwMode="auto">
-          <a:xfrm flipH="1">
-            <a:off x="4114800" y="2438400"/>
-            <a:ext cx="609600" cy="2362200"/>
-          </a:xfrm>
-          <a:prstGeom prst="line">
-            <a:avLst/>
-          </a:prstGeom>
-          <a:noFill/>
-          <a:ln w="31750">
-            <a:solidFill>
-              <a:srgbClr val="FF0000"/>
-            </a:solidFill>
-            <a:round/>
-            <a:headEnd/>
-            <a:tailEnd type="triangle" w="lg" len="lg"/>
-          </a:ln>
-          <a:extLst>
-            <a:ext uri="{909E8E84-426E-40dd-AFC4-6F175D3DCCD1}">
-              <a14:hiddenFill xmlns:a14="http://schemas.microsoft.com/office/drawing/2010/main">
-                <a:noFill/>
-              </a14:hiddenFill>
-            </a:ext>
-          </a:extLst>
-        </p:spPr>
-        <p:txBody>
-          <a:bodyPr/>
-          <a:lstStyle/>
-          <a:p>
-            <a:endParaRPr lang="en-US"/>
+              <a:rPr lang="en-US" dirty="0" smtClean="0"/>
+              <a:t>Simple SQL Statements</a:t>
+            </a:r>
+            <a:endParaRPr lang="en-US" dirty="0"/>
           </a:p>
         </p:txBody>
       </p:sp>
       <p:sp>
         <p:nvSpPr>
-          <p:cNvPr id="5127" name="Line 10"/>
+          <p:cNvPr id="34819" name="Rectangle 3"/>
           <p:cNvSpPr>
-            <a:spLocks noChangeShapeType="1"/>
+            <a:spLocks noGrp="1" noChangeArrowheads="1"/>
           </p:cNvSpPr>
-          <p:nvPr/>
+          <p:nvPr>
+            <p:ph type="body" idx="1"/>
+          </p:nvPr>
         </p:nvSpPr>
-        <p:spPr bwMode="auto">
-          <a:xfrm flipH="1">
-            <a:off x="4343400" y="3810000"/>
-            <a:ext cx="1143000" cy="990600"/>
-          </a:xfrm>
-          <a:prstGeom prst="line">
-            <a:avLst/>
-          </a:prstGeom>
-          <a:noFill/>
-          <a:ln w="31750">
-            <a:solidFill>
-              <a:srgbClr val="FF0000"/>
-            </a:solidFill>
-            <a:round/>
-            <a:headEnd/>
-            <a:tailEnd type="triangle" w="lg" len="lg"/>
-          </a:ln>
-          <a:extLst>
-            <a:ext uri="{909E8E84-426E-40dd-AFC4-6F175D3DCCD1}">
-              <a14:hiddenFill xmlns:a14="http://schemas.microsoft.com/office/drawing/2010/main">
-                <a:noFill/>
-              </a14:hiddenFill>
-            </a:ext>
-          </a:extLst>
-        </p:spPr>
+        <p:spPr/>
         <p:txBody>
           <a:bodyPr/>
           <a:lstStyle/>
           <a:p>
-            <a:endParaRPr lang="en-US"/>
+            <a:r>
+              <a:rPr lang="en-US" dirty="0" smtClean="0"/>
+              <a:t>Choosing </a:t>
+            </a:r>
+            <a:r>
+              <a:rPr lang="en-US" dirty="0" smtClean="0"/>
+              <a:t>columns: SELECT</a:t>
+            </a:r>
+          </a:p>
+          <a:p>
+            <a:pPr lvl="1"/>
+            <a:r>
+              <a:rPr lang="en-US" dirty="0" smtClean="0"/>
+              <a:t>Based on their labels (field names)</a:t>
+            </a:r>
+          </a:p>
+          <a:p>
+            <a:pPr lvl="1"/>
+            <a:r>
+              <a:rPr lang="en-US" dirty="0" smtClean="0"/>
+              <a:t>* is a shorthand for saying “all fields”</a:t>
+            </a:r>
+          </a:p>
+          <a:p>
+            <a:r>
+              <a:rPr lang="en-US" dirty="0" smtClean="0"/>
+              <a:t>Choosing rows: WHERE</a:t>
+            </a:r>
+          </a:p>
+          <a:p>
+            <a:pPr lvl="1"/>
+            <a:r>
+              <a:rPr lang="en-US" dirty="0" smtClean="0"/>
+              <a:t>Based on their contents</a:t>
+            </a:r>
+          </a:p>
+          <a:p>
+            <a:pPr lvl="1"/>
+            <a:endParaRPr lang="en-US" dirty="0" smtClean="0"/>
+          </a:p>
+          <a:p>
+            <a:r>
+              <a:rPr lang="en-US" dirty="0" smtClean="0"/>
+              <a:t>These can be specified </a:t>
+            </a:r>
+            <a:r>
+              <a:rPr lang="en-US" dirty="0" smtClean="0"/>
+              <a:t>together</a:t>
+            </a:r>
+          </a:p>
+          <a:p>
+            <a:endParaRPr lang="en-US" dirty="0" smtClean="0"/>
+          </a:p>
+          <a:p>
+            <a:endParaRPr lang="en-US" dirty="0"/>
           </a:p>
         </p:txBody>
       </p:sp>
       <p:sp>
         <p:nvSpPr>
-          <p:cNvPr id="5128" name="Text Box 11"/>
+          <p:cNvPr id="34820" name="Text Box 4"/>
           <p:cNvSpPr txBox="1">
             <a:spLocks noChangeArrowheads="1"/>
           </p:cNvSpPr>
@@ -15160,8 +15062,8 @@
         </p:nvSpPr>
         <p:spPr bwMode="auto">
           <a:xfrm>
-            <a:off x="552450" y="4492625"/>
-            <a:ext cx="1658552" cy="400110"/>
+            <a:off x="1219200" y="3200400"/>
+            <a:ext cx="2540554" cy="369332"/>
           </a:xfrm>
           <a:prstGeom prst="rect">
             <a:avLst/>
@@ -15179,7 +15081,7 @@
               </a14:hiddenFill>
             </a:ext>
             <a:ext uri="{91240B29-F687-4f45-9708-019B960494DF}">
-              <a14:hiddenLine xmlns:a14="http://schemas.microsoft.com/office/drawing/2010/main" w="12700">
+              <a14:hiddenLine xmlns:a14="http://schemas.microsoft.com/office/drawing/2010/main" w="9525">
                 <a:solidFill>
                   <a:srgbClr val="000000"/>
                 </a:solidFill>
@@ -15303,9 +15205,19 @@
           </a:lstStyle>
           <a:p>
             <a:r>
-              <a:rPr lang="ja-JP" altLang="en-US" sz="2000" b="0">
-                <a:solidFill>
-                  <a:srgbClr val="000000"/>
+              <a:rPr lang="en-US" sz="1800" b="0" dirty="0">
+                <a:solidFill>
+                  <a:srgbClr val="FF0000"/>
+                </a:solidFill>
+                <a:latin typeface="Gill Sans"/>
+                <a:cs typeface="Gill Sans"/>
+              </a:rPr>
+              <a:t>department ID = </a:t>
+            </a:r>
+            <a:r>
+              <a:rPr lang="ja-JP" altLang="en-US" sz="1800" b="0" dirty="0">
+                <a:solidFill>
+                  <a:srgbClr val="FF0000"/>
                 </a:solidFill>
                 <a:latin typeface="Gill Sans"/>
                 <a:cs typeface="Gill Sans"/>
@@ -15313,640 +15225,39 @@
               <a:t>“</a:t>
             </a:r>
             <a:r>
-              <a:rPr lang="en-US" sz="2000" b="0">
-                <a:solidFill>
-                  <a:srgbClr val="000000"/>
+              <a:rPr lang="en-US" sz="1800" b="0" dirty="0">
+                <a:solidFill>
+                  <a:srgbClr val="FF0000"/>
                 </a:solidFill>
                 <a:latin typeface="Gill Sans"/>
                 <a:cs typeface="Gill Sans"/>
               </a:rPr>
-              <a:t>Joined</a:t>
-            </a:r>
-            <a:r>
-              <a:rPr lang="ja-JP" altLang="en-US" sz="2000" b="0">
-                <a:solidFill>
-                  <a:srgbClr val="000000"/>
+              <a:t>HIST</a:t>
+            </a:r>
+            <a:r>
+              <a:rPr lang="ja-JP" altLang="en-US" sz="1800" b="0" dirty="0">
+                <a:solidFill>
+                  <a:srgbClr val="FF0000"/>
                 </a:solidFill>
                 <a:latin typeface="Gill Sans"/>
                 <a:cs typeface="Gill Sans"/>
               </a:rPr>
               <a:t>”</a:t>
             </a:r>
-            <a:r>
-              <a:rPr lang="en-US" sz="2000" b="0">
-                <a:solidFill>
-                  <a:srgbClr val="000000"/>
-                </a:solidFill>
-                <a:latin typeface="Gill Sans"/>
-                <a:cs typeface="Gill Sans"/>
-              </a:rPr>
-              <a:t> Table</a:t>
-            </a:r>
-          </a:p>
-        </p:txBody>
-      </p:sp>
-      <p:graphicFrame>
-        <p:nvGraphicFramePr>
-          <p:cNvPr id="5123" name="Object 3"/>
-          <p:cNvGraphicFramePr>
-            <a:graphicFrameLocks noChangeAspect="1"/>
-          </p:cNvGraphicFramePr>
-          <p:nvPr/>
-        </p:nvGraphicFramePr>
-        <p:xfrm>
-          <a:off x="530225" y="1466850"/>
-          <a:ext cx="6591300" cy="1096963"/>
-        </p:xfrm>
-        <a:graphic>
-          <a:graphicData uri="http://schemas.openxmlformats.org/presentationml/2006/ole">
-            <mc:AlternateContent xmlns:mc="http://schemas.openxmlformats.org/markup-compatibility/2006">
-              <mc:Choice xmlns:v="urn:schemas-microsoft-com:vml" Requires="v">
-                <p:oleObj spid="_x0000_s18748" name="Worksheet" r:id="rId5" imgW="4753094" imgH="819269" progId="Excel.Sheet.8">
-                  <p:embed/>
-                </p:oleObj>
-              </mc:Choice>
-              <mc:Fallback>
-                <p:oleObj name="Worksheet" r:id="rId5" imgW="4753094" imgH="819269" progId="Excel.Sheet.8">
-                  <p:embed/>
-                  <p:pic>
-                    <p:nvPicPr>
-                      <p:cNvPr id="0" name=""/>
-                      <p:cNvPicPr>
-                        <a:picLocks noChangeAspect="1" noChangeArrowheads="1"/>
-                      </p:cNvPicPr>
-                      <p:nvPr/>
-                    </p:nvPicPr>
-                    <p:blipFill>
-                      <a:blip r:embed="rId6">
-                        <a:extLst>
-                          <a:ext uri="{28A0092B-C50C-407E-A947-70E740481C1C}">
-                            <a14:useLocalDpi xmlns:a14="http://schemas.microsoft.com/office/drawing/2010/main" val="0"/>
-                          </a:ext>
-                        </a:extLst>
-                      </a:blip>
-                      <a:srcRect/>
-                      <a:stretch>
-                        <a:fillRect/>
-                      </a:stretch>
-                    </p:blipFill>
-                    <p:spPr bwMode="auto">
-                      <a:xfrm>
-                        <a:off x="530225" y="1466850"/>
-                        <a:ext cx="6591300" cy="1096963"/>
-                      </a:xfrm>
-                      <a:prstGeom prst="rect">
-                        <a:avLst/>
-                      </a:prstGeom>
-                      <a:solidFill>
-                        <a:schemeClr val="tx1"/>
-                      </a:solidFill>
-                      <a:ln>
-                        <a:noFill/>
-                      </a:ln>
-                      <a:effectLst/>
-                      <a:extLst>
-                        <a:ext uri="{91240B29-F687-4f45-9708-019B960494DF}">
-                          <a14:hiddenLine xmlns:a14="http://schemas.microsoft.com/office/drawing/2010/main" w="12700">
-                            <a:solidFill>
-                              <a:schemeClr val="tx1"/>
-                            </a:solidFill>
-                            <a:miter lim="800000"/>
-                            <a:headEnd/>
-                            <a:tailEnd/>
-                          </a14:hiddenLine>
-                        </a:ext>
-                        <a:ext uri="{AF507438-7753-43e0-B8FC-AC1667EBCBE1}">
-                          <a14:hiddenEffects xmlns:a14="http://schemas.microsoft.com/office/drawing/2010/main">
-                            <a:effectLst>
-                              <a:outerShdw blurRad="63500" dist="38099" dir="2700000" algn="ctr" rotWithShape="0">
-                                <a:schemeClr val="bg2">
-                                  <a:alpha val="74998"/>
-                                </a:schemeClr>
-                              </a:outerShdw>
-                            </a:effectLst>
-                          </a14:hiddenEffects>
-                        </a:ext>
-                      </a:extLst>
-                    </p:spPr>
-                  </p:pic>
-                </p:oleObj>
-              </mc:Fallback>
-            </mc:AlternateContent>
-          </a:graphicData>
-        </a:graphic>
-      </p:graphicFrame>
-      <p:sp>
-        <p:nvSpPr>
-          <p:cNvPr id="5129" name="Text Box 22"/>
-          <p:cNvSpPr txBox="1">
-            <a:spLocks noChangeArrowheads="1"/>
-          </p:cNvSpPr>
-          <p:nvPr/>
-        </p:nvSpPr>
-        <p:spPr bwMode="auto">
-          <a:xfrm>
-            <a:off x="457200" y="1066800"/>
-            <a:ext cx="1561871" cy="400110"/>
-          </a:xfrm>
-          <a:prstGeom prst="rect">
-            <a:avLst/>
-          </a:prstGeom>
-          <a:noFill/>
-          <a:ln>
-            <a:noFill/>
-          </a:ln>
-          <a:extLst>
-            <a:ext uri="{909E8E84-426E-40dd-AFC4-6F175D3DCCD1}">
-              <a14:hiddenFill xmlns:a14="http://schemas.microsoft.com/office/drawing/2010/main">
-                <a:solidFill>
-                  <a:srgbClr val="FFFFFF"/>
-                </a:solidFill>
-              </a14:hiddenFill>
-            </a:ext>
-            <a:ext uri="{91240B29-F687-4f45-9708-019B960494DF}">
-              <a14:hiddenLine xmlns:a14="http://schemas.microsoft.com/office/drawing/2010/main" w="12700">
-                <a:solidFill>
-                  <a:srgbClr val="000000"/>
-                </a:solidFill>
-                <a:miter lim="800000"/>
-                <a:headEnd/>
-                <a:tailEnd/>
-              </a14:hiddenLine>
-            </a:ext>
-          </a:extLst>
-        </p:spPr>
-        <p:txBody>
-          <a:bodyPr wrap="none">
-            <a:spAutoFit/>
-          </a:bodyPr>
-          <a:lstStyle>
-            <a:lvl1pPr>
-              <a:defRPr sz="1600" b="1">
-                <a:solidFill>
-                  <a:schemeClr val="tx1"/>
-                </a:solidFill>
-                <a:latin typeface="Arial" charset="0"/>
-                <a:ea typeface="ＭＳ Ｐゴシック" charset="0"/>
-              </a:defRPr>
-            </a:lvl1pPr>
-            <a:lvl2pPr marL="742950" indent="-285750">
-              <a:defRPr sz="1600" b="1">
-                <a:solidFill>
-                  <a:schemeClr val="tx1"/>
-                </a:solidFill>
-                <a:latin typeface="Arial" charset="0"/>
-                <a:ea typeface="ＭＳ Ｐゴシック" charset="0"/>
-              </a:defRPr>
-            </a:lvl2pPr>
-            <a:lvl3pPr marL="1143000" indent="-228600">
-              <a:defRPr sz="1600" b="1">
-                <a:solidFill>
-                  <a:schemeClr val="tx1"/>
-                </a:solidFill>
-                <a:latin typeface="Arial" charset="0"/>
-                <a:ea typeface="ＭＳ Ｐゴシック" charset="0"/>
-              </a:defRPr>
-            </a:lvl3pPr>
-            <a:lvl4pPr marL="1600200" indent="-228600">
-              <a:defRPr sz="1600" b="1">
-                <a:solidFill>
-                  <a:schemeClr val="tx1"/>
-                </a:solidFill>
-                <a:latin typeface="Arial" charset="0"/>
-                <a:ea typeface="ＭＳ Ｐゴシック" charset="0"/>
-              </a:defRPr>
-            </a:lvl4pPr>
-            <a:lvl5pPr marL="2057400" indent="-228600">
-              <a:defRPr sz="1600" b="1">
-                <a:solidFill>
-                  <a:schemeClr val="tx1"/>
-                </a:solidFill>
-                <a:latin typeface="Arial" charset="0"/>
-                <a:ea typeface="ＭＳ Ｐゴシック" charset="0"/>
-              </a:defRPr>
-            </a:lvl5pPr>
-            <a:lvl6pPr marL="2514600" indent="-228600" eaLnBrk="0" fontAlgn="base" hangingPunct="0">
-              <a:spcBef>
-                <a:spcPct val="0"/>
-              </a:spcBef>
-              <a:spcAft>
-                <a:spcPct val="0"/>
-              </a:spcAft>
-              <a:defRPr sz="1600" b="1">
-                <a:solidFill>
-                  <a:schemeClr val="tx1"/>
-                </a:solidFill>
-                <a:latin typeface="Arial" charset="0"/>
-                <a:ea typeface="ＭＳ Ｐゴシック" charset="0"/>
-              </a:defRPr>
-            </a:lvl6pPr>
-            <a:lvl7pPr marL="2971800" indent="-228600" eaLnBrk="0" fontAlgn="base" hangingPunct="0">
-              <a:spcBef>
-                <a:spcPct val="0"/>
-              </a:spcBef>
-              <a:spcAft>
-                <a:spcPct val="0"/>
-              </a:spcAft>
-              <a:defRPr sz="1600" b="1">
-                <a:solidFill>
-                  <a:schemeClr val="tx1"/>
-                </a:solidFill>
-                <a:latin typeface="Arial" charset="0"/>
-                <a:ea typeface="ＭＳ Ｐゴシック" charset="0"/>
-              </a:defRPr>
-            </a:lvl7pPr>
-            <a:lvl8pPr marL="3429000" indent="-228600" eaLnBrk="0" fontAlgn="base" hangingPunct="0">
-              <a:spcBef>
-                <a:spcPct val="0"/>
-              </a:spcBef>
-              <a:spcAft>
-                <a:spcPct val="0"/>
-              </a:spcAft>
-              <a:defRPr sz="1600" b="1">
-                <a:solidFill>
-                  <a:schemeClr val="tx1"/>
-                </a:solidFill>
-                <a:latin typeface="Arial" charset="0"/>
-                <a:ea typeface="ＭＳ Ｐゴシック" charset="0"/>
-              </a:defRPr>
-            </a:lvl8pPr>
-            <a:lvl9pPr marL="3886200" indent="-228600" eaLnBrk="0" fontAlgn="base" hangingPunct="0">
-              <a:spcBef>
-                <a:spcPct val="0"/>
-              </a:spcBef>
-              <a:spcAft>
-                <a:spcPct val="0"/>
-              </a:spcAft>
-              <a:defRPr sz="1600" b="1">
-                <a:solidFill>
-                  <a:schemeClr val="tx1"/>
-                </a:solidFill>
-                <a:latin typeface="Arial" charset="0"/>
-                <a:ea typeface="ＭＳ Ｐゴシック" charset="0"/>
-              </a:defRPr>
-            </a:lvl9pPr>
-          </a:lstStyle>
-          <a:p>
-            <a:r>
-              <a:rPr lang="en-US" sz="2000" b="0" dirty="0">
-                <a:solidFill>
-                  <a:srgbClr val="000000"/>
-                </a:solidFill>
-                <a:latin typeface="Gill Sans"/>
-                <a:cs typeface="Gill Sans"/>
-              </a:rPr>
-              <a:t>Student Table</a:t>
-            </a:r>
-          </a:p>
-        </p:txBody>
-      </p:sp>
-      <p:sp>
-        <p:nvSpPr>
-          <p:cNvPr id="5130" name="Text Box 26"/>
-          <p:cNvSpPr txBox="1">
-            <a:spLocks noChangeArrowheads="1"/>
-          </p:cNvSpPr>
-          <p:nvPr/>
-        </p:nvSpPr>
-        <p:spPr bwMode="auto">
-          <a:xfrm>
-            <a:off x="5322888" y="2667000"/>
-            <a:ext cx="2042772" cy="400110"/>
-          </a:xfrm>
-          <a:prstGeom prst="rect">
-            <a:avLst/>
-          </a:prstGeom>
-          <a:noFill/>
-          <a:ln>
-            <a:noFill/>
-          </a:ln>
-          <a:extLst>
-            <a:ext uri="{909E8E84-426E-40dd-AFC4-6F175D3DCCD1}">
-              <a14:hiddenFill xmlns:a14="http://schemas.microsoft.com/office/drawing/2010/main">
-                <a:solidFill>
-                  <a:srgbClr val="FFFFFF"/>
-                </a:solidFill>
-              </a14:hiddenFill>
-            </a:ext>
-            <a:ext uri="{91240B29-F687-4f45-9708-019B960494DF}">
-              <a14:hiddenLine xmlns:a14="http://schemas.microsoft.com/office/drawing/2010/main" w="12700">
-                <a:solidFill>
-                  <a:srgbClr val="000000"/>
-                </a:solidFill>
-                <a:miter lim="800000"/>
-                <a:headEnd/>
-                <a:tailEnd/>
-              </a14:hiddenLine>
-            </a:ext>
-          </a:extLst>
-        </p:spPr>
-        <p:txBody>
-          <a:bodyPr wrap="none">
-            <a:spAutoFit/>
-          </a:bodyPr>
-          <a:lstStyle>
-            <a:lvl1pPr>
-              <a:defRPr sz="1600" b="1">
-                <a:solidFill>
-                  <a:schemeClr val="tx1"/>
-                </a:solidFill>
-                <a:latin typeface="Arial" charset="0"/>
-                <a:ea typeface="ＭＳ Ｐゴシック" charset="0"/>
-              </a:defRPr>
-            </a:lvl1pPr>
-            <a:lvl2pPr marL="742950" indent="-285750">
-              <a:defRPr sz="1600" b="1">
-                <a:solidFill>
-                  <a:schemeClr val="tx1"/>
-                </a:solidFill>
-                <a:latin typeface="Arial" charset="0"/>
-                <a:ea typeface="ＭＳ Ｐゴシック" charset="0"/>
-              </a:defRPr>
-            </a:lvl2pPr>
-            <a:lvl3pPr marL="1143000" indent="-228600">
-              <a:defRPr sz="1600" b="1">
-                <a:solidFill>
-                  <a:schemeClr val="tx1"/>
-                </a:solidFill>
-                <a:latin typeface="Arial" charset="0"/>
-                <a:ea typeface="ＭＳ Ｐゴシック" charset="0"/>
-              </a:defRPr>
-            </a:lvl3pPr>
-            <a:lvl4pPr marL="1600200" indent="-228600">
-              <a:defRPr sz="1600" b="1">
-                <a:solidFill>
-                  <a:schemeClr val="tx1"/>
-                </a:solidFill>
-                <a:latin typeface="Arial" charset="0"/>
-                <a:ea typeface="ＭＳ Ｐゴシック" charset="0"/>
-              </a:defRPr>
-            </a:lvl4pPr>
-            <a:lvl5pPr marL="2057400" indent="-228600">
-              <a:defRPr sz="1600" b="1">
-                <a:solidFill>
-                  <a:schemeClr val="tx1"/>
-                </a:solidFill>
-                <a:latin typeface="Arial" charset="0"/>
-                <a:ea typeface="ＭＳ Ｐゴシック" charset="0"/>
-              </a:defRPr>
-            </a:lvl5pPr>
-            <a:lvl6pPr marL="2514600" indent="-228600" eaLnBrk="0" fontAlgn="base" hangingPunct="0">
-              <a:spcBef>
-                <a:spcPct val="0"/>
-              </a:spcBef>
-              <a:spcAft>
-                <a:spcPct val="0"/>
-              </a:spcAft>
-              <a:defRPr sz="1600" b="1">
-                <a:solidFill>
-                  <a:schemeClr val="tx1"/>
-                </a:solidFill>
-                <a:latin typeface="Arial" charset="0"/>
-                <a:ea typeface="ＭＳ Ｐゴシック" charset="0"/>
-              </a:defRPr>
-            </a:lvl6pPr>
-            <a:lvl7pPr marL="2971800" indent="-228600" eaLnBrk="0" fontAlgn="base" hangingPunct="0">
-              <a:spcBef>
-                <a:spcPct val="0"/>
-              </a:spcBef>
-              <a:spcAft>
-                <a:spcPct val="0"/>
-              </a:spcAft>
-              <a:defRPr sz="1600" b="1">
-                <a:solidFill>
-                  <a:schemeClr val="tx1"/>
-                </a:solidFill>
-                <a:latin typeface="Arial" charset="0"/>
-                <a:ea typeface="ＭＳ Ｐゴシック" charset="0"/>
-              </a:defRPr>
-            </a:lvl7pPr>
-            <a:lvl8pPr marL="3429000" indent="-228600" eaLnBrk="0" fontAlgn="base" hangingPunct="0">
-              <a:spcBef>
-                <a:spcPct val="0"/>
-              </a:spcBef>
-              <a:spcAft>
-                <a:spcPct val="0"/>
-              </a:spcAft>
-              <a:defRPr sz="1600" b="1">
-                <a:solidFill>
-                  <a:schemeClr val="tx1"/>
-                </a:solidFill>
-                <a:latin typeface="Arial" charset="0"/>
-                <a:ea typeface="ＭＳ Ｐゴシック" charset="0"/>
-              </a:defRPr>
-            </a:lvl8pPr>
-            <a:lvl9pPr marL="3886200" indent="-228600" eaLnBrk="0" fontAlgn="base" hangingPunct="0">
-              <a:spcBef>
-                <a:spcPct val="0"/>
-              </a:spcBef>
-              <a:spcAft>
-                <a:spcPct val="0"/>
-              </a:spcAft>
-              <a:defRPr sz="1600" b="1">
-                <a:solidFill>
-                  <a:schemeClr val="tx1"/>
-                </a:solidFill>
-                <a:latin typeface="Arial" charset="0"/>
-                <a:ea typeface="ＭＳ Ｐゴシック" charset="0"/>
-              </a:defRPr>
-            </a:lvl9pPr>
-          </a:lstStyle>
-          <a:p>
-            <a:r>
-              <a:rPr lang="en-US" sz="2000" b="0">
-                <a:solidFill>
-                  <a:srgbClr val="000000"/>
-                </a:solidFill>
-                <a:latin typeface="Gill Sans"/>
-                <a:cs typeface="Gill Sans"/>
-              </a:rPr>
-              <a:t>Department Table</a:t>
-            </a:r>
-          </a:p>
-        </p:txBody>
-      </p:sp>
-      <p:graphicFrame>
-        <p:nvGraphicFramePr>
-          <p:cNvPr id="5124" name="Object 4"/>
-          <p:cNvGraphicFramePr>
-            <a:graphicFrameLocks noChangeAspect="1"/>
-          </p:cNvGraphicFramePr>
-          <p:nvPr/>
-        </p:nvGraphicFramePr>
-        <p:xfrm>
-          <a:off x="5322888" y="3124200"/>
-          <a:ext cx="3440112" cy="984250"/>
-        </p:xfrm>
-        <a:graphic>
-          <a:graphicData uri="http://schemas.openxmlformats.org/presentationml/2006/ole">
-            <mc:AlternateContent xmlns:mc="http://schemas.openxmlformats.org/markup-compatibility/2006">
-              <mc:Choice xmlns:v="urn:schemas-microsoft-com:vml" Requires="v">
-                <p:oleObj spid="_x0000_s18749" name="Worksheet" r:id="rId7" imgW="2295704" imgH="657165" progId="Excel.Sheet.8">
-                  <p:embed/>
-                </p:oleObj>
-              </mc:Choice>
-              <mc:Fallback>
-                <p:oleObj name="Worksheet" r:id="rId7" imgW="2295704" imgH="657165" progId="Excel.Sheet.8">
-                  <p:embed/>
-                  <p:pic>
-                    <p:nvPicPr>
-                      <p:cNvPr id="0" name=""/>
-                      <p:cNvPicPr>
-                        <a:picLocks noChangeAspect="1" noChangeArrowheads="1"/>
-                      </p:cNvPicPr>
-                      <p:nvPr/>
-                    </p:nvPicPr>
-                    <p:blipFill>
-                      <a:blip r:embed="rId8">
-                        <a:extLst>
-                          <a:ext uri="{28A0092B-C50C-407E-A947-70E740481C1C}">
-                            <a14:useLocalDpi xmlns:a14="http://schemas.microsoft.com/office/drawing/2010/main" val="0"/>
-                          </a:ext>
-                        </a:extLst>
-                      </a:blip>
-                      <a:srcRect/>
-                      <a:stretch>
-                        <a:fillRect/>
-                      </a:stretch>
-                    </p:blipFill>
-                    <p:spPr bwMode="auto">
-                      <a:xfrm>
-                        <a:off x="5322888" y="3124200"/>
-                        <a:ext cx="3440112" cy="984250"/>
-                      </a:xfrm>
-                      <a:prstGeom prst="rect">
-                        <a:avLst/>
-                      </a:prstGeom>
-                      <a:solidFill>
-                        <a:schemeClr val="tx1"/>
-                      </a:solidFill>
-                      <a:ln>
-                        <a:noFill/>
-                      </a:ln>
-                      <a:effectLst/>
-                      <a:extLst>
-                        <a:ext uri="{91240B29-F687-4f45-9708-019B960494DF}">
-                          <a14:hiddenLine xmlns:a14="http://schemas.microsoft.com/office/drawing/2010/main" w="12700">
-                            <a:solidFill>
-                              <a:schemeClr val="tx1"/>
-                            </a:solidFill>
-                            <a:miter lim="800000"/>
-                            <a:headEnd/>
-                            <a:tailEnd/>
-                          </a14:hiddenLine>
-                        </a:ext>
-                        <a:ext uri="{AF507438-7753-43e0-B8FC-AC1667EBCBE1}">
-                          <a14:hiddenEffects xmlns:a14="http://schemas.microsoft.com/office/drawing/2010/main">
-                            <a:effectLst>
-                              <a:outerShdw blurRad="63500" dist="38099" dir="2700000" algn="ctr" rotWithShape="0">
-                                <a:schemeClr val="bg2">
-                                  <a:alpha val="74998"/>
-                                </a:schemeClr>
-                              </a:outerShdw>
-                            </a:effectLst>
-                          </a14:hiddenEffects>
-                        </a:ext>
-                      </a:extLst>
-                    </p:spPr>
-                  </p:pic>
-                </p:oleObj>
-              </mc:Fallback>
-            </mc:AlternateContent>
-          </a:graphicData>
-        </a:graphic>
-      </p:graphicFrame>
-      <p:sp>
-        <p:nvSpPr>
-          <p:cNvPr id="5131" name="Rectangle 27"/>
-          <p:cNvSpPr>
-            <a:spLocks noChangeArrowheads="1"/>
-          </p:cNvSpPr>
-          <p:nvPr/>
-        </p:nvSpPr>
-        <p:spPr bwMode="auto">
-          <a:xfrm>
-            <a:off x="3962400" y="1447800"/>
-            <a:ext cx="1447800" cy="1143000"/>
-          </a:xfrm>
-          <a:prstGeom prst="rect">
-            <a:avLst/>
-          </a:prstGeom>
-          <a:noFill/>
-          <a:ln w="50800">
-            <a:solidFill>
-              <a:srgbClr val="FF0000"/>
-            </a:solidFill>
-            <a:prstDash val="sysDash"/>
-            <a:miter lim="800000"/>
-            <a:headEnd/>
-            <a:tailEnd/>
-          </a:ln>
-          <a:extLst>
-            <a:ext uri="{909E8E84-426E-40dd-AFC4-6F175D3DCCD1}">
-              <a14:hiddenFill xmlns:a14="http://schemas.microsoft.com/office/drawing/2010/main">
-                <a:solidFill>
-                  <a:srgbClr val="FFFFFF"/>
-                </a:solidFill>
-              </a14:hiddenFill>
-            </a:ext>
-          </a:extLst>
-        </p:spPr>
-        <p:txBody>
-          <a:bodyPr wrap="none" anchor="ctr"/>
-          <a:lstStyle/>
-          <a:p>
-            <a:endParaRPr lang="en-US"/>
-          </a:p>
-        </p:txBody>
-      </p:sp>
-      <p:sp>
-        <p:nvSpPr>
-          <p:cNvPr id="5132" name="Rectangle 28"/>
-          <p:cNvSpPr>
-            <a:spLocks noChangeArrowheads="1"/>
-          </p:cNvSpPr>
-          <p:nvPr/>
-        </p:nvSpPr>
-        <p:spPr bwMode="auto">
-          <a:xfrm>
-            <a:off x="5322888" y="3124200"/>
-            <a:ext cx="1447800" cy="990600"/>
-          </a:xfrm>
-          <a:prstGeom prst="rect">
-            <a:avLst/>
-          </a:prstGeom>
-          <a:noFill/>
-          <a:ln w="50800">
-            <a:solidFill>
-              <a:srgbClr val="FF0000"/>
-            </a:solidFill>
-            <a:prstDash val="sysDash"/>
-            <a:miter lim="800000"/>
-            <a:headEnd/>
-            <a:tailEnd/>
-          </a:ln>
-          <a:extLst>
-            <a:ext uri="{909E8E84-426E-40dd-AFC4-6F175D3DCCD1}">
-              <a14:hiddenFill xmlns:a14="http://schemas.microsoft.com/office/drawing/2010/main">
-                <a:solidFill>
-                  <a:srgbClr val="FFFFFF"/>
-                </a:solidFill>
-              </a14:hiddenFill>
-            </a:ext>
-          </a:extLst>
-        </p:spPr>
-        <p:txBody>
-          <a:bodyPr wrap="none" anchor="ctr"/>
-          <a:lstStyle/>
-          <a:p>
-            <a:endParaRPr lang="en-US"/>
+            <a:endParaRPr lang="en-US" sz="1800" b="0" dirty="0">
+              <a:solidFill>
+                <a:srgbClr val="FF0000"/>
+              </a:solidFill>
+              <a:latin typeface="Gill Sans"/>
+              <a:cs typeface="Gill Sans"/>
+            </a:endParaRPr>
           </a:p>
         </p:txBody>
       </p:sp>
     </p:spTree>
     <p:extLst>
       <p:ext uri="{BB962C8B-B14F-4D97-AF65-F5344CB8AC3E}">
-        <p14:creationId xmlns:p14="http://schemas.microsoft.com/office/powerpoint/2010/main" val="2756273675"/>
+        <p14:creationId xmlns:p14="http://schemas.microsoft.com/office/powerpoint/2010/main" val="2005849810"/>
       </p:ext>
     </p:extLst>
   </p:cSld>
@@ -15983,9 +15294,9 @@
       </p:grpSpPr>
       <p:sp>
         <p:nvSpPr>
-          <p:cNvPr id="34818" name="Rectangle 2"/>
+          <p:cNvPr id="2" name="Title 1"/>
           <p:cNvSpPr>
-            <a:spLocks noGrp="1" noChangeArrowheads="1"/>
+            <a:spLocks noGrp="1"/>
           </p:cNvSpPr>
           <p:nvPr>
             <p:ph type="title"/>
@@ -15997,84 +15308,16 @@
           <a:lstStyle/>
           <a:p>
             <a:r>
-              <a:rPr lang="en-US" smtClean="0"/>
-              <a:t>Relational Operations</a:t>
-            </a:r>
-            <a:endParaRPr lang="en-US"/>
+              <a:rPr lang="en-US" dirty="0" smtClean="0"/>
+              <a:t>Simple SQL Template</a:t>
+            </a:r>
+            <a:endParaRPr lang="en-US" dirty="0"/>
           </a:p>
         </p:txBody>
       </p:sp>
       <p:sp>
         <p:nvSpPr>
-          <p:cNvPr id="34819" name="Rectangle 3"/>
-          <p:cNvSpPr>
-            <a:spLocks noGrp="1" noChangeArrowheads="1"/>
-          </p:cNvSpPr>
-          <p:nvPr>
-            <p:ph type="body" idx="1"/>
-          </p:nvPr>
-        </p:nvSpPr>
-        <p:spPr/>
-        <p:txBody>
-          <a:bodyPr/>
-          <a:lstStyle/>
-          <a:p>
-            <a:r>
-              <a:rPr lang="en-US" dirty="0" smtClean="0"/>
-              <a:t>Joining tables: JOIN</a:t>
-            </a:r>
-          </a:p>
-          <a:p>
-            <a:r>
-              <a:rPr lang="en-US" dirty="0" smtClean="0"/>
-              <a:t>Choosing columns: SELECT</a:t>
-            </a:r>
-          </a:p>
-          <a:p>
-            <a:pPr lvl="1"/>
-            <a:r>
-              <a:rPr lang="en-US" dirty="0" smtClean="0"/>
-              <a:t>Based on their labels (field names)</a:t>
-            </a:r>
-          </a:p>
-          <a:p>
-            <a:pPr lvl="1"/>
-            <a:r>
-              <a:rPr lang="en-US" dirty="0" smtClean="0"/>
-              <a:t>* is a shorthand for saying “all fields”</a:t>
-            </a:r>
-          </a:p>
-          <a:p>
-            <a:r>
-              <a:rPr lang="en-US" dirty="0" smtClean="0"/>
-              <a:t>Choosing rows: WHERE</a:t>
-            </a:r>
-          </a:p>
-          <a:p>
-            <a:pPr lvl="1"/>
-            <a:r>
-              <a:rPr lang="en-US" dirty="0" smtClean="0"/>
-              <a:t>Based on their contents</a:t>
-            </a:r>
-          </a:p>
-          <a:p>
-            <a:pPr lvl="1"/>
-            <a:endParaRPr lang="en-US" dirty="0" smtClean="0"/>
-          </a:p>
-          <a:p>
-            <a:r>
-              <a:rPr lang="en-US" dirty="0" smtClean="0"/>
-              <a:t>These can be specified together</a:t>
-            </a:r>
-          </a:p>
-          <a:p>
-            <a:endParaRPr lang="en-US" dirty="0"/>
-          </a:p>
-        </p:txBody>
-      </p:sp>
-      <p:sp>
-        <p:nvSpPr>
-          <p:cNvPr id="34820" name="Text Box 4"/>
+          <p:cNvPr id="4" name="TextBox 1"/>
           <p:cNvSpPr txBox="1">
             <a:spLocks noChangeArrowheads="1"/>
           </p:cNvSpPr>
@@ -16082,8 +15325,8 @@
         </p:nvSpPr>
         <p:spPr bwMode="auto">
           <a:xfrm>
-            <a:off x="1219200" y="3821668"/>
-            <a:ext cx="2540554" cy="369332"/>
+            <a:off x="685800" y="1752600"/>
+            <a:ext cx="4953000" cy="523220"/>
           </a:xfrm>
           <a:prstGeom prst="rect">
             <a:avLst/>
@@ -16113,7 +15356,7 @@
           </a:extLst>
         </p:spPr>
         <p:txBody>
-          <a:bodyPr wrap="none">
+          <a:bodyPr wrap="square">
             <a:spAutoFit/>
           </a:bodyPr>
           <a:lstStyle>
@@ -16225,48 +15468,28 @@
           </a:lstStyle>
           <a:p>
             <a:r>
-              <a:rPr lang="en-US" sz="1800" b="0" dirty="0">
+              <a:rPr lang="en-US" sz="2800" b="0" dirty="0" smtClean="0">
                 <a:solidFill>
                   <a:srgbClr val="FF0000"/>
                 </a:solidFill>
                 <a:latin typeface="Gill Sans"/>
                 <a:cs typeface="Gill Sans"/>
               </a:rPr>
-              <a:t>department ID = </a:t>
-            </a:r>
-            <a:r>
-              <a:rPr lang="ja-JP" altLang="en-US" sz="1800" b="0" dirty="0">
-                <a:solidFill>
-                  <a:srgbClr val="FF0000"/>
+              <a:t>select</a:t>
+            </a:r>
+            <a:r>
+              <a:rPr lang="en-US" sz="2800" b="0" dirty="0" smtClean="0">
+                <a:solidFill>
+                  <a:srgbClr val="000000"/>
                 </a:solidFill>
                 <a:latin typeface="Gill Sans"/>
                 <a:cs typeface="Gill Sans"/>
               </a:rPr>
-              <a:t>“</a:t>
-            </a:r>
-            <a:r>
-              <a:rPr lang="en-US" sz="1800" b="0" dirty="0">
-                <a:solidFill>
-                  <a:srgbClr val="FF0000"/>
-                </a:solidFill>
-                <a:latin typeface="Gill Sans"/>
-                <a:cs typeface="Gill Sans"/>
-              </a:rPr>
-              <a:t>HIST</a:t>
-            </a:r>
-            <a:r>
-              <a:rPr lang="ja-JP" altLang="en-US" sz="1800" b="0" dirty="0">
-                <a:solidFill>
-                  <a:srgbClr val="FF0000"/>
-                </a:solidFill>
-                <a:latin typeface="Gill Sans"/>
-                <a:cs typeface="Gill Sans"/>
-              </a:rPr>
-              <a:t>”</a:t>
-            </a:r>
-            <a:endParaRPr lang="en-US" sz="1800" b="0" dirty="0">
+              <a:t> [columns in the table]</a:t>
+            </a:r>
+            <a:endParaRPr lang="en-US" sz="2800" b="0" dirty="0">
               <a:solidFill>
-                <a:srgbClr val="FF0000"/>
+                <a:srgbClr val="000000"/>
               </a:solidFill>
               <a:latin typeface="Gill Sans"/>
               <a:cs typeface="Gill Sans"/>
@@ -16276,7 +15499,7 @@
       </p:sp>
       <p:sp>
         <p:nvSpPr>
-          <p:cNvPr id="34821" name="Text Box 5"/>
+          <p:cNvPr id="6" name="TextBox 1"/>
           <p:cNvSpPr txBox="1">
             <a:spLocks noChangeArrowheads="1"/>
           </p:cNvSpPr>
@@ -16284,8 +15507,8 @@
         </p:nvSpPr>
         <p:spPr bwMode="auto">
           <a:xfrm>
-            <a:off x="1219200" y="4736068"/>
-            <a:ext cx="4749918" cy="369332"/>
+            <a:off x="1143000" y="2296180"/>
+            <a:ext cx="4953000" cy="523220"/>
           </a:xfrm>
           <a:prstGeom prst="rect">
             <a:avLst/>
@@ -16315,7 +15538,7 @@
           </a:extLst>
         </p:spPr>
         <p:txBody>
-          <a:bodyPr wrap="none">
+          <a:bodyPr wrap="square">
             <a:spAutoFit/>
           </a:bodyPr>
           <a:lstStyle>
@@ -16427,108 +15650,210 @@
           </a:lstStyle>
           <a:p>
             <a:r>
-              <a:rPr lang="en-US" sz="1800" b="0" dirty="0" smtClean="0">
+              <a:rPr lang="en-US" sz="2800" b="0" dirty="0" smtClean="0">
                 <a:solidFill>
                   <a:srgbClr val="FF0000"/>
                 </a:solidFill>
                 <a:latin typeface="Gill Sans"/>
                 <a:cs typeface="Gill Sans"/>
               </a:rPr>
-              <a:t>select </a:t>
-            </a:r>
-            <a:r>
-              <a:rPr lang="en-US" sz="1800" b="0" dirty="0">
-                <a:solidFill>
-                  <a:srgbClr val="FF0000"/>
+              <a:t>from</a:t>
+            </a:r>
+            <a:r>
+              <a:rPr lang="en-US" sz="2800" b="0" dirty="0" smtClean="0">
+                <a:solidFill>
+                  <a:srgbClr val="000000"/>
                 </a:solidFill>
                 <a:latin typeface="Gill Sans"/>
                 <a:cs typeface="Gill Sans"/>
               </a:rPr>
-              <a:t>Student ID, </a:t>
-            </a:r>
-            <a:r>
-              <a:rPr lang="en-US" sz="1800" b="0" dirty="0" err="1">
+              <a:t> [table name]</a:t>
+            </a:r>
+            <a:endParaRPr lang="en-US" sz="2800" b="0" dirty="0">
+              <a:solidFill>
+                <a:srgbClr val="000000"/>
+              </a:solidFill>
+              <a:latin typeface="Gill Sans"/>
+              <a:cs typeface="Gill Sans"/>
+            </a:endParaRPr>
+          </a:p>
+        </p:txBody>
+      </p:sp>
+      <p:sp>
+        <p:nvSpPr>
+          <p:cNvPr id="10" name="TextBox 1"/>
+          <p:cNvSpPr txBox="1">
+            <a:spLocks noChangeArrowheads="1"/>
+          </p:cNvSpPr>
+          <p:nvPr/>
+        </p:nvSpPr>
+        <p:spPr bwMode="auto">
+          <a:xfrm>
+            <a:off x="1143000" y="2819400"/>
+            <a:ext cx="7162800" cy="523220"/>
+          </a:xfrm>
+          <a:prstGeom prst="rect">
+            <a:avLst/>
+          </a:prstGeom>
+          <a:noFill/>
+          <a:ln>
+            <a:noFill/>
+          </a:ln>
+          <a:extLst>
+            <a:ext uri="{909E8E84-426E-40dd-AFC4-6F175D3DCCD1}">
+              <a14:hiddenFill xmlns:a14="http://schemas.microsoft.com/office/drawing/2010/main">
+                <a:solidFill>
+                  <a:srgbClr val="FFFFFF"/>
+                </a:solidFill>
+              </a14:hiddenFill>
+            </a:ext>
+            <a:ext uri="{91240B29-F687-4f45-9708-019B960494DF}">
+              <a14:hiddenLine xmlns:a14="http://schemas.microsoft.com/office/drawing/2010/main" w="9525">
+                <a:solidFill>
+                  <a:srgbClr val="000000"/>
+                </a:solidFill>
+                <a:miter lim="800000"/>
+                <a:headEnd/>
+                <a:tailEnd/>
+              </a14:hiddenLine>
+            </a:ext>
+          </a:extLst>
+        </p:spPr>
+        <p:txBody>
+          <a:bodyPr wrap="square">
+            <a:spAutoFit/>
+          </a:bodyPr>
+          <a:lstStyle>
+            <a:lvl1pPr>
+              <a:defRPr sz="1600" b="1">
+                <a:solidFill>
+                  <a:schemeClr val="tx1"/>
+                </a:solidFill>
+                <a:latin typeface="Arial" charset="0"/>
+                <a:ea typeface="ＭＳ Ｐゴシック" charset="0"/>
+              </a:defRPr>
+            </a:lvl1pPr>
+            <a:lvl2pPr marL="742950" indent="-285750">
+              <a:defRPr sz="1600" b="1">
+                <a:solidFill>
+                  <a:schemeClr val="tx1"/>
+                </a:solidFill>
+                <a:latin typeface="Arial" charset="0"/>
+                <a:ea typeface="ＭＳ Ｐゴシック" charset="0"/>
+              </a:defRPr>
+            </a:lvl2pPr>
+            <a:lvl3pPr marL="1143000" indent="-228600">
+              <a:defRPr sz="1600" b="1">
+                <a:solidFill>
+                  <a:schemeClr val="tx1"/>
+                </a:solidFill>
+                <a:latin typeface="Arial" charset="0"/>
+                <a:ea typeface="ＭＳ Ｐゴシック" charset="0"/>
+              </a:defRPr>
+            </a:lvl3pPr>
+            <a:lvl4pPr marL="1600200" indent="-228600">
+              <a:defRPr sz="1600" b="1">
+                <a:solidFill>
+                  <a:schemeClr val="tx1"/>
+                </a:solidFill>
+                <a:latin typeface="Arial" charset="0"/>
+                <a:ea typeface="ＭＳ Ｐゴシック" charset="0"/>
+              </a:defRPr>
+            </a:lvl4pPr>
+            <a:lvl5pPr marL="2057400" indent="-228600">
+              <a:defRPr sz="1600" b="1">
+                <a:solidFill>
+                  <a:schemeClr val="tx1"/>
+                </a:solidFill>
+                <a:latin typeface="Arial" charset="0"/>
+                <a:ea typeface="ＭＳ Ｐゴシック" charset="0"/>
+              </a:defRPr>
+            </a:lvl5pPr>
+            <a:lvl6pPr marL="2514600" indent="-228600" eaLnBrk="0" fontAlgn="base" hangingPunct="0">
+              <a:spcBef>
+                <a:spcPct val="0"/>
+              </a:spcBef>
+              <a:spcAft>
+                <a:spcPct val="0"/>
+              </a:spcAft>
+              <a:defRPr sz="1600" b="1">
+                <a:solidFill>
+                  <a:schemeClr val="tx1"/>
+                </a:solidFill>
+                <a:latin typeface="Arial" charset="0"/>
+                <a:ea typeface="ＭＳ Ｐゴシック" charset="0"/>
+              </a:defRPr>
+            </a:lvl6pPr>
+            <a:lvl7pPr marL="2971800" indent="-228600" eaLnBrk="0" fontAlgn="base" hangingPunct="0">
+              <a:spcBef>
+                <a:spcPct val="0"/>
+              </a:spcBef>
+              <a:spcAft>
+                <a:spcPct val="0"/>
+              </a:spcAft>
+              <a:defRPr sz="1600" b="1">
+                <a:solidFill>
+                  <a:schemeClr val="tx1"/>
+                </a:solidFill>
+                <a:latin typeface="Arial" charset="0"/>
+                <a:ea typeface="ＭＳ Ｐゴシック" charset="0"/>
+              </a:defRPr>
+            </a:lvl7pPr>
+            <a:lvl8pPr marL="3429000" indent="-228600" eaLnBrk="0" fontAlgn="base" hangingPunct="0">
+              <a:spcBef>
+                <a:spcPct val="0"/>
+              </a:spcBef>
+              <a:spcAft>
+                <a:spcPct val="0"/>
+              </a:spcAft>
+              <a:defRPr sz="1600" b="1">
+                <a:solidFill>
+                  <a:schemeClr val="tx1"/>
+                </a:solidFill>
+                <a:latin typeface="Arial" charset="0"/>
+                <a:ea typeface="ＭＳ Ｐゴシック" charset="0"/>
+              </a:defRPr>
+            </a:lvl8pPr>
+            <a:lvl9pPr marL="3886200" indent="-228600" eaLnBrk="0" fontAlgn="base" hangingPunct="0">
+              <a:spcBef>
+                <a:spcPct val="0"/>
+              </a:spcBef>
+              <a:spcAft>
+                <a:spcPct val="0"/>
+              </a:spcAft>
+              <a:defRPr sz="1600" b="1">
+                <a:solidFill>
+                  <a:schemeClr val="tx1"/>
+                </a:solidFill>
+                <a:latin typeface="Arial" charset="0"/>
+                <a:ea typeface="ＭＳ Ｐゴシック" charset="0"/>
+              </a:defRPr>
+            </a:lvl9pPr>
+          </a:lstStyle>
+          <a:p>
+            <a:r>
+              <a:rPr lang="en-US" sz="2800" b="0" dirty="0" smtClean="0">
                 <a:solidFill>
                   <a:srgbClr val="FF0000"/>
                 </a:solidFill>
                 <a:latin typeface="Gill Sans"/>
                 <a:cs typeface="Gill Sans"/>
               </a:rPr>
-              <a:t>Dept</a:t>
-            </a:r>
-            <a:r>
-              <a:rPr lang="en-US" sz="1800" b="0" dirty="0">
-                <a:solidFill>
-                  <a:srgbClr val="FF0000"/>
+              <a:t>where</a:t>
+            </a:r>
+            <a:r>
+              <a:rPr lang="en-US" sz="2800" b="0" dirty="0" smtClean="0">
+                <a:solidFill>
+                  <a:srgbClr val="000000"/>
                 </a:solidFill>
                 <a:latin typeface="Gill Sans"/>
                 <a:cs typeface="Gill Sans"/>
               </a:rPr>
-              <a:t> </a:t>
-            </a:r>
-            <a:r>
-              <a:rPr lang="en-US" sz="1800" b="0" dirty="0" smtClean="0">
-                <a:solidFill>
-                  <a:srgbClr val="FF0000"/>
-                </a:solidFill>
-                <a:latin typeface="Gill Sans"/>
-                <a:cs typeface="Gill Sans"/>
-              </a:rPr>
-              <a:t>where </a:t>
-            </a:r>
-            <a:r>
-              <a:rPr lang="en-US" sz="1800" b="0" dirty="0" err="1">
-                <a:solidFill>
-                  <a:srgbClr val="FF0000"/>
-                </a:solidFill>
-                <a:latin typeface="Gill Sans"/>
-                <a:cs typeface="Gill Sans"/>
-              </a:rPr>
-              <a:t>Dept</a:t>
-            </a:r>
-            <a:r>
-              <a:rPr lang="en-US" sz="1800" b="0" dirty="0">
-                <a:solidFill>
-                  <a:srgbClr val="FF0000"/>
-                </a:solidFill>
-                <a:latin typeface="Gill Sans"/>
-                <a:cs typeface="Gill Sans"/>
-              </a:rPr>
-              <a:t> = </a:t>
-            </a:r>
-            <a:r>
-              <a:rPr lang="ja-JP" altLang="en-US" sz="1800" b="0" dirty="0">
-                <a:solidFill>
-                  <a:srgbClr val="FF0000"/>
-                </a:solidFill>
-                <a:latin typeface="Gill Sans"/>
-                <a:cs typeface="Gill Sans"/>
-              </a:rPr>
-              <a:t>“</a:t>
-            </a:r>
-            <a:r>
-              <a:rPr lang="en-US" sz="1800" b="0" dirty="0">
-                <a:solidFill>
-                  <a:srgbClr val="FF0000"/>
-                </a:solidFill>
-                <a:latin typeface="Gill Sans"/>
-                <a:cs typeface="Gill Sans"/>
-              </a:rPr>
-              <a:t>History</a:t>
-            </a:r>
-            <a:r>
-              <a:rPr lang="ja-JP" altLang="en-US" sz="1800" b="0" dirty="0">
-                <a:solidFill>
-                  <a:srgbClr val="FF0000"/>
-                </a:solidFill>
-                <a:latin typeface="Gill Sans"/>
-                <a:cs typeface="Gill Sans"/>
-              </a:rPr>
-              <a:t>”</a:t>
-            </a:r>
-            <a:endParaRPr lang="en-US" sz="1800" b="0" dirty="0">
+              <a:t> [selection criteria]</a:t>
+            </a:r>
+            <a:endParaRPr lang="en-US" sz="2800" b="0" dirty="0">
               <a:solidFill>
-                <a:srgbClr val="FF0000"/>
+                <a:srgbClr val="000000"/>
               </a:solidFill>
               <a:latin typeface="Gill Sans"/>
               <a:cs typeface="Gill Sans"/>
@@ -16539,7 +15864,7 @@
     </p:spTree>
     <p:extLst>
       <p:ext uri="{BB962C8B-B14F-4D97-AF65-F5344CB8AC3E}">
-        <p14:creationId xmlns:p14="http://schemas.microsoft.com/office/powerpoint/2010/main" val="3822721231"/>
+        <p14:creationId xmlns:p14="http://schemas.microsoft.com/office/powerpoint/2010/main" val="2074460784"/>
       </p:ext>
     </p:extLst>
   </p:cSld>
@@ -17111,7 +16436,7 @@
           <a:p>
             <a:r>
               <a:rPr lang="en-US" dirty="0" smtClean="0"/>
-              <a:t>Use this template!</a:t>
+              <a:t>SQL Tips and Tricks</a:t>
             </a:r>
             <a:endParaRPr lang="en-US" dirty="0"/>
           </a:p>
@@ -17119,1130 +16444,89 @@
       </p:sp>
       <p:sp>
         <p:nvSpPr>
-          <p:cNvPr id="4" name="TextBox 1"/>
-          <p:cNvSpPr txBox="1">
-            <a:spLocks noChangeArrowheads="1"/>
+          <p:cNvPr id="3" name="Content Placeholder 2"/>
+          <p:cNvSpPr>
+            <a:spLocks noGrp="1"/>
           </p:cNvSpPr>
-          <p:nvPr/>
+          <p:nvPr>
+            <p:ph idx="1"/>
+          </p:nvPr>
         </p:nvSpPr>
-        <p:spPr bwMode="auto">
-          <a:xfrm>
-            <a:off x="685800" y="1752600"/>
-            <a:ext cx="4953000" cy="523220"/>
-          </a:xfrm>
-          <a:prstGeom prst="rect">
-            <a:avLst/>
-          </a:prstGeom>
-          <a:noFill/>
-          <a:ln>
-            <a:noFill/>
-          </a:ln>
-          <a:extLst>
-            <a:ext uri="{909E8E84-426E-40dd-AFC4-6F175D3DCCD1}">
-              <a14:hiddenFill xmlns:a14="http://schemas.microsoft.com/office/drawing/2010/main">
-                <a:solidFill>
-                  <a:srgbClr val="FFFFFF"/>
-                </a:solidFill>
-              </a14:hiddenFill>
-            </a:ext>
-            <a:ext uri="{91240B29-F687-4f45-9708-019B960494DF}">
-              <a14:hiddenLine xmlns:a14="http://schemas.microsoft.com/office/drawing/2010/main" w="9525">
-                <a:solidFill>
-                  <a:srgbClr val="000000"/>
-                </a:solidFill>
-                <a:miter lim="800000"/>
-                <a:headEnd/>
-                <a:tailEnd/>
-              </a14:hiddenLine>
-            </a:ext>
-          </a:extLst>
-        </p:spPr>
+        <p:spPr/>
         <p:txBody>
-          <a:bodyPr wrap="square">
-            <a:spAutoFit/>
-          </a:bodyPr>
-          <a:lstStyle>
-            <a:lvl1pPr>
-              <a:defRPr sz="1600" b="1">
-                <a:solidFill>
-                  <a:schemeClr val="tx1"/>
-                </a:solidFill>
-                <a:latin typeface="Arial" charset="0"/>
-                <a:ea typeface="ＭＳ Ｐゴシック" charset="0"/>
-              </a:defRPr>
-            </a:lvl1pPr>
-            <a:lvl2pPr marL="742950" indent="-285750">
-              <a:defRPr sz="1600" b="1">
-                <a:solidFill>
-                  <a:schemeClr val="tx1"/>
-                </a:solidFill>
-                <a:latin typeface="Arial" charset="0"/>
-                <a:ea typeface="ＭＳ Ｐゴシック" charset="0"/>
-              </a:defRPr>
-            </a:lvl2pPr>
-            <a:lvl3pPr marL="1143000" indent="-228600">
-              <a:defRPr sz="1600" b="1">
-                <a:solidFill>
-                  <a:schemeClr val="tx1"/>
-                </a:solidFill>
-                <a:latin typeface="Arial" charset="0"/>
-                <a:ea typeface="ＭＳ Ｐゴシック" charset="0"/>
-              </a:defRPr>
-            </a:lvl3pPr>
-            <a:lvl4pPr marL="1600200" indent="-228600">
-              <a:defRPr sz="1600" b="1">
-                <a:solidFill>
-                  <a:schemeClr val="tx1"/>
-                </a:solidFill>
-                <a:latin typeface="Arial" charset="0"/>
-                <a:ea typeface="ＭＳ Ｐゴシック" charset="0"/>
-              </a:defRPr>
-            </a:lvl4pPr>
-            <a:lvl5pPr marL="2057400" indent="-228600">
-              <a:defRPr sz="1600" b="1">
-                <a:solidFill>
-                  <a:schemeClr val="tx1"/>
-                </a:solidFill>
-                <a:latin typeface="Arial" charset="0"/>
-                <a:ea typeface="ＭＳ Ｐゴシック" charset="0"/>
-              </a:defRPr>
-            </a:lvl5pPr>
-            <a:lvl6pPr marL="2514600" indent="-228600" eaLnBrk="0" fontAlgn="base" hangingPunct="0">
-              <a:spcBef>
-                <a:spcPct val="0"/>
-              </a:spcBef>
-              <a:spcAft>
-                <a:spcPct val="0"/>
-              </a:spcAft>
-              <a:defRPr sz="1600" b="1">
-                <a:solidFill>
-                  <a:schemeClr val="tx1"/>
-                </a:solidFill>
-                <a:latin typeface="Arial" charset="0"/>
-                <a:ea typeface="ＭＳ Ｐゴシック" charset="0"/>
-              </a:defRPr>
-            </a:lvl6pPr>
-            <a:lvl7pPr marL="2971800" indent="-228600" eaLnBrk="0" fontAlgn="base" hangingPunct="0">
-              <a:spcBef>
-                <a:spcPct val="0"/>
-              </a:spcBef>
-              <a:spcAft>
-                <a:spcPct val="0"/>
-              </a:spcAft>
-              <a:defRPr sz="1600" b="1">
-                <a:solidFill>
-                  <a:schemeClr val="tx1"/>
-                </a:solidFill>
-                <a:latin typeface="Arial" charset="0"/>
-                <a:ea typeface="ＭＳ Ｐゴシック" charset="0"/>
-              </a:defRPr>
-            </a:lvl7pPr>
-            <a:lvl8pPr marL="3429000" indent="-228600" eaLnBrk="0" fontAlgn="base" hangingPunct="0">
-              <a:spcBef>
-                <a:spcPct val="0"/>
-              </a:spcBef>
-              <a:spcAft>
-                <a:spcPct val="0"/>
-              </a:spcAft>
-              <a:defRPr sz="1600" b="1">
-                <a:solidFill>
-                  <a:schemeClr val="tx1"/>
-                </a:solidFill>
-                <a:latin typeface="Arial" charset="0"/>
-                <a:ea typeface="ＭＳ Ｐゴシック" charset="0"/>
-              </a:defRPr>
-            </a:lvl8pPr>
-            <a:lvl9pPr marL="3886200" indent="-228600" eaLnBrk="0" fontAlgn="base" hangingPunct="0">
-              <a:spcBef>
-                <a:spcPct val="0"/>
-              </a:spcBef>
-              <a:spcAft>
-                <a:spcPct val="0"/>
-              </a:spcAft>
-              <a:defRPr sz="1600" b="1">
-                <a:solidFill>
-                  <a:schemeClr val="tx1"/>
-                </a:solidFill>
-                <a:latin typeface="Arial" charset="0"/>
-                <a:ea typeface="ＭＳ Ｐゴシック" charset="0"/>
-              </a:defRPr>
-            </a:lvl9pPr>
-          </a:lstStyle>
-          <a:p>
-            <a:r>
-              <a:rPr lang="en-US" sz="2800" b="0" dirty="0" smtClean="0">
-                <a:solidFill>
-                  <a:srgbClr val="FF0000"/>
-                </a:solidFill>
-                <a:latin typeface="Gill Sans"/>
-                <a:cs typeface="Gill Sans"/>
-              </a:rPr>
-              <a:t>select</a:t>
-            </a:r>
-            <a:r>
-              <a:rPr lang="en-US" sz="2800" b="0" dirty="0" smtClean="0">
-                <a:solidFill>
-                  <a:srgbClr val="000000"/>
-                </a:solidFill>
-                <a:latin typeface="Gill Sans"/>
-                <a:cs typeface="Gill Sans"/>
-              </a:rPr>
-              <a:t> [columns in the table]</a:t>
-            </a:r>
-            <a:endParaRPr lang="en-US" sz="2800" b="0" dirty="0">
-              <a:solidFill>
-                <a:srgbClr val="000000"/>
-              </a:solidFill>
-              <a:latin typeface="Gill Sans"/>
-              <a:cs typeface="Gill Sans"/>
-            </a:endParaRPr>
-          </a:p>
-        </p:txBody>
-      </p:sp>
-      <p:sp>
-        <p:nvSpPr>
-          <p:cNvPr id="6" name="TextBox 1"/>
-          <p:cNvSpPr txBox="1">
-            <a:spLocks noChangeArrowheads="1"/>
-          </p:cNvSpPr>
-          <p:nvPr/>
-        </p:nvSpPr>
-        <p:spPr bwMode="auto">
-          <a:xfrm>
-            <a:off x="1143000" y="2296180"/>
-            <a:ext cx="4953000" cy="523220"/>
-          </a:xfrm>
-          <a:prstGeom prst="rect">
-            <a:avLst/>
-          </a:prstGeom>
-          <a:noFill/>
-          <a:ln>
-            <a:noFill/>
-          </a:ln>
-          <a:extLst>
-            <a:ext uri="{909E8E84-426E-40dd-AFC4-6F175D3DCCD1}">
-              <a14:hiddenFill xmlns:a14="http://schemas.microsoft.com/office/drawing/2010/main">
-                <a:solidFill>
-                  <a:srgbClr val="FFFFFF"/>
-                </a:solidFill>
-              </a14:hiddenFill>
-            </a:ext>
-            <a:ext uri="{91240B29-F687-4f45-9708-019B960494DF}">
-              <a14:hiddenLine xmlns:a14="http://schemas.microsoft.com/office/drawing/2010/main" w="9525">
-                <a:solidFill>
-                  <a:srgbClr val="000000"/>
-                </a:solidFill>
-                <a:miter lim="800000"/>
-                <a:headEnd/>
-                <a:tailEnd/>
-              </a14:hiddenLine>
-            </a:ext>
-          </a:extLst>
-        </p:spPr>
-        <p:txBody>
-          <a:bodyPr wrap="square">
-            <a:spAutoFit/>
-          </a:bodyPr>
-          <a:lstStyle>
-            <a:lvl1pPr>
-              <a:defRPr sz="1600" b="1">
-                <a:solidFill>
-                  <a:schemeClr val="tx1"/>
-                </a:solidFill>
-                <a:latin typeface="Arial" charset="0"/>
-                <a:ea typeface="ＭＳ Ｐゴシック" charset="0"/>
-              </a:defRPr>
-            </a:lvl1pPr>
-            <a:lvl2pPr marL="742950" indent="-285750">
-              <a:defRPr sz="1600" b="1">
-                <a:solidFill>
-                  <a:schemeClr val="tx1"/>
-                </a:solidFill>
-                <a:latin typeface="Arial" charset="0"/>
-                <a:ea typeface="ＭＳ Ｐゴシック" charset="0"/>
-              </a:defRPr>
-            </a:lvl2pPr>
-            <a:lvl3pPr marL="1143000" indent="-228600">
-              <a:defRPr sz="1600" b="1">
-                <a:solidFill>
-                  <a:schemeClr val="tx1"/>
-                </a:solidFill>
-                <a:latin typeface="Arial" charset="0"/>
-                <a:ea typeface="ＭＳ Ｐゴシック" charset="0"/>
-              </a:defRPr>
-            </a:lvl3pPr>
-            <a:lvl4pPr marL="1600200" indent="-228600">
-              <a:defRPr sz="1600" b="1">
-                <a:solidFill>
-                  <a:schemeClr val="tx1"/>
-                </a:solidFill>
-                <a:latin typeface="Arial" charset="0"/>
-                <a:ea typeface="ＭＳ Ｐゴシック" charset="0"/>
-              </a:defRPr>
-            </a:lvl4pPr>
-            <a:lvl5pPr marL="2057400" indent="-228600">
-              <a:defRPr sz="1600" b="1">
-                <a:solidFill>
-                  <a:schemeClr val="tx1"/>
-                </a:solidFill>
-                <a:latin typeface="Arial" charset="0"/>
-                <a:ea typeface="ＭＳ Ｐゴシック" charset="0"/>
-              </a:defRPr>
-            </a:lvl5pPr>
-            <a:lvl6pPr marL="2514600" indent="-228600" eaLnBrk="0" fontAlgn="base" hangingPunct="0">
-              <a:spcBef>
-                <a:spcPct val="0"/>
-              </a:spcBef>
-              <a:spcAft>
-                <a:spcPct val="0"/>
-              </a:spcAft>
-              <a:defRPr sz="1600" b="1">
-                <a:solidFill>
-                  <a:schemeClr val="tx1"/>
-                </a:solidFill>
-                <a:latin typeface="Arial" charset="0"/>
-                <a:ea typeface="ＭＳ Ｐゴシック" charset="0"/>
-              </a:defRPr>
-            </a:lvl6pPr>
-            <a:lvl7pPr marL="2971800" indent="-228600" eaLnBrk="0" fontAlgn="base" hangingPunct="0">
-              <a:spcBef>
-                <a:spcPct val="0"/>
-              </a:spcBef>
-              <a:spcAft>
-                <a:spcPct val="0"/>
-              </a:spcAft>
-              <a:defRPr sz="1600" b="1">
-                <a:solidFill>
-                  <a:schemeClr val="tx1"/>
-                </a:solidFill>
-                <a:latin typeface="Arial" charset="0"/>
-                <a:ea typeface="ＭＳ Ｐゴシック" charset="0"/>
-              </a:defRPr>
-            </a:lvl7pPr>
-            <a:lvl8pPr marL="3429000" indent="-228600" eaLnBrk="0" fontAlgn="base" hangingPunct="0">
-              <a:spcBef>
-                <a:spcPct val="0"/>
-              </a:spcBef>
-              <a:spcAft>
-                <a:spcPct val="0"/>
-              </a:spcAft>
-              <a:defRPr sz="1600" b="1">
-                <a:solidFill>
-                  <a:schemeClr val="tx1"/>
-                </a:solidFill>
-                <a:latin typeface="Arial" charset="0"/>
-                <a:ea typeface="ＭＳ Ｐゴシック" charset="0"/>
-              </a:defRPr>
-            </a:lvl8pPr>
-            <a:lvl9pPr marL="3886200" indent="-228600" eaLnBrk="0" fontAlgn="base" hangingPunct="0">
-              <a:spcBef>
-                <a:spcPct val="0"/>
-              </a:spcBef>
-              <a:spcAft>
-                <a:spcPct val="0"/>
-              </a:spcAft>
-              <a:defRPr sz="1600" b="1">
-                <a:solidFill>
-                  <a:schemeClr val="tx1"/>
-                </a:solidFill>
-                <a:latin typeface="Arial" charset="0"/>
-                <a:ea typeface="ＭＳ Ｐゴシック" charset="0"/>
-              </a:defRPr>
-            </a:lvl9pPr>
-          </a:lstStyle>
-          <a:p>
-            <a:r>
-              <a:rPr lang="en-US" sz="2800" b="0" dirty="0" smtClean="0">
-                <a:solidFill>
-                  <a:srgbClr val="FF0000"/>
-                </a:solidFill>
-                <a:latin typeface="Gill Sans"/>
-                <a:cs typeface="Gill Sans"/>
-              </a:rPr>
-              <a:t>from</a:t>
-            </a:r>
-            <a:r>
-              <a:rPr lang="en-US" sz="2800" b="0" dirty="0" smtClean="0">
-                <a:solidFill>
-                  <a:srgbClr val="000000"/>
-                </a:solidFill>
-                <a:latin typeface="Gill Sans"/>
-                <a:cs typeface="Gill Sans"/>
-              </a:rPr>
-              <a:t> [table name]</a:t>
-            </a:r>
-            <a:endParaRPr lang="en-US" sz="2800" b="0" dirty="0">
-              <a:solidFill>
-                <a:srgbClr val="000000"/>
-              </a:solidFill>
-              <a:latin typeface="Gill Sans"/>
-              <a:cs typeface="Gill Sans"/>
-            </a:endParaRPr>
-          </a:p>
-        </p:txBody>
-      </p:sp>
-      <p:sp>
-        <p:nvSpPr>
-          <p:cNvPr id="7" name="TextBox 1"/>
-          <p:cNvSpPr txBox="1">
-            <a:spLocks noChangeArrowheads="1"/>
-          </p:cNvSpPr>
-          <p:nvPr/>
-        </p:nvSpPr>
-        <p:spPr bwMode="auto">
-          <a:xfrm>
-            <a:off x="1143000" y="2829580"/>
-            <a:ext cx="7162800" cy="523220"/>
-          </a:xfrm>
-          <a:prstGeom prst="rect">
-            <a:avLst/>
-          </a:prstGeom>
-          <a:noFill/>
-          <a:ln>
-            <a:noFill/>
-          </a:ln>
-          <a:extLst>
-            <a:ext uri="{909E8E84-426E-40dd-AFC4-6F175D3DCCD1}">
-              <a14:hiddenFill xmlns:a14="http://schemas.microsoft.com/office/drawing/2010/main">
-                <a:solidFill>
-                  <a:srgbClr val="FFFFFF"/>
-                </a:solidFill>
-              </a14:hiddenFill>
-            </a:ext>
-            <a:ext uri="{91240B29-F687-4f45-9708-019B960494DF}">
-              <a14:hiddenLine xmlns:a14="http://schemas.microsoft.com/office/drawing/2010/main" w="9525">
-                <a:solidFill>
-                  <a:srgbClr val="000000"/>
-                </a:solidFill>
-                <a:miter lim="800000"/>
-                <a:headEnd/>
-                <a:tailEnd/>
-              </a14:hiddenLine>
-            </a:ext>
-          </a:extLst>
-        </p:spPr>
-        <p:txBody>
-          <a:bodyPr wrap="square">
-            <a:spAutoFit/>
-          </a:bodyPr>
-          <a:lstStyle>
-            <a:lvl1pPr>
-              <a:defRPr sz="1600" b="1">
-                <a:solidFill>
-                  <a:schemeClr val="tx1"/>
-                </a:solidFill>
-                <a:latin typeface="Arial" charset="0"/>
-                <a:ea typeface="ＭＳ Ｐゴシック" charset="0"/>
-              </a:defRPr>
-            </a:lvl1pPr>
-            <a:lvl2pPr marL="742950" indent="-285750">
-              <a:defRPr sz="1600" b="1">
-                <a:solidFill>
-                  <a:schemeClr val="tx1"/>
-                </a:solidFill>
-                <a:latin typeface="Arial" charset="0"/>
-                <a:ea typeface="ＭＳ Ｐゴシック" charset="0"/>
-              </a:defRPr>
-            </a:lvl2pPr>
-            <a:lvl3pPr marL="1143000" indent="-228600">
-              <a:defRPr sz="1600" b="1">
-                <a:solidFill>
-                  <a:schemeClr val="tx1"/>
-                </a:solidFill>
-                <a:latin typeface="Arial" charset="0"/>
-                <a:ea typeface="ＭＳ Ｐゴシック" charset="0"/>
-              </a:defRPr>
-            </a:lvl3pPr>
-            <a:lvl4pPr marL="1600200" indent="-228600">
-              <a:defRPr sz="1600" b="1">
-                <a:solidFill>
-                  <a:schemeClr val="tx1"/>
-                </a:solidFill>
-                <a:latin typeface="Arial" charset="0"/>
-                <a:ea typeface="ＭＳ Ｐゴシック" charset="0"/>
-              </a:defRPr>
-            </a:lvl4pPr>
-            <a:lvl5pPr marL="2057400" indent="-228600">
-              <a:defRPr sz="1600" b="1">
-                <a:solidFill>
-                  <a:schemeClr val="tx1"/>
-                </a:solidFill>
-                <a:latin typeface="Arial" charset="0"/>
-                <a:ea typeface="ＭＳ Ｐゴシック" charset="0"/>
-              </a:defRPr>
-            </a:lvl5pPr>
-            <a:lvl6pPr marL="2514600" indent="-228600" eaLnBrk="0" fontAlgn="base" hangingPunct="0">
-              <a:spcBef>
-                <a:spcPct val="0"/>
-              </a:spcBef>
-              <a:spcAft>
-                <a:spcPct val="0"/>
-              </a:spcAft>
-              <a:defRPr sz="1600" b="1">
-                <a:solidFill>
-                  <a:schemeClr val="tx1"/>
-                </a:solidFill>
-                <a:latin typeface="Arial" charset="0"/>
-                <a:ea typeface="ＭＳ Ｐゴシック" charset="0"/>
-              </a:defRPr>
-            </a:lvl6pPr>
-            <a:lvl7pPr marL="2971800" indent="-228600" eaLnBrk="0" fontAlgn="base" hangingPunct="0">
-              <a:spcBef>
-                <a:spcPct val="0"/>
-              </a:spcBef>
-              <a:spcAft>
-                <a:spcPct val="0"/>
-              </a:spcAft>
-              <a:defRPr sz="1600" b="1">
-                <a:solidFill>
-                  <a:schemeClr val="tx1"/>
-                </a:solidFill>
-                <a:latin typeface="Arial" charset="0"/>
-                <a:ea typeface="ＭＳ Ｐゴシック" charset="0"/>
-              </a:defRPr>
-            </a:lvl7pPr>
-            <a:lvl8pPr marL="3429000" indent="-228600" eaLnBrk="0" fontAlgn="base" hangingPunct="0">
-              <a:spcBef>
-                <a:spcPct val="0"/>
-              </a:spcBef>
-              <a:spcAft>
-                <a:spcPct val="0"/>
-              </a:spcAft>
-              <a:defRPr sz="1600" b="1">
-                <a:solidFill>
-                  <a:schemeClr val="tx1"/>
-                </a:solidFill>
-                <a:latin typeface="Arial" charset="0"/>
-                <a:ea typeface="ＭＳ Ｐゴシック" charset="0"/>
-              </a:defRPr>
-            </a:lvl8pPr>
-            <a:lvl9pPr marL="3886200" indent="-228600" eaLnBrk="0" fontAlgn="base" hangingPunct="0">
-              <a:spcBef>
-                <a:spcPct val="0"/>
-              </a:spcBef>
-              <a:spcAft>
-                <a:spcPct val="0"/>
-              </a:spcAft>
-              <a:defRPr sz="1600" b="1">
-                <a:solidFill>
-                  <a:schemeClr val="tx1"/>
-                </a:solidFill>
-                <a:latin typeface="Arial" charset="0"/>
-                <a:ea typeface="ＭＳ Ｐゴシック" charset="0"/>
-              </a:defRPr>
-            </a:lvl9pPr>
-          </a:lstStyle>
-          <a:p>
-            <a:r>
-              <a:rPr lang="en-US" sz="2800" b="0" dirty="0" smtClean="0">
-                <a:solidFill>
-                  <a:srgbClr val="FF0000"/>
-                </a:solidFill>
-                <a:latin typeface="Gill Sans"/>
-                <a:cs typeface="Gill Sans"/>
-              </a:rPr>
-              <a:t>join</a:t>
-            </a:r>
-            <a:r>
-              <a:rPr lang="en-US" sz="2800" b="0" dirty="0" smtClean="0">
-                <a:solidFill>
-                  <a:srgbClr val="000000"/>
-                </a:solidFill>
-                <a:latin typeface="Gill Sans"/>
-                <a:cs typeface="Gill Sans"/>
-              </a:rPr>
-              <a:t> [another </a:t>
-            </a:r>
-            <a:r>
-              <a:rPr lang="en-US" sz="2800" b="0" dirty="0" err="1" smtClean="0">
-                <a:solidFill>
-                  <a:srgbClr val="000000"/>
-                </a:solidFill>
-                <a:latin typeface="Gill Sans"/>
-                <a:cs typeface="Gill Sans"/>
-              </a:rPr>
-              <a:t>tablename</a:t>
-            </a:r>
-            <a:r>
-              <a:rPr lang="en-US" sz="2800" b="0" dirty="0" smtClean="0">
-                <a:solidFill>
-                  <a:srgbClr val="000000"/>
-                </a:solidFill>
-                <a:latin typeface="Gill Sans"/>
-                <a:cs typeface="Gill Sans"/>
-              </a:rPr>
-              <a:t>] on [join criterion]</a:t>
-            </a:r>
-            <a:endParaRPr lang="en-US" sz="2800" b="0" dirty="0">
-              <a:solidFill>
-                <a:srgbClr val="000000"/>
-              </a:solidFill>
-              <a:latin typeface="Gill Sans"/>
-              <a:cs typeface="Gill Sans"/>
-            </a:endParaRPr>
-          </a:p>
-        </p:txBody>
-      </p:sp>
-      <p:sp>
-        <p:nvSpPr>
-          <p:cNvPr id="8" name="TextBox 1"/>
-          <p:cNvSpPr txBox="1">
-            <a:spLocks noChangeArrowheads="1"/>
-          </p:cNvSpPr>
-          <p:nvPr/>
-        </p:nvSpPr>
-        <p:spPr bwMode="auto">
-          <a:xfrm>
-            <a:off x="1143000" y="3362980"/>
-            <a:ext cx="7162800" cy="523220"/>
-          </a:xfrm>
-          <a:prstGeom prst="rect">
-            <a:avLst/>
-          </a:prstGeom>
-          <a:noFill/>
-          <a:ln>
-            <a:noFill/>
-          </a:ln>
-          <a:extLst>
-            <a:ext uri="{909E8E84-426E-40dd-AFC4-6F175D3DCCD1}">
-              <a14:hiddenFill xmlns:a14="http://schemas.microsoft.com/office/drawing/2010/main">
-                <a:solidFill>
-                  <a:srgbClr val="FFFFFF"/>
-                </a:solidFill>
-              </a14:hiddenFill>
-            </a:ext>
-            <a:ext uri="{91240B29-F687-4f45-9708-019B960494DF}">
-              <a14:hiddenLine xmlns:a14="http://schemas.microsoft.com/office/drawing/2010/main" w="9525">
-                <a:solidFill>
-                  <a:srgbClr val="000000"/>
-                </a:solidFill>
-                <a:miter lim="800000"/>
-                <a:headEnd/>
-                <a:tailEnd/>
-              </a14:hiddenLine>
-            </a:ext>
-          </a:extLst>
-        </p:spPr>
-        <p:txBody>
-          <a:bodyPr wrap="square">
-            <a:spAutoFit/>
-          </a:bodyPr>
-          <a:lstStyle>
-            <a:lvl1pPr>
-              <a:defRPr sz="1600" b="1">
-                <a:solidFill>
-                  <a:schemeClr val="tx1"/>
-                </a:solidFill>
-                <a:latin typeface="Arial" charset="0"/>
-                <a:ea typeface="ＭＳ Ｐゴシック" charset="0"/>
-              </a:defRPr>
-            </a:lvl1pPr>
-            <a:lvl2pPr marL="742950" indent="-285750">
-              <a:defRPr sz="1600" b="1">
-                <a:solidFill>
-                  <a:schemeClr val="tx1"/>
-                </a:solidFill>
-                <a:latin typeface="Arial" charset="0"/>
-                <a:ea typeface="ＭＳ Ｐゴシック" charset="0"/>
-              </a:defRPr>
-            </a:lvl2pPr>
-            <a:lvl3pPr marL="1143000" indent="-228600">
-              <a:defRPr sz="1600" b="1">
-                <a:solidFill>
-                  <a:schemeClr val="tx1"/>
-                </a:solidFill>
-                <a:latin typeface="Arial" charset="0"/>
-                <a:ea typeface="ＭＳ Ｐゴシック" charset="0"/>
-              </a:defRPr>
-            </a:lvl3pPr>
-            <a:lvl4pPr marL="1600200" indent="-228600">
-              <a:defRPr sz="1600" b="1">
-                <a:solidFill>
-                  <a:schemeClr val="tx1"/>
-                </a:solidFill>
-                <a:latin typeface="Arial" charset="0"/>
-                <a:ea typeface="ＭＳ Ｐゴシック" charset="0"/>
-              </a:defRPr>
-            </a:lvl4pPr>
-            <a:lvl5pPr marL="2057400" indent="-228600">
-              <a:defRPr sz="1600" b="1">
-                <a:solidFill>
-                  <a:schemeClr val="tx1"/>
-                </a:solidFill>
-                <a:latin typeface="Arial" charset="0"/>
-                <a:ea typeface="ＭＳ Ｐゴシック" charset="0"/>
-              </a:defRPr>
-            </a:lvl5pPr>
-            <a:lvl6pPr marL="2514600" indent="-228600" eaLnBrk="0" fontAlgn="base" hangingPunct="0">
-              <a:spcBef>
-                <a:spcPct val="0"/>
-              </a:spcBef>
-              <a:spcAft>
-                <a:spcPct val="0"/>
-              </a:spcAft>
-              <a:defRPr sz="1600" b="1">
-                <a:solidFill>
-                  <a:schemeClr val="tx1"/>
-                </a:solidFill>
-                <a:latin typeface="Arial" charset="0"/>
-                <a:ea typeface="ＭＳ Ｐゴシック" charset="0"/>
-              </a:defRPr>
-            </a:lvl6pPr>
-            <a:lvl7pPr marL="2971800" indent="-228600" eaLnBrk="0" fontAlgn="base" hangingPunct="0">
-              <a:spcBef>
-                <a:spcPct val="0"/>
-              </a:spcBef>
-              <a:spcAft>
-                <a:spcPct val="0"/>
-              </a:spcAft>
-              <a:defRPr sz="1600" b="1">
-                <a:solidFill>
-                  <a:schemeClr val="tx1"/>
-                </a:solidFill>
-                <a:latin typeface="Arial" charset="0"/>
-                <a:ea typeface="ＭＳ Ｐゴシック" charset="0"/>
-              </a:defRPr>
-            </a:lvl7pPr>
-            <a:lvl8pPr marL="3429000" indent="-228600" eaLnBrk="0" fontAlgn="base" hangingPunct="0">
-              <a:spcBef>
-                <a:spcPct val="0"/>
-              </a:spcBef>
-              <a:spcAft>
-                <a:spcPct val="0"/>
-              </a:spcAft>
-              <a:defRPr sz="1600" b="1">
-                <a:solidFill>
-                  <a:schemeClr val="tx1"/>
-                </a:solidFill>
-                <a:latin typeface="Arial" charset="0"/>
-                <a:ea typeface="ＭＳ Ｐゴシック" charset="0"/>
-              </a:defRPr>
-            </a:lvl8pPr>
-            <a:lvl9pPr marL="3886200" indent="-228600" eaLnBrk="0" fontAlgn="base" hangingPunct="0">
-              <a:spcBef>
-                <a:spcPct val="0"/>
-              </a:spcBef>
-              <a:spcAft>
-                <a:spcPct val="0"/>
-              </a:spcAft>
-              <a:defRPr sz="1600" b="1">
-                <a:solidFill>
-                  <a:schemeClr val="tx1"/>
-                </a:solidFill>
-                <a:latin typeface="Arial" charset="0"/>
-                <a:ea typeface="ＭＳ Ｐゴシック" charset="0"/>
-              </a:defRPr>
-            </a:lvl9pPr>
-          </a:lstStyle>
-          <a:p>
-            <a:r>
-              <a:rPr lang="en-US" sz="2800" b="0" dirty="0" smtClean="0">
-                <a:solidFill>
-                  <a:srgbClr val="FF0000"/>
-                </a:solidFill>
-                <a:latin typeface="Gill Sans"/>
-                <a:cs typeface="Gill Sans"/>
-              </a:rPr>
-              <a:t>join</a:t>
-            </a:r>
-            <a:r>
-              <a:rPr lang="en-US" sz="2800" b="0" dirty="0" smtClean="0">
-                <a:solidFill>
-                  <a:srgbClr val="000000"/>
-                </a:solidFill>
-                <a:latin typeface="Gill Sans"/>
-                <a:cs typeface="Gill Sans"/>
-              </a:rPr>
-              <a:t> [another </a:t>
-            </a:r>
-            <a:r>
-              <a:rPr lang="en-US" sz="2800" b="0" dirty="0" err="1" smtClean="0">
-                <a:solidFill>
-                  <a:srgbClr val="000000"/>
-                </a:solidFill>
-                <a:latin typeface="Gill Sans"/>
-                <a:cs typeface="Gill Sans"/>
-              </a:rPr>
-              <a:t>tablename</a:t>
-            </a:r>
-            <a:r>
-              <a:rPr lang="en-US" sz="2800" b="0" dirty="0" smtClean="0">
-                <a:solidFill>
-                  <a:srgbClr val="000000"/>
-                </a:solidFill>
-                <a:latin typeface="Gill Sans"/>
-                <a:cs typeface="Gill Sans"/>
-              </a:rPr>
-              <a:t>] on [join criterion]</a:t>
-            </a:r>
-            <a:endParaRPr lang="en-US" sz="2800" b="0" dirty="0">
-              <a:solidFill>
-                <a:srgbClr val="000000"/>
-              </a:solidFill>
-              <a:latin typeface="Gill Sans"/>
-              <a:cs typeface="Gill Sans"/>
-            </a:endParaRPr>
-          </a:p>
-        </p:txBody>
-      </p:sp>
-      <p:sp>
-        <p:nvSpPr>
-          <p:cNvPr id="9" name="TextBox 1"/>
-          <p:cNvSpPr txBox="1">
-            <a:spLocks noChangeArrowheads="1"/>
-          </p:cNvSpPr>
-          <p:nvPr/>
-        </p:nvSpPr>
-        <p:spPr bwMode="auto">
-          <a:xfrm>
-            <a:off x="1143000" y="3896380"/>
-            <a:ext cx="7162800" cy="523220"/>
-          </a:xfrm>
-          <a:prstGeom prst="rect">
-            <a:avLst/>
-          </a:prstGeom>
-          <a:noFill/>
-          <a:ln>
-            <a:noFill/>
-          </a:ln>
-          <a:extLst>
-            <a:ext uri="{909E8E84-426E-40dd-AFC4-6F175D3DCCD1}">
-              <a14:hiddenFill xmlns:a14="http://schemas.microsoft.com/office/drawing/2010/main">
-                <a:solidFill>
-                  <a:srgbClr val="FFFFFF"/>
-                </a:solidFill>
-              </a14:hiddenFill>
-            </a:ext>
-            <a:ext uri="{91240B29-F687-4f45-9708-019B960494DF}">
-              <a14:hiddenLine xmlns:a14="http://schemas.microsoft.com/office/drawing/2010/main" w="9525">
-                <a:solidFill>
-                  <a:srgbClr val="000000"/>
-                </a:solidFill>
-                <a:miter lim="800000"/>
-                <a:headEnd/>
-                <a:tailEnd/>
-              </a14:hiddenLine>
-            </a:ext>
-          </a:extLst>
-        </p:spPr>
-        <p:txBody>
-          <a:bodyPr wrap="square">
-            <a:spAutoFit/>
-          </a:bodyPr>
-          <a:lstStyle>
-            <a:lvl1pPr>
-              <a:defRPr sz="1600" b="1">
-                <a:solidFill>
-                  <a:schemeClr val="tx1"/>
-                </a:solidFill>
-                <a:latin typeface="Arial" charset="0"/>
-                <a:ea typeface="ＭＳ Ｐゴシック" charset="0"/>
-              </a:defRPr>
-            </a:lvl1pPr>
-            <a:lvl2pPr marL="742950" indent="-285750">
-              <a:defRPr sz="1600" b="1">
-                <a:solidFill>
-                  <a:schemeClr val="tx1"/>
-                </a:solidFill>
-                <a:latin typeface="Arial" charset="0"/>
-                <a:ea typeface="ＭＳ Ｐゴシック" charset="0"/>
-              </a:defRPr>
-            </a:lvl2pPr>
-            <a:lvl3pPr marL="1143000" indent="-228600">
-              <a:defRPr sz="1600" b="1">
-                <a:solidFill>
-                  <a:schemeClr val="tx1"/>
-                </a:solidFill>
-                <a:latin typeface="Arial" charset="0"/>
-                <a:ea typeface="ＭＳ Ｐゴシック" charset="0"/>
-              </a:defRPr>
-            </a:lvl3pPr>
-            <a:lvl4pPr marL="1600200" indent="-228600">
-              <a:defRPr sz="1600" b="1">
-                <a:solidFill>
-                  <a:schemeClr val="tx1"/>
-                </a:solidFill>
-                <a:latin typeface="Arial" charset="0"/>
-                <a:ea typeface="ＭＳ Ｐゴシック" charset="0"/>
-              </a:defRPr>
-            </a:lvl4pPr>
-            <a:lvl5pPr marL="2057400" indent="-228600">
-              <a:defRPr sz="1600" b="1">
-                <a:solidFill>
-                  <a:schemeClr val="tx1"/>
-                </a:solidFill>
-                <a:latin typeface="Arial" charset="0"/>
-                <a:ea typeface="ＭＳ Ｐゴシック" charset="0"/>
-              </a:defRPr>
-            </a:lvl5pPr>
-            <a:lvl6pPr marL="2514600" indent="-228600" eaLnBrk="0" fontAlgn="base" hangingPunct="0">
-              <a:spcBef>
-                <a:spcPct val="0"/>
-              </a:spcBef>
-              <a:spcAft>
-                <a:spcPct val="0"/>
-              </a:spcAft>
-              <a:defRPr sz="1600" b="1">
-                <a:solidFill>
-                  <a:schemeClr val="tx1"/>
-                </a:solidFill>
-                <a:latin typeface="Arial" charset="0"/>
-                <a:ea typeface="ＭＳ Ｐゴシック" charset="0"/>
-              </a:defRPr>
-            </a:lvl6pPr>
-            <a:lvl7pPr marL="2971800" indent="-228600" eaLnBrk="0" fontAlgn="base" hangingPunct="0">
-              <a:spcBef>
-                <a:spcPct val="0"/>
-              </a:spcBef>
-              <a:spcAft>
-                <a:spcPct val="0"/>
-              </a:spcAft>
-              <a:defRPr sz="1600" b="1">
-                <a:solidFill>
-                  <a:schemeClr val="tx1"/>
-                </a:solidFill>
-                <a:latin typeface="Arial" charset="0"/>
-                <a:ea typeface="ＭＳ Ｐゴシック" charset="0"/>
-              </a:defRPr>
-            </a:lvl7pPr>
-            <a:lvl8pPr marL="3429000" indent="-228600" eaLnBrk="0" fontAlgn="base" hangingPunct="0">
-              <a:spcBef>
-                <a:spcPct val="0"/>
-              </a:spcBef>
-              <a:spcAft>
-                <a:spcPct val="0"/>
-              </a:spcAft>
-              <a:defRPr sz="1600" b="1">
-                <a:solidFill>
-                  <a:schemeClr val="tx1"/>
-                </a:solidFill>
-                <a:latin typeface="Arial" charset="0"/>
-                <a:ea typeface="ＭＳ Ｐゴシック" charset="0"/>
-              </a:defRPr>
-            </a:lvl8pPr>
-            <a:lvl9pPr marL="3886200" indent="-228600" eaLnBrk="0" fontAlgn="base" hangingPunct="0">
-              <a:spcBef>
-                <a:spcPct val="0"/>
-              </a:spcBef>
-              <a:spcAft>
-                <a:spcPct val="0"/>
-              </a:spcAft>
-              <a:defRPr sz="1600" b="1">
-                <a:solidFill>
-                  <a:schemeClr val="tx1"/>
-                </a:solidFill>
-                <a:latin typeface="Arial" charset="0"/>
-                <a:ea typeface="ＭＳ Ｐゴシック" charset="0"/>
-              </a:defRPr>
-            </a:lvl9pPr>
-          </a:lstStyle>
-          <a:p>
-            <a:r>
-              <a:rPr lang="en-US" sz="2800" b="0" dirty="0" smtClean="0">
-                <a:solidFill>
-                  <a:srgbClr val="000000"/>
-                </a:solidFill>
-                <a:latin typeface="Gill Sans"/>
-                <a:cs typeface="Gill Sans"/>
-              </a:rPr>
-              <a:t>…</a:t>
-            </a:r>
-            <a:endParaRPr lang="en-US" sz="2800" b="0" dirty="0">
-              <a:solidFill>
-                <a:srgbClr val="000000"/>
-              </a:solidFill>
-              <a:latin typeface="Gill Sans"/>
-              <a:cs typeface="Gill Sans"/>
-            </a:endParaRPr>
-          </a:p>
-        </p:txBody>
-      </p:sp>
-      <p:sp>
-        <p:nvSpPr>
-          <p:cNvPr id="10" name="TextBox 1"/>
-          <p:cNvSpPr txBox="1">
-            <a:spLocks noChangeArrowheads="1"/>
-          </p:cNvSpPr>
-          <p:nvPr/>
-        </p:nvSpPr>
-        <p:spPr bwMode="auto">
-          <a:xfrm>
-            <a:off x="1143000" y="4429780"/>
-            <a:ext cx="7162800" cy="523220"/>
-          </a:xfrm>
-          <a:prstGeom prst="rect">
-            <a:avLst/>
-          </a:prstGeom>
-          <a:noFill/>
-          <a:ln>
-            <a:noFill/>
-          </a:ln>
-          <a:extLst>
-            <a:ext uri="{909E8E84-426E-40dd-AFC4-6F175D3DCCD1}">
-              <a14:hiddenFill xmlns:a14="http://schemas.microsoft.com/office/drawing/2010/main">
-                <a:solidFill>
-                  <a:srgbClr val="FFFFFF"/>
-                </a:solidFill>
-              </a14:hiddenFill>
-            </a:ext>
-            <a:ext uri="{91240B29-F687-4f45-9708-019B960494DF}">
-              <a14:hiddenLine xmlns:a14="http://schemas.microsoft.com/office/drawing/2010/main" w="9525">
-                <a:solidFill>
-                  <a:srgbClr val="000000"/>
-                </a:solidFill>
-                <a:miter lim="800000"/>
-                <a:headEnd/>
-                <a:tailEnd/>
-              </a14:hiddenLine>
-            </a:ext>
-          </a:extLst>
-        </p:spPr>
-        <p:txBody>
-          <a:bodyPr wrap="square">
-            <a:spAutoFit/>
-          </a:bodyPr>
-          <a:lstStyle>
-            <a:lvl1pPr>
-              <a:defRPr sz="1600" b="1">
-                <a:solidFill>
-                  <a:schemeClr val="tx1"/>
-                </a:solidFill>
-                <a:latin typeface="Arial" charset="0"/>
-                <a:ea typeface="ＭＳ Ｐゴシック" charset="0"/>
-              </a:defRPr>
-            </a:lvl1pPr>
-            <a:lvl2pPr marL="742950" indent="-285750">
-              <a:defRPr sz="1600" b="1">
-                <a:solidFill>
-                  <a:schemeClr val="tx1"/>
-                </a:solidFill>
-                <a:latin typeface="Arial" charset="0"/>
-                <a:ea typeface="ＭＳ Ｐゴシック" charset="0"/>
-              </a:defRPr>
-            </a:lvl2pPr>
-            <a:lvl3pPr marL="1143000" indent="-228600">
-              <a:defRPr sz="1600" b="1">
-                <a:solidFill>
-                  <a:schemeClr val="tx1"/>
-                </a:solidFill>
-                <a:latin typeface="Arial" charset="0"/>
-                <a:ea typeface="ＭＳ Ｐゴシック" charset="0"/>
-              </a:defRPr>
-            </a:lvl3pPr>
-            <a:lvl4pPr marL="1600200" indent="-228600">
-              <a:defRPr sz="1600" b="1">
-                <a:solidFill>
-                  <a:schemeClr val="tx1"/>
-                </a:solidFill>
-                <a:latin typeface="Arial" charset="0"/>
-                <a:ea typeface="ＭＳ Ｐゴシック" charset="0"/>
-              </a:defRPr>
-            </a:lvl4pPr>
-            <a:lvl5pPr marL="2057400" indent="-228600">
-              <a:defRPr sz="1600" b="1">
-                <a:solidFill>
-                  <a:schemeClr val="tx1"/>
-                </a:solidFill>
-                <a:latin typeface="Arial" charset="0"/>
-                <a:ea typeface="ＭＳ Ｐゴシック" charset="0"/>
-              </a:defRPr>
-            </a:lvl5pPr>
-            <a:lvl6pPr marL="2514600" indent="-228600" eaLnBrk="0" fontAlgn="base" hangingPunct="0">
-              <a:spcBef>
-                <a:spcPct val="0"/>
-              </a:spcBef>
-              <a:spcAft>
-                <a:spcPct val="0"/>
-              </a:spcAft>
-              <a:defRPr sz="1600" b="1">
-                <a:solidFill>
-                  <a:schemeClr val="tx1"/>
-                </a:solidFill>
-                <a:latin typeface="Arial" charset="0"/>
-                <a:ea typeface="ＭＳ Ｐゴシック" charset="0"/>
-              </a:defRPr>
-            </a:lvl6pPr>
-            <a:lvl7pPr marL="2971800" indent="-228600" eaLnBrk="0" fontAlgn="base" hangingPunct="0">
-              <a:spcBef>
-                <a:spcPct val="0"/>
-              </a:spcBef>
-              <a:spcAft>
-                <a:spcPct val="0"/>
-              </a:spcAft>
-              <a:defRPr sz="1600" b="1">
-                <a:solidFill>
-                  <a:schemeClr val="tx1"/>
-                </a:solidFill>
-                <a:latin typeface="Arial" charset="0"/>
-                <a:ea typeface="ＭＳ Ｐゴシック" charset="0"/>
-              </a:defRPr>
-            </a:lvl7pPr>
-            <a:lvl8pPr marL="3429000" indent="-228600" eaLnBrk="0" fontAlgn="base" hangingPunct="0">
-              <a:spcBef>
-                <a:spcPct val="0"/>
-              </a:spcBef>
-              <a:spcAft>
-                <a:spcPct val="0"/>
-              </a:spcAft>
-              <a:defRPr sz="1600" b="1">
-                <a:solidFill>
-                  <a:schemeClr val="tx1"/>
-                </a:solidFill>
-                <a:latin typeface="Arial" charset="0"/>
-                <a:ea typeface="ＭＳ Ｐゴシック" charset="0"/>
-              </a:defRPr>
-            </a:lvl8pPr>
-            <a:lvl9pPr marL="3886200" indent="-228600" eaLnBrk="0" fontAlgn="base" hangingPunct="0">
-              <a:spcBef>
-                <a:spcPct val="0"/>
-              </a:spcBef>
-              <a:spcAft>
-                <a:spcPct val="0"/>
-              </a:spcAft>
-              <a:defRPr sz="1600" b="1">
-                <a:solidFill>
-                  <a:schemeClr val="tx1"/>
-                </a:solidFill>
-                <a:latin typeface="Arial" charset="0"/>
-                <a:ea typeface="ＭＳ Ｐゴシック" charset="0"/>
-              </a:defRPr>
-            </a:lvl9pPr>
-          </a:lstStyle>
-          <a:p>
-            <a:r>
-              <a:rPr lang="en-US" sz="2800" b="0" dirty="0" smtClean="0">
-                <a:solidFill>
-                  <a:srgbClr val="FF0000"/>
-                </a:solidFill>
-                <a:latin typeface="Gill Sans"/>
-                <a:cs typeface="Gill Sans"/>
-              </a:rPr>
-              <a:t>where</a:t>
-            </a:r>
-            <a:r>
-              <a:rPr lang="en-US" sz="2800" b="0" dirty="0" smtClean="0">
-                <a:solidFill>
-                  <a:srgbClr val="000000"/>
-                </a:solidFill>
-                <a:latin typeface="Gill Sans"/>
-                <a:cs typeface="Gill Sans"/>
-              </a:rPr>
-              <a:t> [selection criteria]</a:t>
-            </a:r>
-            <a:endParaRPr lang="en-US" sz="2800" b="0" dirty="0">
-              <a:solidFill>
-                <a:srgbClr val="000000"/>
-              </a:solidFill>
-              <a:latin typeface="Gill Sans"/>
-              <a:cs typeface="Gill Sans"/>
-            </a:endParaRPr>
+          <a:bodyPr/>
+          <a:lstStyle/>
+          <a:p>
+            <a:r>
+              <a:rPr lang="en-US" dirty="0" smtClean="0"/>
+              <a:t>Referring to fields (in SELECT statements)</a:t>
+            </a:r>
+          </a:p>
+          <a:p>
+            <a:pPr lvl="1"/>
+            <a:r>
+              <a:rPr lang="en-US" dirty="0" smtClean="0"/>
+              <a:t>Use </a:t>
+            </a:r>
+            <a:r>
+              <a:rPr lang="en-US" dirty="0" err="1" smtClean="0"/>
+              <a:t>TableName.FieldName</a:t>
+            </a:r>
+            <a:endParaRPr lang="en-US" dirty="0" smtClean="0"/>
+          </a:p>
+          <a:p>
+            <a:pPr lvl="1"/>
+            <a:r>
+              <a:rPr lang="en-US" dirty="0" smtClean="0"/>
+              <a:t>Can drop </a:t>
+            </a:r>
+            <a:r>
+              <a:rPr lang="en-US" dirty="0" err="1" smtClean="0"/>
+              <a:t>TableName</a:t>
+            </a:r>
+            <a:r>
+              <a:rPr lang="en-US" dirty="0" smtClean="0"/>
+              <a:t> if </a:t>
+            </a:r>
+            <a:r>
+              <a:rPr lang="en-US" dirty="0" err="1" smtClean="0"/>
+              <a:t>FieldName</a:t>
+            </a:r>
+            <a:r>
+              <a:rPr lang="en-US" dirty="0" smtClean="0"/>
+              <a:t> is unambiguous</a:t>
+            </a:r>
+          </a:p>
+          <a:p>
+            <a:r>
+              <a:rPr lang="en-US" dirty="0" smtClean="0"/>
+              <a:t>Selection </a:t>
+            </a:r>
+            <a:r>
+              <a:rPr lang="en-US" dirty="0" smtClean="0"/>
+              <a:t>criteria</a:t>
+            </a:r>
+          </a:p>
+          <a:p>
+            <a:pPr lvl="1"/>
+            <a:r>
+              <a:rPr lang="en-US" dirty="0" smtClean="0"/>
+              <a:t>Use = instead of ==</a:t>
+            </a:r>
+          </a:p>
+          <a:p>
+            <a:r>
+              <a:rPr lang="en-US" dirty="0" smtClean="0"/>
+              <a:t>Note, different dialects of SQL!</a:t>
+            </a:r>
+            <a:endParaRPr lang="en-US" dirty="0"/>
           </a:p>
         </p:txBody>
       </p:sp>
     </p:spTree>
     <p:extLst>
       <p:ext uri="{BB962C8B-B14F-4D97-AF65-F5344CB8AC3E}">
-        <p14:creationId xmlns:p14="http://schemas.microsoft.com/office/powerpoint/2010/main" val="464282466"/>
+        <p14:creationId xmlns:p14="http://schemas.microsoft.com/office/powerpoint/2010/main" val="2954644636"/>
       </p:ext>
     </p:extLst>
   </p:cSld>
@@ -18279,9 +16563,9 @@
       </p:grpSpPr>
       <p:sp>
         <p:nvSpPr>
-          <p:cNvPr id="2" name="Title 1"/>
+          <p:cNvPr id="5125" name="Rectangle 13"/>
           <p:cNvSpPr>
-            <a:spLocks noGrp="1"/>
+            <a:spLocks noGrp="1" noChangeArrowheads="1"/>
           </p:cNvSpPr>
           <p:nvPr>
             <p:ph type="title"/>
@@ -18293,111 +16577,982 @@
           <a:lstStyle/>
           <a:p>
             <a:r>
-              <a:rPr lang="en-US" dirty="0" smtClean="0"/>
-              <a:t>SQL Tips and Tricks</a:t>
-            </a:r>
-            <a:endParaRPr lang="en-US" dirty="0"/>
+              <a:rPr lang="en-US" smtClean="0"/>
+              <a:t>Join</a:t>
+            </a:r>
+            <a:endParaRPr lang="en-US"/>
+          </a:p>
+        </p:txBody>
+      </p:sp>
+      <p:graphicFrame>
+        <p:nvGraphicFramePr>
+          <p:cNvPr id="5122" name="Object 2"/>
+          <p:cNvGraphicFramePr>
+            <a:graphicFrameLocks noChangeAspect="1"/>
+          </p:cNvGraphicFramePr>
+          <p:nvPr/>
+        </p:nvGraphicFramePr>
+        <p:xfrm>
+          <a:off x="554038" y="4875213"/>
+          <a:ext cx="7446962" cy="1271587"/>
+        </p:xfrm>
+        <a:graphic>
+          <a:graphicData uri="http://schemas.openxmlformats.org/presentationml/2006/ole">
+            <mc:AlternateContent xmlns:mc="http://schemas.openxmlformats.org/markup-compatibility/2006">
+              <mc:Choice xmlns:v="urn:schemas-microsoft-com:vml" Requires="v">
+                <p:oleObj spid="_x0000_s18869" name="Worksheet" r:id="rId3" imgW="4857690" imgH="819269" progId="Excel.Sheet.8">
+                  <p:embed/>
+                </p:oleObj>
+              </mc:Choice>
+              <mc:Fallback>
+                <p:oleObj name="Worksheet" r:id="rId3" imgW="4857690" imgH="819269" progId="Excel.Sheet.8">
+                  <p:embed/>
+                  <p:pic>
+                    <p:nvPicPr>
+                      <p:cNvPr id="0" name=""/>
+                      <p:cNvPicPr>
+                        <a:picLocks noChangeAspect="1" noChangeArrowheads="1"/>
+                      </p:cNvPicPr>
+                      <p:nvPr/>
+                    </p:nvPicPr>
+                    <p:blipFill>
+                      <a:blip r:embed="rId4">
+                        <a:extLst>
+                          <a:ext uri="{28A0092B-C50C-407E-A947-70E740481C1C}">
+                            <a14:useLocalDpi xmlns:a14="http://schemas.microsoft.com/office/drawing/2010/main" val="0"/>
+                          </a:ext>
+                        </a:extLst>
+                      </a:blip>
+                      <a:srcRect/>
+                      <a:stretch>
+                        <a:fillRect/>
+                      </a:stretch>
+                    </p:blipFill>
+                    <p:spPr bwMode="auto">
+                      <a:xfrm>
+                        <a:off x="554038" y="4875213"/>
+                        <a:ext cx="7446962" cy="1271587"/>
+                      </a:xfrm>
+                      <a:prstGeom prst="rect">
+                        <a:avLst/>
+                      </a:prstGeom>
+                      <a:solidFill>
+                        <a:schemeClr val="tx1"/>
+                      </a:solidFill>
+                      <a:ln>
+                        <a:noFill/>
+                      </a:ln>
+                      <a:effectLst/>
+                      <a:extLst>
+                        <a:ext uri="{91240B29-F687-4f45-9708-019B960494DF}">
+                          <a14:hiddenLine xmlns:a14="http://schemas.microsoft.com/office/drawing/2010/main" w="12700">
+                            <a:solidFill>
+                              <a:schemeClr val="tx1"/>
+                            </a:solidFill>
+                            <a:miter lim="800000"/>
+                            <a:headEnd/>
+                            <a:tailEnd/>
+                          </a14:hiddenLine>
+                        </a:ext>
+                        <a:ext uri="{AF507438-7753-43e0-B8FC-AC1667EBCBE1}">
+                          <a14:hiddenEffects xmlns:a14="http://schemas.microsoft.com/office/drawing/2010/main">
+                            <a:effectLst>
+                              <a:outerShdw blurRad="63500" dist="38099" dir="2700000" algn="ctr" rotWithShape="0">
+                                <a:schemeClr val="bg2">
+                                  <a:alpha val="74998"/>
+                                </a:schemeClr>
+                              </a:outerShdw>
+                            </a:effectLst>
+                          </a14:hiddenEffects>
+                        </a:ext>
+                      </a:extLst>
+                    </p:spPr>
+                  </p:pic>
+                </p:oleObj>
+              </mc:Fallback>
+            </mc:AlternateContent>
+          </a:graphicData>
+        </a:graphic>
+      </p:graphicFrame>
+      <p:sp>
+        <p:nvSpPr>
+          <p:cNvPr id="5126" name="Line 9"/>
+          <p:cNvSpPr>
+            <a:spLocks noChangeShapeType="1"/>
+          </p:cNvSpPr>
+          <p:nvPr/>
+        </p:nvSpPr>
+        <p:spPr bwMode="auto">
+          <a:xfrm flipH="1">
+            <a:off x="4114800" y="2438400"/>
+            <a:ext cx="609600" cy="2362200"/>
+          </a:xfrm>
+          <a:prstGeom prst="line">
+            <a:avLst/>
+          </a:prstGeom>
+          <a:noFill/>
+          <a:ln w="31750">
+            <a:solidFill>
+              <a:srgbClr val="FF0000"/>
+            </a:solidFill>
+            <a:round/>
+            <a:headEnd/>
+            <a:tailEnd type="triangle" w="lg" len="lg"/>
+          </a:ln>
+          <a:extLst>
+            <a:ext uri="{909E8E84-426E-40dd-AFC4-6F175D3DCCD1}">
+              <a14:hiddenFill xmlns:a14="http://schemas.microsoft.com/office/drawing/2010/main">
+                <a:noFill/>
+              </a14:hiddenFill>
+            </a:ext>
+          </a:extLst>
+        </p:spPr>
+        <p:txBody>
+          <a:bodyPr/>
+          <a:lstStyle/>
+          <a:p>
+            <a:endParaRPr lang="en-US"/>
           </a:p>
         </p:txBody>
       </p:sp>
       <p:sp>
         <p:nvSpPr>
-          <p:cNvPr id="3" name="Content Placeholder 2"/>
+          <p:cNvPr id="5127" name="Line 10"/>
           <p:cNvSpPr>
-            <a:spLocks noGrp="1"/>
+            <a:spLocks noChangeShapeType="1"/>
           </p:cNvSpPr>
-          <p:nvPr>
-            <p:ph idx="1"/>
-          </p:nvPr>
+          <p:nvPr/>
         </p:nvSpPr>
-        <p:spPr/>
+        <p:spPr bwMode="auto">
+          <a:xfrm flipH="1">
+            <a:off x="4343400" y="3810000"/>
+            <a:ext cx="1143000" cy="990600"/>
+          </a:xfrm>
+          <a:prstGeom prst="line">
+            <a:avLst/>
+          </a:prstGeom>
+          <a:noFill/>
+          <a:ln w="31750">
+            <a:solidFill>
+              <a:srgbClr val="FF0000"/>
+            </a:solidFill>
+            <a:round/>
+            <a:headEnd/>
+            <a:tailEnd type="triangle" w="lg" len="lg"/>
+          </a:ln>
+          <a:extLst>
+            <a:ext uri="{909E8E84-426E-40dd-AFC4-6F175D3DCCD1}">
+              <a14:hiddenFill xmlns:a14="http://schemas.microsoft.com/office/drawing/2010/main">
+                <a:noFill/>
+              </a14:hiddenFill>
+            </a:ext>
+          </a:extLst>
+        </p:spPr>
         <p:txBody>
           <a:bodyPr/>
           <a:lstStyle/>
           <a:p>
-            <a:r>
-              <a:rPr lang="en-US" dirty="0" smtClean="0"/>
-              <a:t>Referring to fields (in SELECT statements)</a:t>
-            </a:r>
-          </a:p>
-          <a:p>
-            <a:pPr lvl="1"/>
-            <a:r>
-              <a:rPr lang="en-US" dirty="0" smtClean="0"/>
-              <a:t>Use </a:t>
-            </a:r>
-            <a:r>
-              <a:rPr lang="en-US" dirty="0" err="1" smtClean="0"/>
-              <a:t>TableName.FieldName</a:t>
-            </a:r>
-            <a:endParaRPr lang="en-US" dirty="0" smtClean="0"/>
-          </a:p>
-          <a:p>
-            <a:pPr lvl="1"/>
-            <a:r>
-              <a:rPr lang="en-US" dirty="0" smtClean="0"/>
-              <a:t>Can drop </a:t>
-            </a:r>
-            <a:r>
-              <a:rPr lang="en-US" dirty="0" err="1" smtClean="0"/>
-              <a:t>TableName</a:t>
-            </a:r>
-            <a:r>
-              <a:rPr lang="en-US" dirty="0" smtClean="0"/>
-              <a:t> if </a:t>
-            </a:r>
-            <a:r>
-              <a:rPr lang="en-US" dirty="0" err="1" smtClean="0"/>
-              <a:t>FieldName</a:t>
-            </a:r>
-            <a:r>
-              <a:rPr lang="en-US" dirty="0" smtClean="0"/>
-              <a:t> is unambiguous</a:t>
-            </a:r>
-          </a:p>
-          <a:p>
-            <a:r>
-              <a:rPr lang="en-US" dirty="0" smtClean="0"/>
-              <a:t>Join criterion</a:t>
-            </a:r>
-          </a:p>
-          <a:p>
-            <a:pPr lvl="1"/>
-            <a:r>
-              <a:rPr lang="en-US" dirty="0" smtClean="0"/>
-              <a:t>Most of the time, based on primary key – foreign key relationships</a:t>
-            </a:r>
-            <a:br>
-              <a:rPr lang="en-US" dirty="0" smtClean="0"/>
-            </a:br>
-            <a:r>
-              <a:rPr lang="en-US" dirty="0" smtClean="0"/>
-              <a:t>e.g., Table1.PrimaryKey = Table2.ForeignKey</a:t>
-            </a:r>
-          </a:p>
-          <a:p>
-            <a:r>
-              <a:rPr lang="en-US" dirty="0" smtClean="0"/>
-              <a:t>Selection criteria</a:t>
-            </a:r>
-          </a:p>
-          <a:p>
-            <a:pPr lvl="1"/>
-            <a:r>
-              <a:rPr lang="en-US" dirty="0" smtClean="0"/>
-              <a:t>Use = instead of ==</a:t>
-            </a:r>
-          </a:p>
-          <a:p>
-            <a:pPr lvl="1"/>
-            <a:endParaRPr lang="en-US" dirty="0"/>
+            <a:endParaRPr lang="en-US"/>
+          </a:p>
+        </p:txBody>
+      </p:sp>
+      <p:sp>
+        <p:nvSpPr>
+          <p:cNvPr id="5128" name="Text Box 11"/>
+          <p:cNvSpPr txBox="1">
+            <a:spLocks noChangeArrowheads="1"/>
+          </p:cNvSpPr>
+          <p:nvPr/>
+        </p:nvSpPr>
+        <p:spPr bwMode="auto">
+          <a:xfrm>
+            <a:off x="552450" y="4492625"/>
+            <a:ext cx="1658552" cy="400110"/>
+          </a:xfrm>
+          <a:prstGeom prst="rect">
+            <a:avLst/>
+          </a:prstGeom>
+          <a:noFill/>
+          <a:ln>
+            <a:noFill/>
+          </a:ln>
+          <a:extLst>
+            <a:ext uri="{909E8E84-426E-40dd-AFC4-6F175D3DCCD1}">
+              <a14:hiddenFill xmlns:a14="http://schemas.microsoft.com/office/drawing/2010/main">
+                <a:solidFill>
+                  <a:srgbClr val="FFFFFF"/>
+                </a:solidFill>
+              </a14:hiddenFill>
+            </a:ext>
+            <a:ext uri="{91240B29-F687-4f45-9708-019B960494DF}">
+              <a14:hiddenLine xmlns:a14="http://schemas.microsoft.com/office/drawing/2010/main" w="12700">
+                <a:solidFill>
+                  <a:srgbClr val="000000"/>
+                </a:solidFill>
+                <a:miter lim="800000"/>
+                <a:headEnd/>
+                <a:tailEnd/>
+              </a14:hiddenLine>
+            </a:ext>
+          </a:extLst>
+        </p:spPr>
+        <p:txBody>
+          <a:bodyPr wrap="none">
+            <a:spAutoFit/>
+          </a:bodyPr>
+          <a:lstStyle>
+            <a:lvl1pPr>
+              <a:defRPr sz="1600" b="1">
+                <a:solidFill>
+                  <a:schemeClr val="tx1"/>
+                </a:solidFill>
+                <a:latin typeface="Arial" charset="0"/>
+                <a:ea typeface="ＭＳ Ｐゴシック" charset="0"/>
+              </a:defRPr>
+            </a:lvl1pPr>
+            <a:lvl2pPr marL="742950" indent="-285750">
+              <a:defRPr sz="1600" b="1">
+                <a:solidFill>
+                  <a:schemeClr val="tx1"/>
+                </a:solidFill>
+                <a:latin typeface="Arial" charset="0"/>
+                <a:ea typeface="ＭＳ Ｐゴシック" charset="0"/>
+              </a:defRPr>
+            </a:lvl2pPr>
+            <a:lvl3pPr marL="1143000" indent="-228600">
+              <a:defRPr sz="1600" b="1">
+                <a:solidFill>
+                  <a:schemeClr val="tx1"/>
+                </a:solidFill>
+                <a:latin typeface="Arial" charset="0"/>
+                <a:ea typeface="ＭＳ Ｐゴシック" charset="0"/>
+              </a:defRPr>
+            </a:lvl3pPr>
+            <a:lvl4pPr marL="1600200" indent="-228600">
+              <a:defRPr sz="1600" b="1">
+                <a:solidFill>
+                  <a:schemeClr val="tx1"/>
+                </a:solidFill>
+                <a:latin typeface="Arial" charset="0"/>
+                <a:ea typeface="ＭＳ Ｐゴシック" charset="0"/>
+              </a:defRPr>
+            </a:lvl4pPr>
+            <a:lvl5pPr marL="2057400" indent="-228600">
+              <a:defRPr sz="1600" b="1">
+                <a:solidFill>
+                  <a:schemeClr val="tx1"/>
+                </a:solidFill>
+                <a:latin typeface="Arial" charset="0"/>
+                <a:ea typeface="ＭＳ Ｐゴシック" charset="0"/>
+              </a:defRPr>
+            </a:lvl5pPr>
+            <a:lvl6pPr marL="2514600" indent="-228600" eaLnBrk="0" fontAlgn="base" hangingPunct="0">
+              <a:spcBef>
+                <a:spcPct val="0"/>
+              </a:spcBef>
+              <a:spcAft>
+                <a:spcPct val="0"/>
+              </a:spcAft>
+              <a:defRPr sz="1600" b="1">
+                <a:solidFill>
+                  <a:schemeClr val="tx1"/>
+                </a:solidFill>
+                <a:latin typeface="Arial" charset="0"/>
+                <a:ea typeface="ＭＳ Ｐゴシック" charset="0"/>
+              </a:defRPr>
+            </a:lvl6pPr>
+            <a:lvl7pPr marL="2971800" indent="-228600" eaLnBrk="0" fontAlgn="base" hangingPunct="0">
+              <a:spcBef>
+                <a:spcPct val="0"/>
+              </a:spcBef>
+              <a:spcAft>
+                <a:spcPct val="0"/>
+              </a:spcAft>
+              <a:defRPr sz="1600" b="1">
+                <a:solidFill>
+                  <a:schemeClr val="tx1"/>
+                </a:solidFill>
+                <a:latin typeface="Arial" charset="0"/>
+                <a:ea typeface="ＭＳ Ｐゴシック" charset="0"/>
+              </a:defRPr>
+            </a:lvl7pPr>
+            <a:lvl8pPr marL="3429000" indent="-228600" eaLnBrk="0" fontAlgn="base" hangingPunct="0">
+              <a:spcBef>
+                <a:spcPct val="0"/>
+              </a:spcBef>
+              <a:spcAft>
+                <a:spcPct val="0"/>
+              </a:spcAft>
+              <a:defRPr sz="1600" b="1">
+                <a:solidFill>
+                  <a:schemeClr val="tx1"/>
+                </a:solidFill>
+                <a:latin typeface="Arial" charset="0"/>
+                <a:ea typeface="ＭＳ Ｐゴシック" charset="0"/>
+              </a:defRPr>
+            </a:lvl8pPr>
+            <a:lvl9pPr marL="3886200" indent="-228600" eaLnBrk="0" fontAlgn="base" hangingPunct="0">
+              <a:spcBef>
+                <a:spcPct val="0"/>
+              </a:spcBef>
+              <a:spcAft>
+                <a:spcPct val="0"/>
+              </a:spcAft>
+              <a:defRPr sz="1600" b="1">
+                <a:solidFill>
+                  <a:schemeClr val="tx1"/>
+                </a:solidFill>
+                <a:latin typeface="Arial" charset="0"/>
+                <a:ea typeface="ＭＳ Ｐゴシック" charset="0"/>
+              </a:defRPr>
+            </a:lvl9pPr>
+          </a:lstStyle>
+          <a:p>
+            <a:r>
+              <a:rPr lang="ja-JP" altLang="en-US" sz="2000" b="0">
+                <a:solidFill>
+                  <a:srgbClr val="000000"/>
+                </a:solidFill>
+                <a:latin typeface="Gill Sans"/>
+                <a:cs typeface="Gill Sans"/>
+              </a:rPr>
+              <a:t>“</a:t>
+            </a:r>
+            <a:r>
+              <a:rPr lang="en-US" sz="2000" b="0">
+                <a:solidFill>
+                  <a:srgbClr val="000000"/>
+                </a:solidFill>
+                <a:latin typeface="Gill Sans"/>
+                <a:cs typeface="Gill Sans"/>
+              </a:rPr>
+              <a:t>Joined</a:t>
+            </a:r>
+            <a:r>
+              <a:rPr lang="ja-JP" altLang="en-US" sz="2000" b="0">
+                <a:solidFill>
+                  <a:srgbClr val="000000"/>
+                </a:solidFill>
+                <a:latin typeface="Gill Sans"/>
+                <a:cs typeface="Gill Sans"/>
+              </a:rPr>
+              <a:t>”</a:t>
+            </a:r>
+            <a:r>
+              <a:rPr lang="en-US" sz="2000" b="0">
+                <a:solidFill>
+                  <a:srgbClr val="000000"/>
+                </a:solidFill>
+                <a:latin typeface="Gill Sans"/>
+                <a:cs typeface="Gill Sans"/>
+              </a:rPr>
+              <a:t> Table</a:t>
+            </a:r>
+          </a:p>
+        </p:txBody>
+      </p:sp>
+      <p:graphicFrame>
+        <p:nvGraphicFramePr>
+          <p:cNvPr id="5123" name="Object 3"/>
+          <p:cNvGraphicFramePr>
+            <a:graphicFrameLocks noChangeAspect="1"/>
+          </p:cNvGraphicFramePr>
+          <p:nvPr/>
+        </p:nvGraphicFramePr>
+        <p:xfrm>
+          <a:off x="530225" y="1466850"/>
+          <a:ext cx="6591300" cy="1096963"/>
+        </p:xfrm>
+        <a:graphic>
+          <a:graphicData uri="http://schemas.openxmlformats.org/presentationml/2006/ole">
+            <mc:AlternateContent xmlns:mc="http://schemas.openxmlformats.org/markup-compatibility/2006">
+              <mc:Choice xmlns:v="urn:schemas-microsoft-com:vml" Requires="v">
+                <p:oleObj spid="_x0000_s18870" name="Worksheet" r:id="rId5" imgW="4753094" imgH="819269" progId="Excel.Sheet.8">
+                  <p:embed/>
+                </p:oleObj>
+              </mc:Choice>
+              <mc:Fallback>
+                <p:oleObj name="Worksheet" r:id="rId5" imgW="4753094" imgH="819269" progId="Excel.Sheet.8">
+                  <p:embed/>
+                  <p:pic>
+                    <p:nvPicPr>
+                      <p:cNvPr id="0" name=""/>
+                      <p:cNvPicPr>
+                        <a:picLocks noChangeAspect="1" noChangeArrowheads="1"/>
+                      </p:cNvPicPr>
+                      <p:nvPr/>
+                    </p:nvPicPr>
+                    <p:blipFill>
+                      <a:blip r:embed="rId6">
+                        <a:extLst>
+                          <a:ext uri="{28A0092B-C50C-407E-A947-70E740481C1C}">
+                            <a14:useLocalDpi xmlns:a14="http://schemas.microsoft.com/office/drawing/2010/main" val="0"/>
+                          </a:ext>
+                        </a:extLst>
+                      </a:blip>
+                      <a:srcRect/>
+                      <a:stretch>
+                        <a:fillRect/>
+                      </a:stretch>
+                    </p:blipFill>
+                    <p:spPr bwMode="auto">
+                      <a:xfrm>
+                        <a:off x="530225" y="1466850"/>
+                        <a:ext cx="6591300" cy="1096963"/>
+                      </a:xfrm>
+                      <a:prstGeom prst="rect">
+                        <a:avLst/>
+                      </a:prstGeom>
+                      <a:solidFill>
+                        <a:schemeClr val="tx1"/>
+                      </a:solidFill>
+                      <a:ln>
+                        <a:noFill/>
+                      </a:ln>
+                      <a:effectLst/>
+                      <a:extLst>
+                        <a:ext uri="{91240B29-F687-4f45-9708-019B960494DF}">
+                          <a14:hiddenLine xmlns:a14="http://schemas.microsoft.com/office/drawing/2010/main" w="12700">
+                            <a:solidFill>
+                              <a:schemeClr val="tx1"/>
+                            </a:solidFill>
+                            <a:miter lim="800000"/>
+                            <a:headEnd/>
+                            <a:tailEnd/>
+                          </a14:hiddenLine>
+                        </a:ext>
+                        <a:ext uri="{AF507438-7753-43e0-B8FC-AC1667EBCBE1}">
+                          <a14:hiddenEffects xmlns:a14="http://schemas.microsoft.com/office/drawing/2010/main">
+                            <a:effectLst>
+                              <a:outerShdw blurRad="63500" dist="38099" dir="2700000" algn="ctr" rotWithShape="0">
+                                <a:schemeClr val="bg2">
+                                  <a:alpha val="74998"/>
+                                </a:schemeClr>
+                              </a:outerShdw>
+                            </a:effectLst>
+                          </a14:hiddenEffects>
+                        </a:ext>
+                      </a:extLst>
+                    </p:spPr>
+                  </p:pic>
+                </p:oleObj>
+              </mc:Fallback>
+            </mc:AlternateContent>
+          </a:graphicData>
+        </a:graphic>
+      </p:graphicFrame>
+      <p:sp>
+        <p:nvSpPr>
+          <p:cNvPr id="5129" name="Text Box 22"/>
+          <p:cNvSpPr txBox="1">
+            <a:spLocks noChangeArrowheads="1"/>
+          </p:cNvSpPr>
+          <p:nvPr/>
+        </p:nvSpPr>
+        <p:spPr bwMode="auto">
+          <a:xfrm>
+            <a:off x="457200" y="1066800"/>
+            <a:ext cx="1561871" cy="400110"/>
+          </a:xfrm>
+          <a:prstGeom prst="rect">
+            <a:avLst/>
+          </a:prstGeom>
+          <a:noFill/>
+          <a:ln>
+            <a:noFill/>
+          </a:ln>
+          <a:extLst>
+            <a:ext uri="{909E8E84-426E-40dd-AFC4-6F175D3DCCD1}">
+              <a14:hiddenFill xmlns:a14="http://schemas.microsoft.com/office/drawing/2010/main">
+                <a:solidFill>
+                  <a:srgbClr val="FFFFFF"/>
+                </a:solidFill>
+              </a14:hiddenFill>
+            </a:ext>
+            <a:ext uri="{91240B29-F687-4f45-9708-019B960494DF}">
+              <a14:hiddenLine xmlns:a14="http://schemas.microsoft.com/office/drawing/2010/main" w="12700">
+                <a:solidFill>
+                  <a:srgbClr val="000000"/>
+                </a:solidFill>
+                <a:miter lim="800000"/>
+                <a:headEnd/>
+                <a:tailEnd/>
+              </a14:hiddenLine>
+            </a:ext>
+          </a:extLst>
+        </p:spPr>
+        <p:txBody>
+          <a:bodyPr wrap="none">
+            <a:spAutoFit/>
+          </a:bodyPr>
+          <a:lstStyle>
+            <a:lvl1pPr>
+              <a:defRPr sz="1600" b="1">
+                <a:solidFill>
+                  <a:schemeClr val="tx1"/>
+                </a:solidFill>
+                <a:latin typeface="Arial" charset="0"/>
+                <a:ea typeface="ＭＳ Ｐゴシック" charset="0"/>
+              </a:defRPr>
+            </a:lvl1pPr>
+            <a:lvl2pPr marL="742950" indent="-285750">
+              <a:defRPr sz="1600" b="1">
+                <a:solidFill>
+                  <a:schemeClr val="tx1"/>
+                </a:solidFill>
+                <a:latin typeface="Arial" charset="0"/>
+                <a:ea typeface="ＭＳ Ｐゴシック" charset="0"/>
+              </a:defRPr>
+            </a:lvl2pPr>
+            <a:lvl3pPr marL="1143000" indent="-228600">
+              <a:defRPr sz="1600" b="1">
+                <a:solidFill>
+                  <a:schemeClr val="tx1"/>
+                </a:solidFill>
+                <a:latin typeface="Arial" charset="0"/>
+                <a:ea typeface="ＭＳ Ｐゴシック" charset="0"/>
+              </a:defRPr>
+            </a:lvl3pPr>
+            <a:lvl4pPr marL="1600200" indent="-228600">
+              <a:defRPr sz="1600" b="1">
+                <a:solidFill>
+                  <a:schemeClr val="tx1"/>
+                </a:solidFill>
+                <a:latin typeface="Arial" charset="0"/>
+                <a:ea typeface="ＭＳ Ｐゴシック" charset="0"/>
+              </a:defRPr>
+            </a:lvl4pPr>
+            <a:lvl5pPr marL="2057400" indent="-228600">
+              <a:defRPr sz="1600" b="1">
+                <a:solidFill>
+                  <a:schemeClr val="tx1"/>
+                </a:solidFill>
+                <a:latin typeface="Arial" charset="0"/>
+                <a:ea typeface="ＭＳ Ｐゴシック" charset="0"/>
+              </a:defRPr>
+            </a:lvl5pPr>
+            <a:lvl6pPr marL="2514600" indent="-228600" eaLnBrk="0" fontAlgn="base" hangingPunct="0">
+              <a:spcBef>
+                <a:spcPct val="0"/>
+              </a:spcBef>
+              <a:spcAft>
+                <a:spcPct val="0"/>
+              </a:spcAft>
+              <a:defRPr sz="1600" b="1">
+                <a:solidFill>
+                  <a:schemeClr val="tx1"/>
+                </a:solidFill>
+                <a:latin typeface="Arial" charset="0"/>
+                <a:ea typeface="ＭＳ Ｐゴシック" charset="0"/>
+              </a:defRPr>
+            </a:lvl6pPr>
+            <a:lvl7pPr marL="2971800" indent="-228600" eaLnBrk="0" fontAlgn="base" hangingPunct="0">
+              <a:spcBef>
+                <a:spcPct val="0"/>
+              </a:spcBef>
+              <a:spcAft>
+                <a:spcPct val="0"/>
+              </a:spcAft>
+              <a:defRPr sz="1600" b="1">
+                <a:solidFill>
+                  <a:schemeClr val="tx1"/>
+                </a:solidFill>
+                <a:latin typeface="Arial" charset="0"/>
+                <a:ea typeface="ＭＳ Ｐゴシック" charset="0"/>
+              </a:defRPr>
+            </a:lvl7pPr>
+            <a:lvl8pPr marL="3429000" indent="-228600" eaLnBrk="0" fontAlgn="base" hangingPunct="0">
+              <a:spcBef>
+                <a:spcPct val="0"/>
+              </a:spcBef>
+              <a:spcAft>
+                <a:spcPct val="0"/>
+              </a:spcAft>
+              <a:defRPr sz="1600" b="1">
+                <a:solidFill>
+                  <a:schemeClr val="tx1"/>
+                </a:solidFill>
+                <a:latin typeface="Arial" charset="0"/>
+                <a:ea typeface="ＭＳ Ｐゴシック" charset="0"/>
+              </a:defRPr>
+            </a:lvl8pPr>
+            <a:lvl9pPr marL="3886200" indent="-228600" eaLnBrk="0" fontAlgn="base" hangingPunct="0">
+              <a:spcBef>
+                <a:spcPct val="0"/>
+              </a:spcBef>
+              <a:spcAft>
+                <a:spcPct val="0"/>
+              </a:spcAft>
+              <a:defRPr sz="1600" b="1">
+                <a:solidFill>
+                  <a:schemeClr val="tx1"/>
+                </a:solidFill>
+                <a:latin typeface="Arial" charset="0"/>
+                <a:ea typeface="ＭＳ Ｐゴシック" charset="0"/>
+              </a:defRPr>
+            </a:lvl9pPr>
+          </a:lstStyle>
+          <a:p>
+            <a:r>
+              <a:rPr lang="en-US" sz="2000" b="0" dirty="0">
+                <a:solidFill>
+                  <a:srgbClr val="000000"/>
+                </a:solidFill>
+                <a:latin typeface="Gill Sans"/>
+                <a:cs typeface="Gill Sans"/>
+              </a:rPr>
+              <a:t>Student Table</a:t>
+            </a:r>
+          </a:p>
+        </p:txBody>
+      </p:sp>
+      <p:sp>
+        <p:nvSpPr>
+          <p:cNvPr id="5130" name="Text Box 26"/>
+          <p:cNvSpPr txBox="1">
+            <a:spLocks noChangeArrowheads="1"/>
+          </p:cNvSpPr>
+          <p:nvPr/>
+        </p:nvSpPr>
+        <p:spPr bwMode="auto">
+          <a:xfrm>
+            <a:off x="5322888" y="2667000"/>
+            <a:ext cx="2042772" cy="400110"/>
+          </a:xfrm>
+          <a:prstGeom prst="rect">
+            <a:avLst/>
+          </a:prstGeom>
+          <a:noFill/>
+          <a:ln>
+            <a:noFill/>
+          </a:ln>
+          <a:extLst>
+            <a:ext uri="{909E8E84-426E-40dd-AFC4-6F175D3DCCD1}">
+              <a14:hiddenFill xmlns:a14="http://schemas.microsoft.com/office/drawing/2010/main">
+                <a:solidFill>
+                  <a:srgbClr val="FFFFFF"/>
+                </a:solidFill>
+              </a14:hiddenFill>
+            </a:ext>
+            <a:ext uri="{91240B29-F687-4f45-9708-019B960494DF}">
+              <a14:hiddenLine xmlns:a14="http://schemas.microsoft.com/office/drawing/2010/main" w="12700">
+                <a:solidFill>
+                  <a:srgbClr val="000000"/>
+                </a:solidFill>
+                <a:miter lim="800000"/>
+                <a:headEnd/>
+                <a:tailEnd/>
+              </a14:hiddenLine>
+            </a:ext>
+          </a:extLst>
+        </p:spPr>
+        <p:txBody>
+          <a:bodyPr wrap="none">
+            <a:spAutoFit/>
+          </a:bodyPr>
+          <a:lstStyle>
+            <a:lvl1pPr>
+              <a:defRPr sz="1600" b="1">
+                <a:solidFill>
+                  <a:schemeClr val="tx1"/>
+                </a:solidFill>
+                <a:latin typeface="Arial" charset="0"/>
+                <a:ea typeface="ＭＳ Ｐゴシック" charset="0"/>
+              </a:defRPr>
+            </a:lvl1pPr>
+            <a:lvl2pPr marL="742950" indent="-285750">
+              <a:defRPr sz="1600" b="1">
+                <a:solidFill>
+                  <a:schemeClr val="tx1"/>
+                </a:solidFill>
+                <a:latin typeface="Arial" charset="0"/>
+                <a:ea typeface="ＭＳ Ｐゴシック" charset="0"/>
+              </a:defRPr>
+            </a:lvl2pPr>
+            <a:lvl3pPr marL="1143000" indent="-228600">
+              <a:defRPr sz="1600" b="1">
+                <a:solidFill>
+                  <a:schemeClr val="tx1"/>
+                </a:solidFill>
+                <a:latin typeface="Arial" charset="0"/>
+                <a:ea typeface="ＭＳ Ｐゴシック" charset="0"/>
+              </a:defRPr>
+            </a:lvl3pPr>
+            <a:lvl4pPr marL="1600200" indent="-228600">
+              <a:defRPr sz="1600" b="1">
+                <a:solidFill>
+                  <a:schemeClr val="tx1"/>
+                </a:solidFill>
+                <a:latin typeface="Arial" charset="0"/>
+                <a:ea typeface="ＭＳ Ｐゴシック" charset="0"/>
+              </a:defRPr>
+            </a:lvl4pPr>
+            <a:lvl5pPr marL="2057400" indent="-228600">
+              <a:defRPr sz="1600" b="1">
+                <a:solidFill>
+                  <a:schemeClr val="tx1"/>
+                </a:solidFill>
+                <a:latin typeface="Arial" charset="0"/>
+                <a:ea typeface="ＭＳ Ｐゴシック" charset="0"/>
+              </a:defRPr>
+            </a:lvl5pPr>
+            <a:lvl6pPr marL="2514600" indent="-228600" eaLnBrk="0" fontAlgn="base" hangingPunct="0">
+              <a:spcBef>
+                <a:spcPct val="0"/>
+              </a:spcBef>
+              <a:spcAft>
+                <a:spcPct val="0"/>
+              </a:spcAft>
+              <a:defRPr sz="1600" b="1">
+                <a:solidFill>
+                  <a:schemeClr val="tx1"/>
+                </a:solidFill>
+                <a:latin typeface="Arial" charset="0"/>
+                <a:ea typeface="ＭＳ Ｐゴシック" charset="0"/>
+              </a:defRPr>
+            </a:lvl6pPr>
+            <a:lvl7pPr marL="2971800" indent="-228600" eaLnBrk="0" fontAlgn="base" hangingPunct="0">
+              <a:spcBef>
+                <a:spcPct val="0"/>
+              </a:spcBef>
+              <a:spcAft>
+                <a:spcPct val="0"/>
+              </a:spcAft>
+              <a:defRPr sz="1600" b="1">
+                <a:solidFill>
+                  <a:schemeClr val="tx1"/>
+                </a:solidFill>
+                <a:latin typeface="Arial" charset="0"/>
+                <a:ea typeface="ＭＳ Ｐゴシック" charset="0"/>
+              </a:defRPr>
+            </a:lvl7pPr>
+            <a:lvl8pPr marL="3429000" indent="-228600" eaLnBrk="0" fontAlgn="base" hangingPunct="0">
+              <a:spcBef>
+                <a:spcPct val="0"/>
+              </a:spcBef>
+              <a:spcAft>
+                <a:spcPct val="0"/>
+              </a:spcAft>
+              <a:defRPr sz="1600" b="1">
+                <a:solidFill>
+                  <a:schemeClr val="tx1"/>
+                </a:solidFill>
+                <a:latin typeface="Arial" charset="0"/>
+                <a:ea typeface="ＭＳ Ｐゴシック" charset="0"/>
+              </a:defRPr>
+            </a:lvl8pPr>
+            <a:lvl9pPr marL="3886200" indent="-228600" eaLnBrk="0" fontAlgn="base" hangingPunct="0">
+              <a:spcBef>
+                <a:spcPct val="0"/>
+              </a:spcBef>
+              <a:spcAft>
+                <a:spcPct val="0"/>
+              </a:spcAft>
+              <a:defRPr sz="1600" b="1">
+                <a:solidFill>
+                  <a:schemeClr val="tx1"/>
+                </a:solidFill>
+                <a:latin typeface="Arial" charset="0"/>
+                <a:ea typeface="ＭＳ Ｐゴシック" charset="0"/>
+              </a:defRPr>
+            </a:lvl9pPr>
+          </a:lstStyle>
+          <a:p>
+            <a:r>
+              <a:rPr lang="en-US" sz="2000" b="0">
+                <a:solidFill>
+                  <a:srgbClr val="000000"/>
+                </a:solidFill>
+                <a:latin typeface="Gill Sans"/>
+                <a:cs typeface="Gill Sans"/>
+              </a:rPr>
+              <a:t>Department Table</a:t>
+            </a:r>
+          </a:p>
+        </p:txBody>
+      </p:sp>
+      <p:graphicFrame>
+        <p:nvGraphicFramePr>
+          <p:cNvPr id="5124" name="Object 4"/>
+          <p:cNvGraphicFramePr>
+            <a:graphicFrameLocks noChangeAspect="1"/>
+          </p:cNvGraphicFramePr>
+          <p:nvPr/>
+        </p:nvGraphicFramePr>
+        <p:xfrm>
+          <a:off x="5322888" y="3124200"/>
+          <a:ext cx="3440112" cy="984250"/>
+        </p:xfrm>
+        <a:graphic>
+          <a:graphicData uri="http://schemas.openxmlformats.org/presentationml/2006/ole">
+            <mc:AlternateContent xmlns:mc="http://schemas.openxmlformats.org/markup-compatibility/2006">
+              <mc:Choice xmlns:v="urn:schemas-microsoft-com:vml" Requires="v">
+                <p:oleObj spid="_x0000_s18871" name="Worksheet" r:id="rId7" imgW="2295704" imgH="657165" progId="Excel.Sheet.8">
+                  <p:embed/>
+                </p:oleObj>
+              </mc:Choice>
+              <mc:Fallback>
+                <p:oleObj name="Worksheet" r:id="rId7" imgW="2295704" imgH="657165" progId="Excel.Sheet.8">
+                  <p:embed/>
+                  <p:pic>
+                    <p:nvPicPr>
+                      <p:cNvPr id="0" name=""/>
+                      <p:cNvPicPr>
+                        <a:picLocks noChangeAspect="1" noChangeArrowheads="1"/>
+                      </p:cNvPicPr>
+                      <p:nvPr/>
+                    </p:nvPicPr>
+                    <p:blipFill>
+                      <a:blip r:embed="rId8">
+                        <a:extLst>
+                          <a:ext uri="{28A0092B-C50C-407E-A947-70E740481C1C}">
+                            <a14:useLocalDpi xmlns:a14="http://schemas.microsoft.com/office/drawing/2010/main" val="0"/>
+                          </a:ext>
+                        </a:extLst>
+                      </a:blip>
+                      <a:srcRect/>
+                      <a:stretch>
+                        <a:fillRect/>
+                      </a:stretch>
+                    </p:blipFill>
+                    <p:spPr bwMode="auto">
+                      <a:xfrm>
+                        <a:off x="5322888" y="3124200"/>
+                        <a:ext cx="3440112" cy="984250"/>
+                      </a:xfrm>
+                      <a:prstGeom prst="rect">
+                        <a:avLst/>
+                      </a:prstGeom>
+                      <a:solidFill>
+                        <a:schemeClr val="tx1"/>
+                      </a:solidFill>
+                      <a:ln>
+                        <a:noFill/>
+                      </a:ln>
+                      <a:effectLst/>
+                      <a:extLst>
+                        <a:ext uri="{91240B29-F687-4f45-9708-019B960494DF}">
+                          <a14:hiddenLine xmlns:a14="http://schemas.microsoft.com/office/drawing/2010/main" w="12700">
+                            <a:solidFill>
+                              <a:schemeClr val="tx1"/>
+                            </a:solidFill>
+                            <a:miter lim="800000"/>
+                            <a:headEnd/>
+                            <a:tailEnd/>
+                          </a14:hiddenLine>
+                        </a:ext>
+                        <a:ext uri="{AF507438-7753-43e0-B8FC-AC1667EBCBE1}">
+                          <a14:hiddenEffects xmlns:a14="http://schemas.microsoft.com/office/drawing/2010/main">
+                            <a:effectLst>
+                              <a:outerShdw blurRad="63500" dist="38099" dir="2700000" algn="ctr" rotWithShape="0">
+                                <a:schemeClr val="bg2">
+                                  <a:alpha val="74998"/>
+                                </a:schemeClr>
+                              </a:outerShdw>
+                            </a:effectLst>
+                          </a14:hiddenEffects>
+                        </a:ext>
+                      </a:extLst>
+                    </p:spPr>
+                  </p:pic>
+                </p:oleObj>
+              </mc:Fallback>
+            </mc:AlternateContent>
+          </a:graphicData>
+        </a:graphic>
+      </p:graphicFrame>
+      <p:sp>
+        <p:nvSpPr>
+          <p:cNvPr id="5131" name="Rectangle 27"/>
+          <p:cNvSpPr>
+            <a:spLocks noChangeArrowheads="1"/>
+          </p:cNvSpPr>
+          <p:nvPr/>
+        </p:nvSpPr>
+        <p:spPr bwMode="auto">
+          <a:xfrm>
+            <a:off x="3962400" y="1447800"/>
+            <a:ext cx="1447800" cy="1143000"/>
+          </a:xfrm>
+          <a:prstGeom prst="rect">
+            <a:avLst/>
+          </a:prstGeom>
+          <a:noFill/>
+          <a:ln w="50800">
+            <a:solidFill>
+              <a:srgbClr val="FF0000"/>
+            </a:solidFill>
+            <a:prstDash val="sysDash"/>
+            <a:miter lim="800000"/>
+            <a:headEnd/>
+            <a:tailEnd/>
+          </a:ln>
+          <a:extLst>
+            <a:ext uri="{909E8E84-426E-40dd-AFC4-6F175D3DCCD1}">
+              <a14:hiddenFill xmlns:a14="http://schemas.microsoft.com/office/drawing/2010/main">
+                <a:solidFill>
+                  <a:srgbClr val="FFFFFF"/>
+                </a:solidFill>
+              </a14:hiddenFill>
+            </a:ext>
+          </a:extLst>
+        </p:spPr>
+        <p:txBody>
+          <a:bodyPr wrap="none" anchor="ctr"/>
+          <a:lstStyle/>
+          <a:p>
+            <a:endParaRPr lang="en-US"/>
+          </a:p>
+        </p:txBody>
+      </p:sp>
+      <p:sp>
+        <p:nvSpPr>
+          <p:cNvPr id="5132" name="Rectangle 28"/>
+          <p:cNvSpPr>
+            <a:spLocks noChangeArrowheads="1"/>
+          </p:cNvSpPr>
+          <p:nvPr/>
+        </p:nvSpPr>
+        <p:spPr bwMode="auto">
+          <a:xfrm>
+            <a:off x="5322888" y="3124200"/>
+            <a:ext cx="1447800" cy="990600"/>
+          </a:xfrm>
+          <a:prstGeom prst="rect">
+            <a:avLst/>
+          </a:prstGeom>
+          <a:noFill/>
+          <a:ln w="50800">
+            <a:solidFill>
+              <a:srgbClr val="FF0000"/>
+            </a:solidFill>
+            <a:prstDash val="sysDash"/>
+            <a:miter lim="800000"/>
+            <a:headEnd/>
+            <a:tailEnd/>
+          </a:ln>
+          <a:extLst>
+            <a:ext uri="{909E8E84-426E-40dd-AFC4-6F175D3DCCD1}">
+              <a14:hiddenFill xmlns:a14="http://schemas.microsoft.com/office/drawing/2010/main">
+                <a:solidFill>
+                  <a:srgbClr val="FFFFFF"/>
+                </a:solidFill>
+              </a14:hiddenFill>
+            </a:ext>
+          </a:extLst>
+        </p:spPr>
+        <p:txBody>
+          <a:bodyPr wrap="none" anchor="ctr"/>
+          <a:lstStyle/>
+          <a:p>
+            <a:endParaRPr lang="en-US"/>
           </a:p>
         </p:txBody>
       </p:sp>
     </p:spTree>
     <p:extLst>
       <p:ext uri="{BB962C8B-B14F-4D97-AF65-F5344CB8AC3E}">
-        <p14:creationId xmlns:p14="http://schemas.microsoft.com/office/powerpoint/2010/main" val="1853028525"/>
+        <p14:creationId xmlns:p14="http://schemas.microsoft.com/office/powerpoint/2010/main" val="2756273675"/>
       </p:ext>
     </p:extLst>
   </p:cSld>
@@ -18449,7 +17604,7 @@
           <a:p>
             <a:r>
               <a:rPr lang="en-US" dirty="0" smtClean="0"/>
-              <a:t>Aggregations</a:t>
+              <a:t>SQL Template for Joins</a:t>
             </a:r>
             <a:endParaRPr lang="en-US" dirty="0"/>
           </a:p>
@@ -18457,88 +17612,7 @@
       </p:sp>
       <p:sp>
         <p:nvSpPr>
-          <p:cNvPr id="3" name="Content Placeholder 2"/>
-          <p:cNvSpPr>
-            <a:spLocks noGrp="1"/>
-          </p:cNvSpPr>
-          <p:nvPr>
-            <p:ph idx="1"/>
-          </p:nvPr>
-        </p:nvSpPr>
-        <p:spPr/>
-        <p:txBody>
-          <a:bodyPr/>
-          <a:lstStyle/>
-          <a:p>
-            <a:r>
-              <a:rPr lang="en-US" dirty="0" smtClean="0"/>
-              <a:t>SQL aggregation functions</a:t>
-            </a:r>
-          </a:p>
-          <a:p>
-            <a:pPr lvl="1"/>
-            <a:r>
-              <a:rPr lang="en-US" dirty="0" smtClean="0"/>
-              <a:t>Examples: count, min, max, sum, </a:t>
-            </a:r>
-            <a:r>
-              <a:rPr lang="en-US" dirty="0" err="1" smtClean="0"/>
-              <a:t>avg</a:t>
-            </a:r>
-            <a:endParaRPr lang="en-US" dirty="0" smtClean="0"/>
-          </a:p>
-          <a:p>
-            <a:pPr lvl="1"/>
-            <a:r>
-              <a:rPr lang="en-US" dirty="0" smtClean="0"/>
-              <a:t>Use in select statements</a:t>
-            </a:r>
-          </a:p>
-          <a:p>
-            <a:pPr lvl="1"/>
-            <a:endParaRPr lang="en-US" dirty="0"/>
-          </a:p>
-          <a:p>
-            <a:pPr lvl="1"/>
-            <a:endParaRPr lang="en-US" dirty="0" smtClean="0"/>
-          </a:p>
-          <a:p>
-            <a:pPr lvl="1"/>
-            <a:endParaRPr lang="en-US" dirty="0"/>
-          </a:p>
-          <a:p>
-            <a:pPr lvl="1"/>
-            <a:r>
-              <a:rPr lang="en-US" dirty="0" smtClean="0"/>
-              <a:t>Tip: when trying to write SQL query with aggregation, do it first without</a:t>
-            </a:r>
-          </a:p>
-          <a:p>
-            <a:r>
-              <a:rPr lang="en-US" dirty="0" smtClean="0"/>
-              <a:t>Group by [field]</a:t>
-            </a:r>
-          </a:p>
-          <a:p>
-            <a:pPr lvl="1"/>
-            <a:r>
-              <a:rPr lang="en-US" dirty="0" smtClean="0"/>
-              <a:t>Often used in conjunction with aggregation</a:t>
-            </a:r>
-          </a:p>
-          <a:p>
-            <a:pPr lvl="1"/>
-            <a:r>
-              <a:rPr lang="en-US" dirty="0" smtClean="0"/>
-              <a:t>Conceptually, breaks table apart based on the [field]</a:t>
-            </a:r>
-            <a:endParaRPr lang="en-US" dirty="0"/>
-          </a:p>
-        </p:txBody>
-      </p:sp>
-      <p:sp>
-        <p:nvSpPr>
-          <p:cNvPr id="4" name="Text Box 5"/>
+          <p:cNvPr id="4" name="TextBox 1"/>
           <p:cNvSpPr txBox="1">
             <a:spLocks noChangeArrowheads="1"/>
           </p:cNvSpPr>
@@ -18546,8 +17620,8 @@
         </p:nvSpPr>
         <p:spPr bwMode="auto">
           <a:xfrm>
-            <a:off x="1325203" y="2337137"/>
-            <a:ext cx="2331688" cy="1015663"/>
+            <a:off x="685800" y="1447800"/>
+            <a:ext cx="4953000" cy="523220"/>
           </a:xfrm>
           <a:prstGeom prst="rect">
             <a:avLst/>
@@ -18577,7 +17651,7 @@
           </a:extLst>
         </p:spPr>
         <p:txBody>
-          <a:bodyPr wrap="none">
+          <a:bodyPr wrap="square">
             <a:spAutoFit/>
           </a:bodyPr>
           <a:lstStyle>
@@ -18689,53 +17763,1036 @@
           </a:lstStyle>
           <a:p>
             <a:r>
-              <a:rPr lang="en-US" sz="2000" b="0" dirty="0" smtClean="0">
+              <a:rPr lang="en-US" sz="2800" b="0" dirty="0" smtClean="0">
                 <a:solidFill>
                   <a:srgbClr val="FF0000"/>
                 </a:solidFill>
                 <a:latin typeface="Gill Sans"/>
                 <a:cs typeface="Gill Sans"/>
               </a:rPr>
-              <a:t>select count(*)…</a:t>
-            </a:r>
-          </a:p>
-          <a:p>
-            <a:r>
-              <a:rPr lang="en-US" sz="2000" b="0" dirty="0" smtClean="0">
-                <a:solidFill>
-                  <a:srgbClr val="FF0000"/>
+              <a:t>select</a:t>
+            </a:r>
+            <a:r>
+              <a:rPr lang="en-US" sz="2800" b="0" dirty="0" smtClean="0">
+                <a:solidFill>
+                  <a:srgbClr val="000000"/>
                 </a:solidFill>
                 <a:latin typeface="Gill Sans"/>
                 <a:cs typeface="Gill Sans"/>
               </a:rPr>
-              <a:t>select min(price)…</a:t>
-            </a:r>
-          </a:p>
-          <a:p>
-            <a:r>
-              <a:rPr lang="en-US" sz="2000" b="0" dirty="0" smtClean="0">
-                <a:solidFill>
-                  <a:srgbClr val="FF0000"/>
-                </a:solidFill>
-                <a:latin typeface="Gill Sans"/>
-                <a:cs typeface="Gill Sans"/>
-              </a:rPr>
-              <a:t>select sum(length)…</a:t>
-            </a:r>
-            <a:endParaRPr lang="en-US" sz="2000" b="0" dirty="0">
+              <a:t> [columns in the table]</a:t>
+            </a:r>
+            <a:endParaRPr lang="en-US" sz="2800" b="0" dirty="0">
               <a:solidFill>
-                <a:srgbClr val="FF0000"/>
+                <a:srgbClr val="000000"/>
               </a:solidFill>
               <a:latin typeface="Gill Sans"/>
               <a:cs typeface="Gill Sans"/>
             </a:endParaRPr>
+          </a:p>
+        </p:txBody>
+      </p:sp>
+      <p:sp>
+        <p:nvSpPr>
+          <p:cNvPr id="6" name="TextBox 1"/>
+          <p:cNvSpPr txBox="1">
+            <a:spLocks noChangeArrowheads="1"/>
+          </p:cNvSpPr>
+          <p:nvPr/>
+        </p:nvSpPr>
+        <p:spPr bwMode="auto">
+          <a:xfrm>
+            <a:off x="1143000" y="1991380"/>
+            <a:ext cx="4953000" cy="523220"/>
+          </a:xfrm>
+          <a:prstGeom prst="rect">
+            <a:avLst/>
+          </a:prstGeom>
+          <a:noFill/>
+          <a:ln>
+            <a:noFill/>
+          </a:ln>
+          <a:extLst>
+            <a:ext uri="{909E8E84-426E-40dd-AFC4-6F175D3DCCD1}">
+              <a14:hiddenFill xmlns:a14="http://schemas.microsoft.com/office/drawing/2010/main">
+                <a:solidFill>
+                  <a:srgbClr val="FFFFFF"/>
+                </a:solidFill>
+              </a14:hiddenFill>
+            </a:ext>
+            <a:ext uri="{91240B29-F687-4f45-9708-019B960494DF}">
+              <a14:hiddenLine xmlns:a14="http://schemas.microsoft.com/office/drawing/2010/main" w="9525">
+                <a:solidFill>
+                  <a:srgbClr val="000000"/>
+                </a:solidFill>
+                <a:miter lim="800000"/>
+                <a:headEnd/>
+                <a:tailEnd/>
+              </a14:hiddenLine>
+            </a:ext>
+          </a:extLst>
+        </p:spPr>
+        <p:txBody>
+          <a:bodyPr wrap="square">
+            <a:spAutoFit/>
+          </a:bodyPr>
+          <a:lstStyle>
+            <a:lvl1pPr>
+              <a:defRPr sz="1600" b="1">
+                <a:solidFill>
+                  <a:schemeClr val="tx1"/>
+                </a:solidFill>
+                <a:latin typeface="Arial" charset="0"/>
+                <a:ea typeface="ＭＳ Ｐゴシック" charset="0"/>
+              </a:defRPr>
+            </a:lvl1pPr>
+            <a:lvl2pPr marL="742950" indent="-285750">
+              <a:defRPr sz="1600" b="1">
+                <a:solidFill>
+                  <a:schemeClr val="tx1"/>
+                </a:solidFill>
+                <a:latin typeface="Arial" charset="0"/>
+                <a:ea typeface="ＭＳ Ｐゴシック" charset="0"/>
+              </a:defRPr>
+            </a:lvl2pPr>
+            <a:lvl3pPr marL="1143000" indent="-228600">
+              <a:defRPr sz="1600" b="1">
+                <a:solidFill>
+                  <a:schemeClr val="tx1"/>
+                </a:solidFill>
+                <a:latin typeface="Arial" charset="0"/>
+                <a:ea typeface="ＭＳ Ｐゴシック" charset="0"/>
+              </a:defRPr>
+            </a:lvl3pPr>
+            <a:lvl4pPr marL="1600200" indent="-228600">
+              <a:defRPr sz="1600" b="1">
+                <a:solidFill>
+                  <a:schemeClr val="tx1"/>
+                </a:solidFill>
+                <a:latin typeface="Arial" charset="0"/>
+                <a:ea typeface="ＭＳ Ｐゴシック" charset="0"/>
+              </a:defRPr>
+            </a:lvl4pPr>
+            <a:lvl5pPr marL="2057400" indent="-228600">
+              <a:defRPr sz="1600" b="1">
+                <a:solidFill>
+                  <a:schemeClr val="tx1"/>
+                </a:solidFill>
+                <a:latin typeface="Arial" charset="0"/>
+                <a:ea typeface="ＭＳ Ｐゴシック" charset="0"/>
+              </a:defRPr>
+            </a:lvl5pPr>
+            <a:lvl6pPr marL="2514600" indent="-228600" eaLnBrk="0" fontAlgn="base" hangingPunct="0">
+              <a:spcBef>
+                <a:spcPct val="0"/>
+              </a:spcBef>
+              <a:spcAft>
+                <a:spcPct val="0"/>
+              </a:spcAft>
+              <a:defRPr sz="1600" b="1">
+                <a:solidFill>
+                  <a:schemeClr val="tx1"/>
+                </a:solidFill>
+                <a:latin typeface="Arial" charset="0"/>
+                <a:ea typeface="ＭＳ Ｐゴシック" charset="0"/>
+              </a:defRPr>
+            </a:lvl6pPr>
+            <a:lvl7pPr marL="2971800" indent="-228600" eaLnBrk="0" fontAlgn="base" hangingPunct="0">
+              <a:spcBef>
+                <a:spcPct val="0"/>
+              </a:spcBef>
+              <a:spcAft>
+                <a:spcPct val="0"/>
+              </a:spcAft>
+              <a:defRPr sz="1600" b="1">
+                <a:solidFill>
+                  <a:schemeClr val="tx1"/>
+                </a:solidFill>
+                <a:latin typeface="Arial" charset="0"/>
+                <a:ea typeface="ＭＳ Ｐゴシック" charset="0"/>
+              </a:defRPr>
+            </a:lvl7pPr>
+            <a:lvl8pPr marL="3429000" indent="-228600" eaLnBrk="0" fontAlgn="base" hangingPunct="0">
+              <a:spcBef>
+                <a:spcPct val="0"/>
+              </a:spcBef>
+              <a:spcAft>
+                <a:spcPct val="0"/>
+              </a:spcAft>
+              <a:defRPr sz="1600" b="1">
+                <a:solidFill>
+                  <a:schemeClr val="tx1"/>
+                </a:solidFill>
+                <a:latin typeface="Arial" charset="0"/>
+                <a:ea typeface="ＭＳ Ｐゴシック" charset="0"/>
+              </a:defRPr>
+            </a:lvl8pPr>
+            <a:lvl9pPr marL="3886200" indent="-228600" eaLnBrk="0" fontAlgn="base" hangingPunct="0">
+              <a:spcBef>
+                <a:spcPct val="0"/>
+              </a:spcBef>
+              <a:spcAft>
+                <a:spcPct val="0"/>
+              </a:spcAft>
+              <a:defRPr sz="1600" b="1">
+                <a:solidFill>
+                  <a:schemeClr val="tx1"/>
+                </a:solidFill>
+                <a:latin typeface="Arial" charset="0"/>
+                <a:ea typeface="ＭＳ Ｐゴシック" charset="0"/>
+              </a:defRPr>
+            </a:lvl9pPr>
+          </a:lstStyle>
+          <a:p>
+            <a:r>
+              <a:rPr lang="en-US" sz="2800" b="0" dirty="0" smtClean="0">
+                <a:solidFill>
+                  <a:srgbClr val="FF0000"/>
+                </a:solidFill>
+                <a:latin typeface="Gill Sans"/>
+                <a:cs typeface="Gill Sans"/>
+              </a:rPr>
+              <a:t>from</a:t>
+            </a:r>
+            <a:r>
+              <a:rPr lang="en-US" sz="2800" b="0" dirty="0" smtClean="0">
+                <a:solidFill>
+                  <a:srgbClr val="000000"/>
+                </a:solidFill>
+                <a:latin typeface="Gill Sans"/>
+                <a:cs typeface="Gill Sans"/>
+              </a:rPr>
+              <a:t> [table name]</a:t>
+            </a:r>
+            <a:endParaRPr lang="en-US" sz="2800" b="0" dirty="0">
+              <a:solidFill>
+                <a:srgbClr val="000000"/>
+              </a:solidFill>
+              <a:latin typeface="Gill Sans"/>
+              <a:cs typeface="Gill Sans"/>
+            </a:endParaRPr>
+          </a:p>
+        </p:txBody>
+      </p:sp>
+      <p:sp>
+        <p:nvSpPr>
+          <p:cNvPr id="7" name="TextBox 1"/>
+          <p:cNvSpPr txBox="1">
+            <a:spLocks noChangeArrowheads="1"/>
+          </p:cNvSpPr>
+          <p:nvPr/>
+        </p:nvSpPr>
+        <p:spPr bwMode="auto">
+          <a:xfrm>
+            <a:off x="1143000" y="2524780"/>
+            <a:ext cx="7162800" cy="523220"/>
+          </a:xfrm>
+          <a:prstGeom prst="rect">
+            <a:avLst/>
+          </a:prstGeom>
+          <a:noFill/>
+          <a:ln>
+            <a:noFill/>
+          </a:ln>
+          <a:extLst>
+            <a:ext uri="{909E8E84-426E-40dd-AFC4-6F175D3DCCD1}">
+              <a14:hiddenFill xmlns:a14="http://schemas.microsoft.com/office/drawing/2010/main">
+                <a:solidFill>
+                  <a:srgbClr val="FFFFFF"/>
+                </a:solidFill>
+              </a14:hiddenFill>
+            </a:ext>
+            <a:ext uri="{91240B29-F687-4f45-9708-019B960494DF}">
+              <a14:hiddenLine xmlns:a14="http://schemas.microsoft.com/office/drawing/2010/main" w="9525">
+                <a:solidFill>
+                  <a:srgbClr val="000000"/>
+                </a:solidFill>
+                <a:miter lim="800000"/>
+                <a:headEnd/>
+                <a:tailEnd/>
+              </a14:hiddenLine>
+            </a:ext>
+          </a:extLst>
+        </p:spPr>
+        <p:txBody>
+          <a:bodyPr wrap="square">
+            <a:spAutoFit/>
+          </a:bodyPr>
+          <a:lstStyle>
+            <a:lvl1pPr>
+              <a:defRPr sz="1600" b="1">
+                <a:solidFill>
+                  <a:schemeClr val="tx1"/>
+                </a:solidFill>
+                <a:latin typeface="Arial" charset="0"/>
+                <a:ea typeface="ＭＳ Ｐゴシック" charset="0"/>
+              </a:defRPr>
+            </a:lvl1pPr>
+            <a:lvl2pPr marL="742950" indent="-285750">
+              <a:defRPr sz="1600" b="1">
+                <a:solidFill>
+                  <a:schemeClr val="tx1"/>
+                </a:solidFill>
+                <a:latin typeface="Arial" charset="0"/>
+                <a:ea typeface="ＭＳ Ｐゴシック" charset="0"/>
+              </a:defRPr>
+            </a:lvl2pPr>
+            <a:lvl3pPr marL="1143000" indent="-228600">
+              <a:defRPr sz="1600" b="1">
+                <a:solidFill>
+                  <a:schemeClr val="tx1"/>
+                </a:solidFill>
+                <a:latin typeface="Arial" charset="0"/>
+                <a:ea typeface="ＭＳ Ｐゴシック" charset="0"/>
+              </a:defRPr>
+            </a:lvl3pPr>
+            <a:lvl4pPr marL="1600200" indent="-228600">
+              <a:defRPr sz="1600" b="1">
+                <a:solidFill>
+                  <a:schemeClr val="tx1"/>
+                </a:solidFill>
+                <a:latin typeface="Arial" charset="0"/>
+                <a:ea typeface="ＭＳ Ｐゴシック" charset="0"/>
+              </a:defRPr>
+            </a:lvl4pPr>
+            <a:lvl5pPr marL="2057400" indent="-228600">
+              <a:defRPr sz="1600" b="1">
+                <a:solidFill>
+                  <a:schemeClr val="tx1"/>
+                </a:solidFill>
+                <a:latin typeface="Arial" charset="0"/>
+                <a:ea typeface="ＭＳ Ｐゴシック" charset="0"/>
+              </a:defRPr>
+            </a:lvl5pPr>
+            <a:lvl6pPr marL="2514600" indent="-228600" eaLnBrk="0" fontAlgn="base" hangingPunct="0">
+              <a:spcBef>
+                <a:spcPct val="0"/>
+              </a:spcBef>
+              <a:spcAft>
+                <a:spcPct val="0"/>
+              </a:spcAft>
+              <a:defRPr sz="1600" b="1">
+                <a:solidFill>
+                  <a:schemeClr val="tx1"/>
+                </a:solidFill>
+                <a:latin typeface="Arial" charset="0"/>
+                <a:ea typeface="ＭＳ Ｐゴシック" charset="0"/>
+              </a:defRPr>
+            </a:lvl6pPr>
+            <a:lvl7pPr marL="2971800" indent="-228600" eaLnBrk="0" fontAlgn="base" hangingPunct="0">
+              <a:spcBef>
+                <a:spcPct val="0"/>
+              </a:spcBef>
+              <a:spcAft>
+                <a:spcPct val="0"/>
+              </a:spcAft>
+              <a:defRPr sz="1600" b="1">
+                <a:solidFill>
+                  <a:schemeClr val="tx1"/>
+                </a:solidFill>
+                <a:latin typeface="Arial" charset="0"/>
+                <a:ea typeface="ＭＳ Ｐゴシック" charset="0"/>
+              </a:defRPr>
+            </a:lvl7pPr>
+            <a:lvl8pPr marL="3429000" indent="-228600" eaLnBrk="0" fontAlgn="base" hangingPunct="0">
+              <a:spcBef>
+                <a:spcPct val="0"/>
+              </a:spcBef>
+              <a:spcAft>
+                <a:spcPct val="0"/>
+              </a:spcAft>
+              <a:defRPr sz="1600" b="1">
+                <a:solidFill>
+                  <a:schemeClr val="tx1"/>
+                </a:solidFill>
+                <a:latin typeface="Arial" charset="0"/>
+                <a:ea typeface="ＭＳ Ｐゴシック" charset="0"/>
+              </a:defRPr>
+            </a:lvl8pPr>
+            <a:lvl9pPr marL="3886200" indent="-228600" eaLnBrk="0" fontAlgn="base" hangingPunct="0">
+              <a:spcBef>
+                <a:spcPct val="0"/>
+              </a:spcBef>
+              <a:spcAft>
+                <a:spcPct val="0"/>
+              </a:spcAft>
+              <a:defRPr sz="1600" b="1">
+                <a:solidFill>
+                  <a:schemeClr val="tx1"/>
+                </a:solidFill>
+                <a:latin typeface="Arial" charset="0"/>
+                <a:ea typeface="ＭＳ Ｐゴシック" charset="0"/>
+              </a:defRPr>
+            </a:lvl9pPr>
+          </a:lstStyle>
+          <a:p>
+            <a:r>
+              <a:rPr lang="en-US" sz="2800" b="0" dirty="0" smtClean="0">
+                <a:solidFill>
+                  <a:srgbClr val="FF0000"/>
+                </a:solidFill>
+                <a:latin typeface="Gill Sans"/>
+                <a:cs typeface="Gill Sans"/>
+              </a:rPr>
+              <a:t>join</a:t>
+            </a:r>
+            <a:r>
+              <a:rPr lang="en-US" sz="2800" b="0" dirty="0" smtClean="0">
+                <a:solidFill>
+                  <a:srgbClr val="000000"/>
+                </a:solidFill>
+                <a:latin typeface="Gill Sans"/>
+                <a:cs typeface="Gill Sans"/>
+              </a:rPr>
+              <a:t> [another </a:t>
+            </a:r>
+            <a:r>
+              <a:rPr lang="en-US" sz="2800" b="0" dirty="0" err="1" smtClean="0">
+                <a:solidFill>
+                  <a:srgbClr val="000000"/>
+                </a:solidFill>
+                <a:latin typeface="Gill Sans"/>
+                <a:cs typeface="Gill Sans"/>
+              </a:rPr>
+              <a:t>tablename</a:t>
+            </a:r>
+            <a:r>
+              <a:rPr lang="en-US" sz="2800" b="0" dirty="0" smtClean="0">
+                <a:solidFill>
+                  <a:srgbClr val="000000"/>
+                </a:solidFill>
+                <a:latin typeface="Gill Sans"/>
+                <a:cs typeface="Gill Sans"/>
+              </a:rPr>
+              <a:t>] on [join criterion]</a:t>
+            </a:r>
+            <a:endParaRPr lang="en-US" sz="2800" b="0" dirty="0">
+              <a:solidFill>
+                <a:srgbClr val="000000"/>
+              </a:solidFill>
+              <a:latin typeface="Gill Sans"/>
+              <a:cs typeface="Gill Sans"/>
+            </a:endParaRPr>
+          </a:p>
+        </p:txBody>
+      </p:sp>
+      <p:sp>
+        <p:nvSpPr>
+          <p:cNvPr id="8" name="TextBox 1"/>
+          <p:cNvSpPr txBox="1">
+            <a:spLocks noChangeArrowheads="1"/>
+          </p:cNvSpPr>
+          <p:nvPr/>
+        </p:nvSpPr>
+        <p:spPr bwMode="auto">
+          <a:xfrm>
+            <a:off x="1143000" y="3058180"/>
+            <a:ext cx="7162800" cy="523220"/>
+          </a:xfrm>
+          <a:prstGeom prst="rect">
+            <a:avLst/>
+          </a:prstGeom>
+          <a:noFill/>
+          <a:ln>
+            <a:noFill/>
+          </a:ln>
+          <a:extLst>
+            <a:ext uri="{909E8E84-426E-40dd-AFC4-6F175D3DCCD1}">
+              <a14:hiddenFill xmlns:a14="http://schemas.microsoft.com/office/drawing/2010/main">
+                <a:solidFill>
+                  <a:srgbClr val="FFFFFF"/>
+                </a:solidFill>
+              </a14:hiddenFill>
+            </a:ext>
+            <a:ext uri="{91240B29-F687-4f45-9708-019B960494DF}">
+              <a14:hiddenLine xmlns:a14="http://schemas.microsoft.com/office/drawing/2010/main" w="9525">
+                <a:solidFill>
+                  <a:srgbClr val="000000"/>
+                </a:solidFill>
+                <a:miter lim="800000"/>
+                <a:headEnd/>
+                <a:tailEnd/>
+              </a14:hiddenLine>
+            </a:ext>
+          </a:extLst>
+        </p:spPr>
+        <p:txBody>
+          <a:bodyPr wrap="square">
+            <a:spAutoFit/>
+          </a:bodyPr>
+          <a:lstStyle>
+            <a:lvl1pPr>
+              <a:defRPr sz="1600" b="1">
+                <a:solidFill>
+                  <a:schemeClr val="tx1"/>
+                </a:solidFill>
+                <a:latin typeface="Arial" charset="0"/>
+                <a:ea typeface="ＭＳ Ｐゴシック" charset="0"/>
+              </a:defRPr>
+            </a:lvl1pPr>
+            <a:lvl2pPr marL="742950" indent="-285750">
+              <a:defRPr sz="1600" b="1">
+                <a:solidFill>
+                  <a:schemeClr val="tx1"/>
+                </a:solidFill>
+                <a:latin typeface="Arial" charset="0"/>
+                <a:ea typeface="ＭＳ Ｐゴシック" charset="0"/>
+              </a:defRPr>
+            </a:lvl2pPr>
+            <a:lvl3pPr marL="1143000" indent="-228600">
+              <a:defRPr sz="1600" b="1">
+                <a:solidFill>
+                  <a:schemeClr val="tx1"/>
+                </a:solidFill>
+                <a:latin typeface="Arial" charset="0"/>
+                <a:ea typeface="ＭＳ Ｐゴシック" charset="0"/>
+              </a:defRPr>
+            </a:lvl3pPr>
+            <a:lvl4pPr marL="1600200" indent="-228600">
+              <a:defRPr sz="1600" b="1">
+                <a:solidFill>
+                  <a:schemeClr val="tx1"/>
+                </a:solidFill>
+                <a:latin typeface="Arial" charset="0"/>
+                <a:ea typeface="ＭＳ Ｐゴシック" charset="0"/>
+              </a:defRPr>
+            </a:lvl4pPr>
+            <a:lvl5pPr marL="2057400" indent="-228600">
+              <a:defRPr sz="1600" b="1">
+                <a:solidFill>
+                  <a:schemeClr val="tx1"/>
+                </a:solidFill>
+                <a:latin typeface="Arial" charset="0"/>
+                <a:ea typeface="ＭＳ Ｐゴシック" charset="0"/>
+              </a:defRPr>
+            </a:lvl5pPr>
+            <a:lvl6pPr marL="2514600" indent="-228600" eaLnBrk="0" fontAlgn="base" hangingPunct="0">
+              <a:spcBef>
+                <a:spcPct val="0"/>
+              </a:spcBef>
+              <a:spcAft>
+                <a:spcPct val="0"/>
+              </a:spcAft>
+              <a:defRPr sz="1600" b="1">
+                <a:solidFill>
+                  <a:schemeClr val="tx1"/>
+                </a:solidFill>
+                <a:latin typeface="Arial" charset="0"/>
+                <a:ea typeface="ＭＳ Ｐゴシック" charset="0"/>
+              </a:defRPr>
+            </a:lvl6pPr>
+            <a:lvl7pPr marL="2971800" indent="-228600" eaLnBrk="0" fontAlgn="base" hangingPunct="0">
+              <a:spcBef>
+                <a:spcPct val="0"/>
+              </a:spcBef>
+              <a:spcAft>
+                <a:spcPct val="0"/>
+              </a:spcAft>
+              <a:defRPr sz="1600" b="1">
+                <a:solidFill>
+                  <a:schemeClr val="tx1"/>
+                </a:solidFill>
+                <a:latin typeface="Arial" charset="0"/>
+                <a:ea typeface="ＭＳ Ｐゴシック" charset="0"/>
+              </a:defRPr>
+            </a:lvl7pPr>
+            <a:lvl8pPr marL="3429000" indent="-228600" eaLnBrk="0" fontAlgn="base" hangingPunct="0">
+              <a:spcBef>
+                <a:spcPct val="0"/>
+              </a:spcBef>
+              <a:spcAft>
+                <a:spcPct val="0"/>
+              </a:spcAft>
+              <a:defRPr sz="1600" b="1">
+                <a:solidFill>
+                  <a:schemeClr val="tx1"/>
+                </a:solidFill>
+                <a:latin typeface="Arial" charset="0"/>
+                <a:ea typeface="ＭＳ Ｐゴシック" charset="0"/>
+              </a:defRPr>
+            </a:lvl8pPr>
+            <a:lvl9pPr marL="3886200" indent="-228600" eaLnBrk="0" fontAlgn="base" hangingPunct="0">
+              <a:spcBef>
+                <a:spcPct val="0"/>
+              </a:spcBef>
+              <a:spcAft>
+                <a:spcPct val="0"/>
+              </a:spcAft>
+              <a:defRPr sz="1600" b="1">
+                <a:solidFill>
+                  <a:schemeClr val="tx1"/>
+                </a:solidFill>
+                <a:latin typeface="Arial" charset="0"/>
+                <a:ea typeface="ＭＳ Ｐゴシック" charset="0"/>
+              </a:defRPr>
+            </a:lvl9pPr>
+          </a:lstStyle>
+          <a:p>
+            <a:r>
+              <a:rPr lang="en-US" sz="2800" b="0" dirty="0" smtClean="0">
+                <a:solidFill>
+                  <a:srgbClr val="FF0000"/>
+                </a:solidFill>
+                <a:latin typeface="Gill Sans"/>
+                <a:cs typeface="Gill Sans"/>
+              </a:rPr>
+              <a:t>join</a:t>
+            </a:r>
+            <a:r>
+              <a:rPr lang="en-US" sz="2800" b="0" dirty="0" smtClean="0">
+                <a:solidFill>
+                  <a:srgbClr val="000000"/>
+                </a:solidFill>
+                <a:latin typeface="Gill Sans"/>
+                <a:cs typeface="Gill Sans"/>
+              </a:rPr>
+              <a:t> [another </a:t>
+            </a:r>
+            <a:r>
+              <a:rPr lang="en-US" sz="2800" b="0" dirty="0" err="1" smtClean="0">
+                <a:solidFill>
+                  <a:srgbClr val="000000"/>
+                </a:solidFill>
+                <a:latin typeface="Gill Sans"/>
+                <a:cs typeface="Gill Sans"/>
+              </a:rPr>
+              <a:t>tablename</a:t>
+            </a:r>
+            <a:r>
+              <a:rPr lang="en-US" sz="2800" b="0" dirty="0" smtClean="0">
+                <a:solidFill>
+                  <a:srgbClr val="000000"/>
+                </a:solidFill>
+                <a:latin typeface="Gill Sans"/>
+                <a:cs typeface="Gill Sans"/>
+              </a:rPr>
+              <a:t>] on [join criterion]</a:t>
+            </a:r>
+            <a:endParaRPr lang="en-US" sz="2800" b="0" dirty="0">
+              <a:solidFill>
+                <a:srgbClr val="000000"/>
+              </a:solidFill>
+              <a:latin typeface="Gill Sans"/>
+              <a:cs typeface="Gill Sans"/>
+            </a:endParaRPr>
+          </a:p>
+        </p:txBody>
+      </p:sp>
+      <p:sp>
+        <p:nvSpPr>
+          <p:cNvPr id="9" name="TextBox 1"/>
+          <p:cNvSpPr txBox="1">
+            <a:spLocks noChangeArrowheads="1"/>
+          </p:cNvSpPr>
+          <p:nvPr/>
+        </p:nvSpPr>
+        <p:spPr bwMode="auto">
+          <a:xfrm>
+            <a:off x="1143000" y="3591580"/>
+            <a:ext cx="7162800" cy="523220"/>
+          </a:xfrm>
+          <a:prstGeom prst="rect">
+            <a:avLst/>
+          </a:prstGeom>
+          <a:noFill/>
+          <a:ln>
+            <a:noFill/>
+          </a:ln>
+          <a:extLst>
+            <a:ext uri="{909E8E84-426E-40dd-AFC4-6F175D3DCCD1}">
+              <a14:hiddenFill xmlns:a14="http://schemas.microsoft.com/office/drawing/2010/main">
+                <a:solidFill>
+                  <a:srgbClr val="FFFFFF"/>
+                </a:solidFill>
+              </a14:hiddenFill>
+            </a:ext>
+            <a:ext uri="{91240B29-F687-4f45-9708-019B960494DF}">
+              <a14:hiddenLine xmlns:a14="http://schemas.microsoft.com/office/drawing/2010/main" w="9525">
+                <a:solidFill>
+                  <a:srgbClr val="000000"/>
+                </a:solidFill>
+                <a:miter lim="800000"/>
+                <a:headEnd/>
+                <a:tailEnd/>
+              </a14:hiddenLine>
+            </a:ext>
+          </a:extLst>
+        </p:spPr>
+        <p:txBody>
+          <a:bodyPr wrap="square">
+            <a:spAutoFit/>
+          </a:bodyPr>
+          <a:lstStyle>
+            <a:lvl1pPr>
+              <a:defRPr sz="1600" b="1">
+                <a:solidFill>
+                  <a:schemeClr val="tx1"/>
+                </a:solidFill>
+                <a:latin typeface="Arial" charset="0"/>
+                <a:ea typeface="ＭＳ Ｐゴシック" charset="0"/>
+              </a:defRPr>
+            </a:lvl1pPr>
+            <a:lvl2pPr marL="742950" indent="-285750">
+              <a:defRPr sz="1600" b="1">
+                <a:solidFill>
+                  <a:schemeClr val="tx1"/>
+                </a:solidFill>
+                <a:latin typeface="Arial" charset="0"/>
+                <a:ea typeface="ＭＳ Ｐゴシック" charset="0"/>
+              </a:defRPr>
+            </a:lvl2pPr>
+            <a:lvl3pPr marL="1143000" indent="-228600">
+              <a:defRPr sz="1600" b="1">
+                <a:solidFill>
+                  <a:schemeClr val="tx1"/>
+                </a:solidFill>
+                <a:latin typeface="Arial" charset="0"/>
+                <a:ea typeface="ＭＳ Ｐゴシック" charset="0"/>
+              </a:defRPr>
+            </a:lvl3pPr>
+            <a:lvl4pPr marL="1600200" indent="-228600">
+              <a:defRPr sz="1600" b="1">
+                <a:solidFill>
+                  <a:schemeClr val="tx1"/>
+                </a:solidFill>
+                <a:latin typeface="Arial" charset="0"/>
+                <a:ea typeface="ＭＳ Ｐゴシック" charset="0"/>
+              </a:defRPr>
+            </a:lvl4pPr>
+            <a:lvl5pPr marL="2057400" indent="-228600">
+              <a:defRPr sz="1600" b="1">
+                <a:solidFill>
+                  <a:schemeClr val="tx1"/>
+                </a:solidFill>
+                <a:latin typeface="Arial" charset="0"/>
+                <a:ea typeface="ＭＳ Ｐゴシック" charset="0"/>
+              </a:defRPr>
+            </a:lvl5pPr>
+            <a:lvl6pPr marL="2514600" indent="-228600" eaLnBrk="0" fontAlgn="base" hangingPunct="0">
+              <a:spcBef>
+                <a:spcPct val="0"/>
+              </a:spcBef>
+              <a:spcAft>
+                <a:spcPct val="0"/>
+              </a:spcAft>
+              <a:defRPr sz="1600" b="1">
+                <a:solidFill>
+                  <a:schemeClr val="tx1"/>
+                </a:solidFill>
+                <a:latin typeface="Arial" charset="0"/>
+                <a:ea typeface="ＭＳ Ｐゴシック" charset="0"/>
+              </a:defRPr>
+            </a:lvl6pPr>
+            <a:lvl7pPr marL="2971800" indent="-228600" eaLnBrk="0" fontAlgn="base" hangingPunct="0">
+              <a:spcBef>
+                <a:spcPct val="0"/>
+              </a:spcBef>
+              <a:spcAft>
+                <a:spcPct val="0"/>
+              </a:spcAft>
+              <a:defRPr sz="1600" b="1">
+                <a:solidFill>
+                  <a:schemeClr val="tx1"/>
+                </a:solidFill>
+                <a:latin typeface="Arial" charset="0"/>
+                <a:ea typeface="ＭＳ Ｐゴシック" charset="0"/>
+              </a:defRPr>
+            </a:lvl7pPr>
+            <a:lvl8pPr marL="3429000" indent="-228600" eaLnBrk="0" fontAlgn="base" hangingPunct="0">
+              <a:spcBef>
+                <a:spcPct val="0"/>
+              </a:spcBef>
+              <a:spcAft>
+                <a:spcPct val="0"/>
+              </a:spcAft>
+              <a:defRPr sz="1600" b="1">
+                <a:solidFill>
+                  <a:schemeClr val="tx1"/>
+                </a:solidFill>
+                <a:latin typeface="Arial" charset="0"/>
+                <a:ea typeface="ＭＳ Ｐゴシック" charset="0"/>
+              </a:defRPr>
+            </a:lvl8pPr>
+            <a:lvl9pPr marL="3886200" indent="-228600" eaLnBrk="0" fontAlgn="base" hangingPunct="0">
+              <a:spcBef>
+                <a:spcPct val="0"/>
+              </a:spcBef>
+              <a:spcAft>
+                <a:spcPct val="0"/>
+              </a:spcAft>
+              <a:defRPr sz="1600" b="1">
+                <a:solidFill>
+                  <a:schemeClr val="tx1"/>
+                </a:solidFill>
+                <a:latin typeface="Arial" charset="0"/>
+                <a:ea typeface="ＭＳ Ｐゴシック" charset="0"/>
+              </a:defRPr>
+            </a:lvl9pPr>
+          </a:lstStyle>
+          <a:p>
+            <a:r>
+              <a:rPr lang="en-US" sz="2800" b="0" dirty="0" smtClean="0">
+                <a:solidFill>
+                  <a:srgbClr val="000000"/>
+                </a:solidFill>
+                <a:latin typeface="Gill Sans"/>
+                <a:cs typeface="Gill Sans"/>
+              </a:rPr>
+              <a:t>…</a:t>
+            </a:r>
+            <a:endParaRPr lang="en-US" sz="2800" b="0" dirty="0">
+              <a:solidFill>
+                <a:srgbClr val="000000"/>
+              </a:solidFill>
+              <a:latin typeface="Gill Sans"/>
+              <a:cs typeface="Gill Sans"/>
+            </a:endParaRPr>
+          </a:p>
+        </p:txBody>
+      </p:sp>
+      <p:sp>
+        <p:nvSpPr>
+          <p:cNvPr id="10" name="TextBox 1"/>
+          <p:cNvSpPr txBox="1">
+            <a:spLocks noChangeArrowheads="1"/>
+          </p:cNvSpPr>
+          <p:nvPr/>
+        </p:nvSpPr>
+        <p:spPr bwMode="auto">
+          <a:xfrm>
+            <a:off x="1143000" y="4124980"/>
+            <a:ext cx="7162800" cy="523220"/>
+          </a:xfrm>
+          <a:prstGeom prst="rect">
+            <a:avLst/>
+          </a:prstGeom>
+          <a:noFill/>
+          <a:ln>
+            <a:noFill/>
+          </a:ln>
+          <a:extLst>
+            <a:ext uri="{909E8E84-426E-40dd-AFC4-6F175D3DCCD1}">
+              <a14:hiddenFill xmlns:a14="http://schemas.microsoft.com/office/drawing/2010/main">
+                <a:solidFill>
+                  <a:srgbClr val="FFFFFF"/>
+                </a:solidFill>
+              </a14:hiddenFill>
+            </a:ext>
+            <a:ext uri="{91240B29-F687-4f45-9708-019B960494DF}">
+              <a14:hiddenLine xmlns:a14="http://schemas.microsoft.com/office/drawing/2010/main" w="9525">
+                <a:solidFill>
+                  <a:srgbClr val="000000"/>
+                </a:solidFill>
+                <a:miter lim="800000"/>
+                <a:headEnd/>
+                <a:tailEnd/>
+              </a14:hiddenLine>
+            </a:ext>
+          </a:extLst>
+        </p:spPr>
+        <p:txBody>
+          <a:bodyPr wrap="square">
+            <a:spAutoFit/>
+          </a:bodyPr>
+          <a:lstStyle>
+            <a:lvl1pPr>
+              <a:defRPr sz="1600" b="1">
+                <a:solidFill>
+                  <a:schemeClr val="tx1"/>
+                </a:solidFill>
+                <a:latin typeface="Arial" charset="0"/>
+                <a:ea typeface="ＭＳ Ｐゴシック" charset="0"/>
+              </a:defRPr>
+            </a:lvl1pPr>
+            <a:lvl2pPr marL="742950" indent="-285750">
+              <a:defRPr sz="1600" b="1">
+                <a:solidFill>
+                  <a:schemeClr val="tx1"/>
+                </a:solidFill>
+                <a:latin typeface="Arial" charset="0"/>
+                <a:ea typeface="ＭＳ Ｐゴシック" charset="0"/>
+              </a:defRPr>
+            </a:lvl2pPr>
+            <a:lvl3pPr marL="1143000" indent="-228600">
+              <a:defRPr sz="1600" b="1">
+                <a:solidFill>
+                  <a:schemeClr val="tx1"/>
+                </a:solidFill>
+                <a:latin typeface="Arial" charset="0"/>
+                <a:ea typeface="ＭＳ Ｐゴシック" charset="0"/>
+              </a:defRPr>
+            </a:lvl3pPr>
+            <a:lvl4pPr marL="1600200" indent="-228600">
+              <a:defRPr sz="1600" b="1">
+                <a:solidFill>
+                  <a:schemeClr val="tx1"/>
+                </a:solidFill>
+                <a:latin typeface="Arial" charset="0"/>
+                <a:ea typeface="ＭＳ Ｐゴシック" charset="0"/>
+              </a:defRPr>
+            </a:lvl4pPr>
+            <a:lvl5pPr marL="2057400" indent="-228600">
+              <a:defRPr sz="1600" b="1">
+                <a:solidFill>
+                  <a:schemeClr val="tx1"/>
+                </a:solidFill>
+                <a:latin typeface="Arial" charset="0"/>
+                <a:ea typeface="ＭＳ Ｐゴシック" charset="0"/>
+              </a:defRPr>
+            </a:lvl5pPr>
+            <a:lvl6pPr marL="2514600" indent="-228600" eaLnBrk="0" fontAlgn="base" hangingPunct="0">
+              <a:spcBef>
+                <a:spcPct val="0"/>
+              </a:spcBef>
+              <a:spcAft>
+                <a:spcPct val="0"/>
+              </a:spcAft>
+              <a:defRPr sz="1600" b="1">
+                <a:solidFill>
+                  <a:schemeClr val="tx1"/>
+                </a:solidFill>
+                <a:latin typeface="Arial" charset="0"/>
+                <a:ea typeface="ＭＳ Ｐゴシック" charset="0"/>
+              </a:defRPr>
+            </a:lvl6pPr>
+            <a:lvl7pPr marL="2971800" indent="-228600" eaLnBrk="0" fontAlgn="base" hangingPunct="0">
+              <a:spcBef>
+                <a:spcPct val="0"/>
+              </a:spcBef>
+              <a:spcAft>
+                <a:spcPct val="0"/>
+              </a:spcAft>
+              <a:defRPr sz="1600" b="1">
+                <a:solidFill>
+                  <a:schemeClr val="tx1"/>
+                </a:solidFill>
+                <a:latin typeface="Arial" charset="0"/>
+                <a:ea typeface="ＭＳ Ｐゴシック" charset="0"/>
+              </a:defRPr>
+            </a:lvl7pPr>
+            <a:lvl8pPr marL="3429000" indent="-228600" eaLnBrk="0" fontAlgn="base" hangingPunct="0">
+              <a:spcBef>
+                <a:spcPct val="0"/>
+              </a:spcBef>
+              <a:spcAft>
+                <a:spcPct val="0"/>
+              </a:spcAft>
+              <a:defRPr sz="1600" b="1">
+                <a:solidFill>
+                  <a:schemeClr val="tx1"/>
+                </a:solidFill>
+                <a:latin typeface="Arial" charset="0"/>
+                <a:ea typeface="ＭＳ Ｐゴシック" charset="0"/>
+              </a:defRPr>
+            </a:lvl8pPr>
+            <a:lvl9pPr marL="3886200" indent="-228600" eaLnBrk="0" fontAlgn="base" hangingPunct="0">
+              <a:spcBef>
+                <a:spcPct val="0"/>
+              </a:spcBef>
+              <a:spcAft>
+                <a:spcPct val="0"/>
+              </a:spcAft>
+              <a:defRPr sz="1600" b="1">
+                <a:solidFill>
+                  <a:schemeClr val="tx1"/>
+                </a:solidFill>
+                <a:latin typeface="Arial" charset="0"/>
+                <a:ea typeface="ＭＳ Ｐゴシック" charset="0"/>
+              </a:defRPr>
+            </a:lvl9pPr>
+          </a:lstStyle>
+          <a:p>
+            <a:r>
+              <a:rPr lang="en-US" sz="2800" b="0" dirty="0" smtClean="0">
+                <a:solidFill>
+                  <a:srgbClr val="FF0000"/>
+                </a:solidFill>
+                <a:latin typeface="Gill Sans"/>
+                <a:cs typeface="Gill Sans"/>
+              </a:rPr>
+              <a:t>where</a:t>
+            </a:r>
+            <a:r>
+              <a:rPr lang="en-US" sz="2800" b="0" dirty="0" smtClean="0">
+                <a:solidFill>
+                  <a:srgbClr val="000000"/>
+                </a:solidFill>
+                <a:latin typeface="Gill Sans"/>
+                <a:cs typeface="Gill Sans"/>
+              </a:rPr>
+              <a:t> [selection criteria]</a:t>
+            </a:r>
+            <a:endParaRPr lang="en-US" sz="2800" b="0" dirty="0">
+              <a:solidFill>
+                <a:srgbClr val="000000"/>
+              </a:solidFill>
+              <a:latin typeface="Gill Sans"/>
+              <a:cs typeface="Gill Sans"/>
+            </a:endParaRPr>
+          </a:p>
+        </p:txBody>
+      </p:sp>
+      <p:sp>
+        <p:nvSpPr>
+          <p:cNvPr id="11" name="Content Placeholder 2"/>
+          <p:cNvSpPr>
+            <a:spLocks noGrp="1"/>
+          </p:cNvSpPr>
+          <p:nvPr>
+            <p:ph idx="1"/>
+          </p:nvPr>
+        </p:nvSpPr>
+        <p:spPr>
+          <a:xfrm>
+            <a:off x="381000" y="5334000"/>
+            <a:ext cx="8458200" cy="1295400"/>
+          </a:xfrm>
+        </p:spPr>
+        <p:txBody>
+          <a:bodyPr/>
+          <a:lstStyle/>
+          <a:p>
+            <a:pPr marL="0" indent="0">
+              <a:buNone/>
+            </a:pPr>
+            <a:r>
+              <a:rPr lang="en-US" dirty="0" smtClean="0"/>
+              <a:t>Join criterion: usually, </a:t>
+            </a:r>
+            <a:r>
+              <a:rPr lang="en-US" dirty="0" smtClean="0"/>
+              <a:t>based on </a:t>
+            </a:r>
+            <a:r>
+              <a:rPr lang="en-US" dirty="0" smtClean="0"/>
+              <a:t>primary/foreign </a:t>
+            </a:r>
+            <a:r>
+              <a:rPr lang="en-US" dirty="0" smtClean="0"/>
+              <a:t>key relationships</a:t>
+            </a:r>
+            <a:br>
+              <a:rPr lang="en-US" dirty="0" smtClean="0"/>
+            </a:br>
+            <a:r>
+              <a:rPr lang="en-US" dirty="0" smtClean="0"/>
+              <a:t>	e.g</a:t>
+            </a:r>
+            <a:r>
+              <a:rPr lang="en-US" dirty="0" smtClean="0"/>
+              <a:t>., Table1.PrimaryKey = Table2.ForeignKey</a:t>
+            </a:r>
+          </a:p>
+          <a:p>
+            <a:pPr lvl="1"/>
+            <a:endParaRPr lang="en-US" dirty="0"/>
           </a:p>
         </p:txBody>
       </p:sp>
     </p:spTree>
     <p:extLst>
       <p:ext uri="{BB962C8B-B14F-4D97-AF65-F5344CB8AC3E}">
-        <p14:creationId xmlns:p14="http://schemas.microsoft.com/office/powerpoint/2010/main" val="59000194"/>
+        <p14:creationId xmlns:p14="http://schemas.microsoft.com/office/powerpoint/2010/main" val="464282466"/>
       </p:ext>
     </p:extLst>
   </p:cSld>
@@ -18787,6 +18844,344 @@
           <a:p>
             <a:r>
               <a:rPr lang="en-US" dirty="0" smtClean="0"/>
+              <a:t>Aggregations</a:t>
+            </a:r>
+            <a:endParaRPr lang="en-US" dirty="0"/>
+          </a:p>
+        </p:txBody>
+      </p:sp>
+      <p:sp>
+        <p:nvSpPr>
+          <p:cNvPr id="3" name="Content Placeholder 2"/>
+          <p:cNvSpPr>
+            <a:spLocks noGrp="1"/>
+          </p:cNvSpPr>
+          <p:nvPr>
+            <p:ph idx="1"/>
+          </p:nvPr>
+        </p:nvSpPr>
+        <p:spPr/>
+        <p:txBody>
+          <a:bodyPr/>
+          <a:lstStyle/>
+          <a:p>
+            <a:r>
+              <a:rPr lang="en-US" dirty="0" smtClean="0"/>
+              <a:t>SQL aggregation functions</a:t>
+            </a:r>
+          </a:p>
+          <a:p>
+            <a:pPr lvl="1"/>
+            <a:r>
+              <a:rPr lang="en-US" dirty="0" smtClean="0"/>
+              <a:t>Examples: count, min, max, sum, </a:t>
+            </a:r>
+            <a:r>
+              <a:rPr lang="en-US" dirty="0" err="1" smtClean="0"/>
+              <a:t>avg</a:t>
+            </a:r>
+            <a:endParaRPr lang="en-US" dirty="0" smtClean="0"/>
+          </a:p>
+          <a:p>
+            <a:pPr lvl="1"/>
+            <a:r>
+              <a:rPr lang="en-US" dirty="0" smtClean="0"/>
+              <a:t>Use in select statements</a:t>
+            </a:r>
+          </a:p>
+          <a:p>
+            <a:pPr lvl="1"/>
+            <a:endParaRPr lang="en-US" dirty="0"/>
+          </a:p>
+          <a:p>
+            <a:pPr lvl="1"/>
+            <a:endParaRPr lang="en-US" dirty="0" smtClean="0"/>
+          </a:p>
+          <a:p>
+            <a:pPr lvl="1"/>
+            <a:endParaRPr lang="en-US" dirty="0"/>
+          </a:p>
+          <a:p>
+            <a:pPr lvl="1"/>
+            <a:r>
+              <a:rPr lang="en-US" dirty="0" smtClean="0"/>
+              <a:t>Tip: when trying to write SQL query with aggregation, do it first without</a:t>
+            </a:r>
+          </a:p>
+          <a:p>
+            <a:r>
+              <a:rPr lang="en-US" dirty="0" smtClean="0"/>
+              <a:t>Group by [field]</a:t>
+            </a:r>
+          </a:p>
+          <a:p>
+            <a:pPr lvl="1"/>
+            <a:r>
+              <a:rPr lang="en-US" dirty="0" smtClean="0"/>
+              <a:t>Often used in conjunction with aggregation</a:t>
+            </a:r>
+          </a:p>
+          <a:p>
+            <a:pPr lvl="1"/>
+            <a:r>
+              <a:rPr lang="en-US" dirty="0" smtClean="0"/>
+              <a:t>Conceptually, breaks table apart based on the [field]</a:t>
+            </a:r>
+            <a:endParaRPr lang="en-US" dirty="0"/>
+          </a:p>
+        </p:txBody>
+      </p:sp>
+      <p:sp>
+        <p:nvSpPr>
+          <p:cNvPr id="4" name="Text Box 5"/>
+          <p:cNvSpPr txBox="1">
+            <a:spLocks noChangeArrowheads="1"/>
+          </p:cNvSpPr>
+          <p:nvPr/>
+        </p:nvSpPr>
+        <p:spPr bwMode="auto">
+          <a:xfrm>
+            <a:off x="1325203" y="2337137"/>
+            <a:ext cx="2331688" cy="1015663"/>
+          </a:xfrm>
+          <a:prstGeom prst="rect">
+            <a:avLst/>
+          </a:prstGeom>
+          <a:noFill/>
+          <a:ln>
+            <a:noFill/>
+          </a:ln>
+          <a:extLst>
+            <a:ext uri="{909E8E84-426E-40dd-AFC4-6F175D3DCCD1}">
+              <a14:hiddenFill xmlns:a14="http://schemas.microsoft.com/office/drawing/2010/main">
+                <a:solidFill>
+                  <a:srgbClr val="FFFFFF"/>
+                </a:solidFill>
+              </a14:hiddenFill>
+            </a:ext>
+            <a:ext uri="{91240B29-F687-4f45-9708-019B960494DF}">
+              <a14:hiddenLine xmlns:a14="http://schemas.microsoft.com/office/drawing/2010/main" w="9525">
+                <a:solidFill>
+                  <a:srgbClr val="000000"/>
+                </a:solidFill>
+                <a:miter lim="800000"/>
+                <a:headEnd/>
+                <a:tailEnd/>
+              </a14:hiddenLine>
+            </a:ext>
+          </a:extLst>
+        </p:spPr>
+        <p:txBody>
+          <a:bodyPr wrap="none">
+            <a:spAutoFit/>
+          </a:bodyPr>
+          <a:lstStyle>
+            <a:lvl1pPr>
+              <a:defRPr sz="1600" b="1">
+                <a:solidFill>
+                  <a:schemeClr val="tx1"/>
+                </a:solidFill>
+                <a:latin typeface="Arial" charset="0"/>
+                <a:ea typeface="ＭＳ Ｐゴシック" charset="0"/>
+              </a:defRPr>
+            </a:lvl1pPr>
+            <a:lvl2pPr marL="742950" indent="-285750">
+              <a:defRPr sz="1600" b="1">
+                <a:solidFill>
+                  <a:schemeClr val="tx1"/>
+                </a:solidFill>
+                <a:latin typeface="Arial" charset="0"/>
+                <a:ea typeface="ＭＳ Ｐゴシック" charset="0"/>
+              </a:defRPr>
+            </a:lvl2pPr>
+            <a:lvl3pPr marL="1143000" indent="-228600">
+              <a:defRPr sz="1600" b="1">
+                <a:solidFill>
+                  <a:schemeClr val="tx1"/>
+                </a:solidFill>
+                <a:latin typeface="Arial" charset="0"/>
+                <a:ea typeface="ＭＳ Ｐゴシック" charset="0"/>
+              </a:defRPr>
+            </a:lvl3pPr>
+            <a:lvl4pPr marL="1600200" indent="-228600">
+              <a:defRPr sz="1600" b="1">
+                <a:solidFill>
+                  <a:schemeClr val="tx1"/>
+                </a:solidFill>
+                <a:latin typeface="Arial" charset="0"/>
+                <a:ea typeface="ＭＳ Ｐゴシック" charset="0"/>
+              </a:defRPr>
+            </a:lvl4pPr>
+            <a:lvl5pPr marL="2057400" indent="-228600">
+              <a:defRPr sz="1600" b="1">
+                <a:solidFill>
+                  <a:schemeClr val="tx1"/>
+                </a:solidFill>
+                <a:latin typeface="Arial" charset="0"/>
+                <a:ea typeface="ＭＳ Ｐゴシック" charset="0"/>
+              </a:defRPr>
+            </a:lvl5pPr>
+            <a:lvl6pPr marL="2514600" indent="-228600" eaLnBrk="0" fontAlgn="base" hangingPunct="0">
+              <a:spcBef>
+                <a:spcPct val="0"/>
+              </a:spcBef>
+              <a:spcAft>
+                <a:spcPct val="0"/>
+              </a:spcAft>
+              <a:defRPr sz="1600" b="1">
+                <a:solidFill>
+                  <a:schemeClr val="tx1"/>
+                </a:solidFill>
+                <a:latin typeface="Arial" charset="0"/>
+                <a:ea typeface="ＭＳ Ｐゴシック" charset="0"/>
+              </a:defRPr>
+            </a:lvl6pPr>
+            <a:lvl7pPr marL="2971800" indent="-228600" eaLnBrk="0" fontAlgn="base" hangingPunct="0">
+              <a:spcBef>
+                <a:spcPct val="0"/>
+              </a:spcBef>
+              <a:spcAft>
+                <a:spcPct val="0"/>
+              </a:spcAft>
+              <a:defRPr sz="1600" b="1">
+                <a:solidFill>
+                  <a:schemeClr val="tx1"/>
+                </a:solidFill>
+                <a:latin typeface="Arial" charset="0"/>
+                <a:ea typeface="ＭＳ Ｐゴシック" charset="0"/>
+              </a:defRPr>
+            </a:lvl7pPr>
+            <a:lvl8pPr marL="3429000" indent="-228600" eaLnBrk="0" fontAlgn="base" hangingPunct="0">
+              <a:spcBef>
+                <a:spcPct val="0"/>
+              </a:spcBef>
+              <a:spcAft>
+                <a:spcPct val="0"/>
+              </a:spcAft>
+              <a:defRPr sz="1600" b="1">
+                <a:solidFill>
+                  <a:schemeClr val="tx1"/>
+                </a:solidFill>
+                <a:latin typeface="Arial" charset="0"/>
+                <a:ea typeface="ＭＳ Ｐゴシック" charset="0"/>
+              </a:defRPr>
+            </a:lvl8pPr>
+            <a:lvl9pPr marL="3886200" indent="-228600" eaLnBrk="0" fontAlgn="base" hangingPunct="0">
+              <a:spcBef>
+                <a:spcPct val="0"/>
+              </a:spcBef>
+              <a:spcAft>
+                <a:spcPct val="0"/>
+              </a:spcAft>
+              <a:defRPr sz="1600" b="1">
+                <a:solidFill>
+                  <a:schemeClr val="tx1"/>
+                </a:solidFill>
+                <a:latin typeface="Arial" charset="0"/>
+                <a:ea typeface="ＭＳ Ｐゴシック" charset="0"/>
+              </a:defRPr>
+            </a:lvl9pPr>
+          </a:lstStyle>
+          <a:p>
+            <a:r>
+              <a:rPr lang="en-US" sz="2000" b="0" dirty="0" smtClean="0">
+                <a:solidFill>
+                  <a:srgbClr val="FF0000"/>
+                </a:solidFill>
+                <a:latin typeface="Gill Sans"/>
+                <a:cs typeface="Gill Sans"/>
+              </a:rPr>
+              <a:t>select count(*)…</a:t>
+            </a:r>
+          </a:p>
+          <a:p>
+            <a:r>
+              <a:rPr lang="en-US" sz="2000" b="0" dirty="0" smtClean="0">
+                <a:solidFill>
+                  <a:srgbClr val="FF0000"/>
+                </a:solidFill>
+                <a:latin typeface="Gill Sans"/>
+                <a:cs typeface="Gill Sans"/>
+              </a:rPr>
+              <a:t>select min(price)…</a:t>
+            </a:r>
+          </a:p>
+          <a:p>
+            <a:r>
+              <a:rPr lang="en-US" sz="2000" b="0" dirty="0" smtClean="0">
+                <a:solidFill>
+                  <a:srgbClr val="FF0000"/>
+                </a:solidFill>
+                <a:latin typeface="Gill Sans"/>
+                <a:cs typeface="Gill Sans"/>
+              </a:rPr>
+              <a:t>select sum(length)…</a:t>
+            </a:r>
+            <a:endParaRPr lang="en-US" sz="2000" b="0" dirty="0">
+              <a:solidFill>
+                <a:srgbClr val="FF0000"/>
+              </a:solidFill>
+              <a:latin typeface="Gill Sans"/>
+              <a:cs typeface="Gill Sans"/>
+            </a:endParaRPr>
+          </a:p>
+        </p:txBody>
+      </p:sp>
+    </p:spTree>
+    <p:extLst>
+      <p:ext uri="{BB962C8B-B14F-4D97-AF65-F5344CB8AC3E}">
+        <p14:creationId xmlns:p14="http://schemas.microsoft.com/office/powerpoint/2010/main" val="59000194"/>
+      </p:ext>
+    </p:extLst>
+  </p:cSld>
+  <p:clrMapOvr>
+    <a:masterClrMapping/>
+  </p:clrMapOvr>
+  <p:transition xmlns:p14="http://schemas.microsoft.com/office/powerpoint/2010/main"/>
+  <p:timing>
+    <p:tnLst>
+      <p:par>
+        <p:cTn xmlns:p14="http://schemas.microsoft.com/office/powerpoint/2010/main" id="1" dur="indefinite" restart="never" nodeType="tmRoot"/>
+      </p:par>
+    </p:tnLst>
+  </p:timing>
+</p:sld>
+</file>
+
+<file path=ppt/slides/slide34.xml><?xml version="1.0" encoding="utf-8"?>
+<p:sld xmlns:a="http://schemas.openxmlformats.org/drawingml/2006/main" xmlns:r="http://schemas.openxmlformats.org/officeDocument/2006/relationships" xmlns:p="http://schemas.openxmlformats.org/presentationml/2006/main">
+  <p:cSld>
+    <p:spTree>
+      <p:nvGrpSpPr>
+        <p:cNvPr id="1" name=""/>
+        <p:cNvGrpSpPr/>
+        <p:nvPr/>
+      </p:nvGrpSpPr>
+      <p:grpSpPr>
+        <a:xfrm>
+          <a:off x="0" y="0"/>
+          <a:ext cx="0" cy="0"/>
+          <a:chOff x="0" y="0"/>
+          <a:chExt cx="0" cy="0"/>
+        </a:xfrm>
+      </p:grpSpPr>
+      <p:sp>
+        <p:nvSpPr>
+          <p:cNvPr id="2" name="Title 1"/>
+          <p:cNvSpPr>
+            <a:spLocks noGrp="1"/>
+          </p:cNvSpPr>
+          <p:nvPr>
+            <p:ph type="title"/>
+          </p:nvPr>
+        </p:nvSpPr>
+        <p:spPr/>
+        <p:txBody>
+          <a:bodyPr/>
+          <a:lstStyle/>
+          <a:p>
+            <a:r>
+              <a:rPr lang="en-US" dirty="0" smtClean="0"/>
               <a:t>How do you want your results served?</a:t>
             </a:r>
             <a:endParaRPr lang="en-US" dirty="0"/>
@@ -18911,7 +19306,7 @@
 </p:sld>
 </file>
 
-<file path=ppt/slides/slide34.xml><?xml version="1.0" encoding="utf-8"?>
+<file path=ppt/slides/slide35.xml><?xml version="1.0" encoding="utf-8"?>
 <p:sld xmlns:a="http://schemas.openxmlformats.org/drawingml/2006/main" xmlns:r="http://schemas.openxmlformats.org/officeDocument/2006/relationships" xmlns:p="http://schemas.openxmlformats.org/presentationml/2006/main">
   <p:cSld>
     <p:spTree>
@@ -19135,7 +19530,7 @@
 </p:sld>
 </file>
 
-<file path=ppt/slides/slide35.xml><?xml version="1.0" encoding="utf-8"?>
+<file path=ppt/slides/slide36.xml><?xml version="1.0" encoding="utf-8"?>
 <p:sld xmlns:a="http://schemas.openxmlformats.org/drawingml/2006/main" xmlns:r="http://schemas.openxmlformats.org/officeDocument/2006/relationships" xmlns:p="http://schemas.openxmlformats.org/presentationml/2006/main">
   <p:cSld>
     <p:spTree>
@@ -19168,22 +19563,22 @@
           <a:lstStyle/>
           <a:p>
             <a:r>
-              <a:rPr lang="en-US" smtClean="0"/>
+              <a:rPr lang="en-US" dirty="0" smtClean="0"/>
               <a:t>Database in the </a:t>
             </a:r>
             <a:r>
-              <a:rPr lang="ja-JP" altLang="en-US" smtClean="0"/>
+              <a:rPr lang="en-US" altLang="ja-JP" dirty="0" smtClean="0"/>
               <a:t>“</a:t>
             </a:r>
             <a:r>
-              <a:rPr lang="en-US" smtClean="0"/>
+              <a:rPr lang="en-US" dirty="0" smtClean="0"/>
               <a:t>Real World</a:t>
             </a:r>
             <a:r>
-              <a:rPr lang="ja-JP" altLang="en-US" smtClean="0"/>
+              <a:rPr lang="en-US" altLang="ja-JP" dirty="0" smtClean="0"/>
               <a:t>”</a:t>
             </a:r>
-            <a:endParaRPr lang="en-US"/>
+            <a:endParaRPr lang="en-US" dirty="0"/>
           </a:p>
         </p:txBody>
       </p:sp>
@@ -19315,7 +19710,7 @@
 </p:sld>
 </file>
 
-<file path=ppt/slides/slide36.xml><?xml version="1.0" encoding="utf-8"?>
+<file path=ppt/slides/slide37.xml><?xml version="1.0" encoding="utf-8"?>
 <p:sld xmlns:a="http://schemas.openxmlformats.org/drawingml/2006/main" xmlns:r="http://schemas.openxmlformats.org/officeDocument/2006/relationships" xmlns:p="http://schemas.openxmlformats.org/presentationml/2006/main">
   <p:cSld>
     <p:spTree>
@@ -19422,7 +19817,7 @@
 </p:sld>
 </file>
 
-<file path=ppt/slides/slide37.xml><?xml version="1.0" encoding="utf-8"?>
+<file path=ppt/slides/slide38.xml><?xml version="1.0" encoding="utf-8"?>
 <p:sld xmlns:a="http://schemas.openxmlformats.org/drawingml/2006/main" xmlns:r="http://schemas.openxmlformats.org/officeDocument/2006/relationships" xmlns:p="http://schemas.openxmlformats.org/presentationml/2006/main">
   <p:cSld>
     <p:spTree>
@@ -20301,7 +20696,7 @@
 </p:sld>
 </file>
 
-<file path=ppt/slides/slide38.xml><?xml version="1.0" encoding="utf-8"?>
+<file path=ppt/slides/slide39.xml><?xml version="1.0" encoding="utf-8"?>
 <p:sld xmlns:a="http://schemas.openxmlformats.org/drawingml/2006/main" xmlns:r="http://schemas.openxmlformats.org/officeDocument/2006/relationships" xmlns:p="http://schemas.openxmlformats.org/presentationml/2006/main">
   <p:cSld>
     <p:spTree>
@@ -21385,860 +21780,6 @@
       <p:bldP spid="39940" grpId="0"/>
       <p:bldP spid="39941" grpId="0"/>
       <p:bldP spid="39942" grpId="0"/>
-    </p:bldLst>
-  </p:timing>
-</p:sld>
-</file>
-
-<file path=ppt/slides/slide39.xml><?xml version="1.0" encoding="utf-8"?>
-<p:sld xmlns:a="http://schemas.openxmlformats.org/drawingml/2006/main" xmlns:r="http://schemas.openxmlformats.org/officeDocument/2006/relationships" xmlns:p="http://schemas.openxmlformats.org/presentationml/2006/main">
-  <p:cSld>
-    <p:spTree>
-      <p:nvGrpSpPr>
-        <p:cNvPr id="1" name=""/>
-        <p:cNvGrpSpPr/>
-        <p:nvPr/>
-      </p:nvGrpSpPr>
-      <p:grpSpPr>
-        <a:xfrm>
-          <a:off x="0" y="0"/>
-          <a:ext cx="0" cy="0"/>
-          <a:chOff x="0" y="0"/>
-          <a:chExt cx="0" cy="0"/>
-        </a:xfrm>
-      </p:grpSpPr>
-      <p:sp>
-        <p:nvSpPr>
-          <p:cNvPr id="41986" name="TextBox 1"/>
-          <p:cNvSpPr txBox="1">
-            <a:spLocks noChangeArrowheads="1"/>
-          </p:cNvSpPr>
-          <p:nvPr/>
-        </p:nvSpPr>
-        <p:spPr bwMode="auto">
-          <a:xfrm>
-            <a:off x="152400" y="2249488"/>
-            <a:ext cx="8839200" cy="646112"/>
-          </a:xfrm>
-          <a:prstGeom prst="rect">
-            <a:avLst/>
-          </a:prstGeom>
-          <a:noFill/>
-          <a:ln>
-            <a:noFill/>
-          </a:ln>
-          <a:extLst>
-            <a:ext uri="{909E8E84-426E-40dd-AFC4-6F175D3DCCD1}">
-              <a14:hiddenFill xmlns:a14="http://schemas.microsoft.com/office/drawing/2010/main">
-                <a:solidFill>
-                  <a:srgbClr val="FFFFFF"/>
-                </a:solidFill>
-              </a14:hiddenFill>
-            </a:ext>
-            <a:ext uri="{91240B29-F687-4f45-9708-019B960494DF}">
-              <a14:hiddenLine xmlns:a14="http://schemas.microsoft.com/office/drawing/2010/main" w="9525">
-                <a:solidFill>
-                  <a:srgbClr val="000000"/>
-                </a:solidFill>
-                <a:miter lim="800000"/>
-                <a:headEnd/>
-                <a:tailEnd/>
-              </a14:hiddenLine>
-            </a:ext>
-          </a:extLst>
-        </p:spPr>
-        <p:txBody>
-          <a:bodyPr>
-            <a:spAutoFit/>
-          </a:bodyPr>
-          <a:lstStyle>
-            <a:lvl1pPr>
-              <a:defRPr sz="1600" b="1">
-                <a:solidFill>
-                  <a:schemeClr val="tx1"/>
-                </a:solidFill>
-                <a:latin typeface="Arial" charset="0"/>
-                <a:ea typeface="ＭＳ Ｐゴシック" charset="0"/>
-              </a:defRPr>
-            </a:lvl1pPr>
-            <a:lvl2pPr marL="742950" indent="-285750">
-              <a:defRPr sz="1600" b="1">
-                <a:solidFill>
-                  <a:schemeClr val="tx1"/>
-                </a:solidFill>
-                <a:latin typeface="Arial" charset="0"/>
-                <a:ea typeface="ＭＳ Ｐゴシック" charset="0"/>
-              </a:defRPr>
-            </a:lvl2pPr>
-            <a:lvl3pPr marL="1143000" indent="-228600">
-              <a:defRPr sz="1600" b="1">
-                <a:solidFill>
-                  <a:schemeClr val="tx1"/>
-                </a:solidFill>
-                <a:latin typeface="Arial" charset="0"/>
-                <a:ea typeface="ＭＳ Ｐゴシック" charset="0"/>
-              </a:defRPr>
-            </a:lvl3pPr>
-            <a:lvl4pPr marL="1600200" indent="-228600">
-              <a:defRPr sz="1600" b="1">
-                <a:solidFill>
-                  <a:schemeClr val="tx1"/>
-                </a:solidFill>
-                <a:latin typeface="Arial" charset="0"/>
-                <a:ea typeface="ＭＳ Ｐゴシック" charset="0"/>
-              </a:defRPr>
-            </a:lvl4pPr>
-            <a:lvl5pPr marL="2057400" indent="-228600">
-              <a:defRPr sz="1600" b="1">
-                <a:solidFill>
-                  <a:schemeClr val="tx1"/>
-                </a:solidFill>
-                <a:latin typeface="Arial" charset="0"/>
-                <a:ea typeface="ＭＳ Ｐゴシック" charset="0"/>
-              </a:defRPr>
-            </a:lvl5pPr>
-            <a:lvl6pPr marL="2514600" indent="-228600" eaLnBrk="0" fontAlgn="base" hangingPunct="0">
-              <a:spcBef>
-                <a:spcPct val="0"/>
-              </a:spcBef>
-              <a:spcAft>
-                <a:spcPct val="0"/>
-              </a:spcAft>
-              <a:defRPr sz="1600" b="1">
-                <a:solidFill>
-                  <a:schemeClr val="tx1"/>
-                </a:solidFill>
-                <a:latin typeface="Arial" charset="0"/>
-                <a:ea typeface="ＭＳ Ｐゴシック" charset="0"/>
-              </a:defRPr>
-            </a:lvl6pPr>
-            <a:lvl7pPr marL="2971800" indent="-228600" eaLnBrk="0" fontAlgn="base" hangingPunct="0">
-              <a:spcBef>
-                <a:spcPct val="0"/>
-              </a:spcBef>
-              <a:spcAft>
-                <a:spcPct val="0"/>
-              </a:spcAft>
-              <a:defRPr sz="1600" b="1">
-                <a:solidFill>
-                  <a:schemeClr val="tx1"/>
-                </a:solidFill>
-                <a:latin typeface="Arial" charset="0"/>
-                <a:ea typeface="ＭＳ Ｐゴシック" charset="0"/>
-              </a:defRPr>
-            </a:lvl7pPr>
-            <a:lvl8pPr marL="3429000" indent="-228600" eaLnBrk="0" fontAlgn="base" hangingPunct="0">
-              <a:spcBef>
-                <a:spcPct val="0"/>
-              </a:spcBef>
-              <a:spcAft>
-                <a:spcPct val="0"/>
-              </a:spcAft>
-              <a:defRPr sz="1600" b="1">
-                <a:solidFill>
-                  <a:schemeClr val="tx1"/>
-                </a:solidFill>
-                <a:latin typeface="Arial" charset="0"/>
-                <a:ea typeface="ＭＳ Ｐゴシック" charset="0"/>
-              </a:defRPr>
-            </a:lvl8pPr>
-            <a:lvl9pPr marL="3886200" indent="-228600" eaLnBrk="0" fontAlgn="base" hangingPunct="0">
-              <a:spcBef>
-                <a:spcPct val="0"/>
-              </a:spcBef>
-              <a:spcAft>
-                <a:spcPct val="0"/>
-              </a:spcAft>
-              <a:defRPr sz="1600" b="1">
-                <a:solidFill>
-                  <a:schemeClr val="tx1"/>
-                </a:solidFill>
-                <a:latin typeface="Arial" charset="0"/>
-                <a:ea typeface="ＭＳ Ｐゴシック" charset="0"/>
-              </a:defRPr>
-            </a:lvl9pPr>
-          </a:lstStyle>
-          <a:p>
-            <a:pPr algn="ctr"/>
-            <a:r>
-              <a:rPr lang="en-US" sz="3600" b="0">
-                <a:solidFill>
-                  <a:schemeClr val="bg1"/>
-                </a:solidFill>
-                <a:latin typeface="Gill Sans"/>
-                <a:cs typeface="Gill Sans"/>
-              </a:rPr>
-              <a:t>Must be fast</a:t>
-            </a:r>
-          </a:p>
-        </p:txBody>
-      </p:sp>
-      <p:sp>
-        <p:nvSpPr>
-          <p:cNvPr id="40963" name="TextBox 2"/>
-          <p:cNvSpPr txBox="1">
-            <a:spLocks noChangeArrowheads="1"/>
-          </p:cNvSpPr>
-          <p:nvPr/>
-        </p:nvSpPr>
-        <p:spPr bwMode="auto">
-          <a:xfrm>
-            <a:off x="2464965" y="2905125"/>
-            <a:ext cx="4545435" cy="523220"/>
-          </a:xfrm>
-          <a:prstGeom prst="rect">
-            <a:avLst/>
-          </a:prstGeom>
-          <a:noFill/>
-          <a:ln>
-            <a:noFill/>
-          </a:ln>
-          <a:extLst>
-            <a:ext uri="{909E8E84-426E-40dd-AFC4-6F175D3DCCD1}">
-              <a14:hiddenFill xmlns:a14="http://schemas.microsoft.com/office/drawing/2010/main">
-                <a:solidFill>
-                  <a:srgbClr val="FFFFFF"/>
-                </a:solidFill>
-              </a14:hiddenFill>
-            </a:ext>
-            <a:ext uri="{91240B29-F687-4f45-9708-019B960494DF}">
-              <a14:hiddenLine xmlns:a14="http://schemas.microsoft.com/office/drawing/2010/main" w="9525">
-                <a:solidFill>
-                  <a:srgbClr val="000000"/>
-                </a:solidFill>
-                <a:miter lim="800000"/>
-                <a:headEnd/>
-                <a:tailEnd/>
-              </a14:hiddenLine>
-            </a:ext>
-          </a:extLst>
-        </p:spPr>
-        <p:txBody>
-          <a:bodyPr wrap="none">
-            <a:spAutoFit/>
-          </a:bodyPr>
-          <a:lstStyle>
-            <a:lvl1pPr>
-              <a:defRPr sz="1600" b="1">
-                <a:solidFill>
-                  <a:schemeClr val="tx1"/>
-                </a:solidFill>
-                <a:latin typeface="Arial" charset="0"/>
-                <a:ea typeface="ＭＳ Ｐゴシック" charset="0"/>
-              </a:defRPr>
-            </a:lvl1pPr>
-            <a:lvl2pPr marL="742950" indent="-285750">
-              <a:defRPr sz="1600" b="1">
-                <a:solidFill>
-                  <a:schemeClr val="tx1"/>
-                </a:solidFill>
-                <a:latin typeface="Arial" charset="0"/>
-                <a:ea typeface="ＭＳ Ｐゴシック" charset="0"/>
-              </a:defRPr>
-            </a:lvl2pPr>
-            <a:lvl3pPr marL="1143000" indent="-228600">
-              <a:defRPr sz="1600" b="1">
-                <a:solidFill>
-                  <a:schemeClr val="tx1"/>
-                </a:solidFill>
-                <a:latin typeface="Arial" charset="0"/>
-                <a:ea typeface="ＭＳ Ｐゴシック" charset="0"/>
-              </a:defRPr>
-            </a:lvl3pPr>
-            <a:lvl4pPr marL="1600200" indent="-228600">
-              <a:defRPr sz="1600" b="1">
-                <a:solidFill>
-                  <a:schemeClr val="tx1"/>
-                </a:solidFill>
-                <a:latin typeface="Arial" charset="0"/>
-                <a:ea typeface="ＭＳ Ｐゴシック" charset="0"/>
-              </a:defRPr>
-            </a:lvl4pPr>
-            <a:lvl5pPr marL="2057400" indent="-228600">
-              <a:defRPr sz="1600" b="1">
-                <a:solidFill>
-                  <a:schemeClr val="tx1"/>
-                </a:solidFill>
-                <a:latin typeface="Arial" charset="0"/>
-                <a:ea typeface="ＭＳ Ｐゴシック" charset="0"/>
-              </a:defRPr>
-            </a:lvl5pPr>
-            <a:lvl6pPr marL="2514600" indent="-228600" eaLnBrk="0" fontAlgn="base" hangingPunct="0">
-              <a:spcBef>
-                <a:spcPct val="0"/>
-              </a:spcBef>
-              <a:spcAft>
-                <a:spcPct val="0"/>
-              </a:spcAft>
-              <a:defRPr sz="1600" b="1">
-                <a:solidFill>
-                  <a:schemeClr val="tx1"/>
-                </a:solidFill>
-                <a:latin typeface="Arial" charset="0"/>
-                <a:ea typeface="ＭＳ Ｐゴシック" charset="0"/>
-              </a:defRPr>
-            </a:lvl6pPr>
-            <a:lvl7pPr marL="2971800" indent="-228600" eaLnBrk="0" fontAlgn="base" hangingPunct="0">
-              <a:spcBef>
-                <a:spcPct val="0"/>
-              </a:spcBef>
-              <a:spcAft>
-                <a:spcPct val="0"/>
-              </a:spcAft>
-              <a:defRPr sz="1600" b="1">
-                <a:solidFill>
-                  <a:schemeClr val="tx1"/>
-                </a:solidFill>
-                <a:latin typeface="Arial" charset="0"/>
-                <a:ea typeface="ＭＳ Ｐゴシック" charset="0"/>
-              </a:defRPr>
-            </a:lvl7pPr>
-            <a:lvl8pPr marL="3429000" indent="-228600" eaLnBrk="0" fontAlgn="base" hangingPunct="0">
-              <a:spcBef>
-                <a:spcPct val="0"/>
-              </a:spcBef>
-              <a:spcAft>
-                <a:spcPct val="0"/>
-              </a:spcAft>
-              <a:defRPr sz="1600" b="1">
-                <a:solidFill>
-                  <a:schemeClr val="tx1"/>
-                </a:solidFill>
-                <a:latin typeface="Arial" charset="0"/>
-                <a:ea typeface="ＭＳ Ｐゴシック" charset="0"/>
-              </a:defRPr>
-            </a:lvl8pPr>
-            <a:lvl9pPr marL="3886200" indent="-228600" eaLnBrk="0" fontAlgn="base" hangingPunct="0">
-              <a:spcBef>
-                <a:spcPct val="0"/>
-              </a:spcBef>
-              <a:spcAft>
-                <a:spcPct val="0"/>
-              </a:spcAft>
-              <a:defRPr sz="1600" b="1">
-                <a:solidFill>
-                  <a:schemeClr val="tx1"/>
-                </a:solidFill>
-                <a:latin typeface="Arial" charset="0"/>
-                <a:ea typeface="ＭＳ Ｐゴシック" charset="0"/>
-              </a:defRPr>
-            </a:lvl9pPr>
-          </a:lstStyle>
-          <a:p>
-            <a:r>
-              <a:rPr lang="en-US" sz="2800" b="0" dirty="0">
-                <a:solidFill>
-                  <a:srgbClr val="FF0000"/>
-                </a:solidFill>
-                <a:latin typeface="Gill Sans"/>
-                <a:cs typeface="Gill Sans"/>
-              </a:rPr>
-              <a:t>Solution:</a:t>
-            </a:r>
-            <a:r>
-              <a:rPr lang="en-US" sz="2800" b="0" dirty="0">
-                <a:solidFill>
-                  <a:schemeClr val="bg1"/>
-                </a:solidFill>
-                <a:latin typeface="Gill Sans"/>
-                <a:cs typeface="Gill Sans"/>
-              </a:rPr>
-              <a:t> Use lots of machines</a:t>
-            </a:r>
-          </a:p>
-        </p:txBody>
-      </p:sp>
-      <p:sp>
-        <p:nvSpPr>
-          <p:cNvPr id="40964" name="TextBox 3"/>
-          <p:cNvSpPr txBox="1">
-            <a:spLocks noChangeArrowheads="1"/>
-          </p:cNvSpPr>
-          <p:nvPr/>
-        </p:nvSpPr>
-        <p:spPr bwMode="auto">
-          <a:xfrm>
-            <a:off x="4293765" y="3333750"/>
-            <a:ext cx="1841895" cy="400110"/>
-          </a:xfrm>
-          <a:prstGeom prst="rect">
-            <a:avLst/>
-          </a:prstGeom>
-          <a:noFill/>
-          <a:ln>
-            <a:noFill/>
-          </a:ln>
-          <a:extLst>
-            <a:ext uri="{909E8E84-426E-40dd-AFC4-6F175D3DCCD1}">
-              <a14:hiddenFill xmlns:a14="http://schemas.microsoft.com/office/drawing/2010/main">
-                <a:solidFill>
-                  <a:srgbClr val="FFFFFF"/>
-                </a:solidFill>
-              </a14:hiddenFill>
-            </a:ext>
-            <a:ext uri="{91240B29-F687-4f45-9708-019B960494DF}">
-              <a14:hiddenLine xmlns:a14="http://schemas.microsoft.com/office/drawing/2010/main" w="9525">
-                <a:solidFill>
-                  <a:srgbClr val="000000"/>
-                </a:solidFill>
-                <a:miter lim="800000"/>
-                <a:headEnd/>
-                <a:tailEnd/>
-              </a14:hiddenLine>
-            </a:ext>
-          </a:extLst>
-        </p:spPr>
-        <p:txBody>
-          <a:bodyPr wrap="none">
-            <a:spAutoFit/>
-          </a:bodyPr>
-          <a:lstStyle>
-            <a:lvl1pPr>
-              <a:defRPr sz="1600" b="1">
-                <a:solidFill>
-                  <a:schemeClr val="tx1"/>
-                </a:solidFill>
-                <a:latin typeface="Arial" charset="0"/>
-                <a:ea typeface="ＭＳ Ｐゴシック" charset="0"/>
-              </a:defRPr>
-            </a:lvl1pPr>
-            <a:lvl2pPr marL="742950" indent="-285750">
-              <a:defRPr sz="1600" b="1">
-                <a:solidFill>
-                  <a:schemeClr val="tx1"/>
-                </a:solidFill>
-                <a:latin typeface="Arial" charset="0"/>
-                <a:ea typeface="ＭＳ Ｐゴシック" charset="0"/>
-              </a:defRPr>
-            </a:lvl2pPr>
-            <a:lvl3pPr marL="1143000" indent="-228600">
-              <a:defRPr sz="1600" b="1">
-                <a:solidFill>
-                  <a:schemeClr val="tx1"/>
-                </a:solidFill>
-                <a:latin typeface="Arial" charset="0"/>
-                <a:ea typeface="ＭＳ Ｐゴシック" charset="0"/>
-              </a:defRPr>
-            </a:lvl3pPr>
-            <a:lvl4pPr marL="1600200" indent="-228600">
-              <a:defRPr sz="1600" b="1">
-                <a:solidFill>
-                  <a:schemeClr val="tx1"/>
-                </a:solidFill>
-                <a:latin typeface="Arial" charset="0"/>
-                <a:ea typeface="ＭＳ Ｐゴシック" charset="0"/>
-              </a:defRPr>
-            </a:lvl4pPr>
-            <a:lvl5pPr marL="2057400" indent="-228600">
-              <a:defRPr sz="1600" b="1">
-                <a:solidFill>
-                  <a:schemeClr val="tx1"/>
-                </a:solidFill>
-                <a:latin typeface="Arial" charset="0"/>
-                <a:ea typeface="ＭＳ Ｐゴシック" charset="0"/>
-              </a:defRPr>
-            </a:lvl5pPr>
-            <a:lvl6pPr marL="2514600" indent="-228600" eaLnBrk="0" fontAlgn="base" hangingPunct="0">
-              <a:spcBef>
-                <a:spcPct val="0"/>
-              </a:spcBef>
-              <a:spcAft>
-                <a:spcPct val="0"/>
-              </a:spcAft>
-              <a:defRPr sz="1600" b="1">
-                <a:solidFill>
-                  <a:schemeClr val="tx1"/>
-                </a:solidFill>
-                <a:latin typeface="Arial" charset="0"/>
-                <a:ea typeface="ＭＳ Ｐゴシック" charset="0"/>
-              </a:defRPr>
-            </a:lvl6pPr>
-            <a:lvl7pPr marL="2971800" indent="-228600" eaLnBrk="0" fontAlgn="base" hangingPunct="0">
-              <a:spcBef>
-                <a:spcPct val="0"/>
-              </a:spcBef>
-              <a:spcAft>
-                <a:spcPct val="0"/>
-              </a:spcAft>
-              <a:defRPr sz="1600" b="1">
-                <a:solidFill>
-                  <a:schemeClr val="tx1"/>
-                </a:solidFill>
-                <a:latin typeface="Arial" charset="0"/>
-                <a:ea typeface="ＭＳ Ｐゴシック" charset="0"/>
-              </a:defRPr>
-            </a:lvl7pPr>
-            <a:lvl8pPr marL="3429000" indent="-228600" eaLnBrk="0" fontAlgn="base" hangingPunct="0">
-              <a:spcBef>
-                <a:spcPct val="0"/>
-              </a:spcBef>
-              <a:spcAft>
-                <a:spcPct val="0"/>
-              </a:spcAft>
-              <a:defRPr sz="1600" b="1">
-                <a:solidFill>
-                  <a:schemeClr val="tx1"/>
-                </a:solidFill>
-                <a:latin typeface="Arial" charset="0"/>
-                <a:ea typeface="ＭＳ Ｐゴシック" charset="0"/>
-              </a:defRPr>
-            </a:lvl8pPr>
-            <a:lvl9pPr marL="3886200" indent="-228600" eaLnBrk="0" fontAlgn="base" hangingPunct="0">
-              <a:spcBef>
-                <a:spcPct val="0"/>
-              </a:spcBef>
-              <a:spcAft>
-                <a:spcPct val="0"/>
-              </a:spcAft>
-              <a:defRPr sz="1600" b="1">
-                <a:solidFill>
-                  <a:schemeClr val="tx1"/>
-                </a:solidFill>
-                <a:latin typeface="Arial" charset="0"/>
-                <a:ea typeface="ＭＳ Ｐゴシック" charset="0"/>
-              </a:defRPr>
-            </a:lvl9pPr>
-          </a:lstStyle>
-          <a:p>
-            <a:r>
-              <a:rPr lang="en-US" sz="2000" b="0" dirty="0">
-                <a:solidFill>
-                  <a:schemeClr val="bg1"/>
-                </a:solidFill>
-                <a:latin typeface="Gill Sans"/>
-                <a:cs typeface="Gill Sans"/>
-              </a:rPr>
-              <a:t>(Share the load) </a:t>
-            </a:r>
-          </a:p>
-        </p:txBody>
-      </p:sp>
-      <p:sp>
-        <p:nvSpPr>
-          <p:cNvPr id="40965" name="TextBox 4"/>
-          <p:cNvSpPr txBox="1">
-            <a:spLocks noChangeArrowheads="1"/>
-          </p:cNvSpPr>
-          <p:nvPr/>
-        </p:nvSpPr>
-        <p:spPr bwMode="auto">
-          <a:xfrm>
-            <a:off x="4419600" y="6172200"/>
-            <a:ext cx="4572000" cy="523875"/>
-          </a:xfrm>
-          <a:prstGeom prst="rect">
-            <a:avLst/>
-          </a:prstGeom>
-          <a:noFill/>
-          <a:ln>
-            <a:noFill/>
-          </a:ln>
-          <a:extLst>
-            <a:ext uri="{909E8E84-426E-40dd-AFC4-6F175D3DCCD1}">
-              <a14:hiddenFill xmlns:a14="http://schemas.microsoft.com/office/drawing/2010/main">
-                <a:solidFill>
-                  <a:srgbClr val="FFFFFF"/>
-                </a:solidFill>
-              </a14:hiddenFill>
-            </a:ext>
-            <a:ext uri="{91240B29-F687-4f45-9708-019B960494DF}">
-              <a14:hiddenLine xmlns:a14="http://schemas.microsoft.com/office/drawing/2010/main" w="9525">
-                <a:solidFill>
-                  <a:srgbClr val="000000"/>
-                </a:solidFill>
-                <a:miter lim="800000"/>
-                <a:headEnd/>
-                <a:tailEnd/>
-              </a14:hiddenLine>
-            </a:ext>
-          </a:extLst>
-        </p:spPr>
-        <p:txBody>
-          <a:bodyPr wrap="square">
-            <a:spAutoFit/>
-          </a:bodyPr>
-          <a:lstStyle>
-            <a:lvl1pPr>
-              <a:defRPr sz="1600" b="1">
-                <a:solidFill>
-                  <a:schemeClr val="tx1"/>
-                </a:solidFill>
-                <a:latin typeface="Arial" charset="0"/>
-                <a:ea typeface="ＭＳ Ｐゴシック" charset="0"/>
-              </a:defRPr>
-            </a:lvl1pPr>
-            <a:lvl2pPr marL="742950" indent="-285750">
-              <a:defRPr sz="1600" b="1">
-                <a:solidFill>
-                  <a:schemeClr val="tx1"/>
-                </a:solidFill>
-                <a:latin typeface="Arial" charset="0"/>
-                <a:ea typeface="ＭＳ Ｐゴシック" charset="0"/>
-              </a:defRPr>
-            </a:lvl2pPr>
-            <a:lvl3pPr marL="1143000" indent="-228600">
-              <a:defRPr sz="1600" b="1">
-                <a:solidFill>
-                  <a:schemeClr val="tx1"/>
-                </a:solidFill>
-                <a:latin typeface="Arial" charset="0"/>
-                <a:ea typeface="ＭＳ Ｐゴシック" charset="0"/>
-              </a:defRPr>
-            </a:lvl3pPr>
-            <a:lvl4pPr marL="1600200" indent="-228600">
-              <a:defRPr sz="1600" b="1">
-                <a:solidFill>
-                  <a:schemeClr val="tx1"/>
-                </a:solidFill>
-                <a:latin typeface="Arial" charset="0"/>
-                <a:ea typeface="ＭＳ Ｐゴシック" charset="0"/>
-              </a:defRPr>
-            </a:lvl4pPr>
-            <a:lvl5pPr marL="2057400" indent="-228600">
-              <a:defRPr sz="1600" b="1">
-                <a:solidFill>
-                  <a:schemeClr val="tx1"/>
-                </a:solidFill>
-                <a:latin typeface="Arial" charset="0"/>
-                <a:ea typeface="ＭＳ Ｐゴシック" charset="0"/>
-              </a:defRPr>
-            </a:lvl5pPr>
-            <a:lvl6pPr marL="2514600" indent="-228600" eaLnBrk="0" fontAlgn="base" hangingPunct="0">
-              <a:spcBef>
-                <a:spcPct val="0"/>
-              </a:spcBef>
-              <a:spcAft>
-                <a:spcPct val="0"/>
-              </a:spcAft>
-              <a:defRPr sz="1600" b="1">
-                <a:solidFill>
-                  <a:schemeClr val="tx1"/>
-                </a:solidFill>
-                <a:latin typeface="Arial" charset="0"/>
-                <a:ea typeface="ＭＳ Ｐゴシック" charset="0"/>
-              </a:defRPr>
-            </a:lvl6pPr>
-            <a:lvl7pPr marL="2971800" indent="-228600" eaLnBrk="0" fontAlgn="base" hangingPunct="0">
-              <a:spcBef>
-                <a:spcPct val="0"/>
-              </a:spcBef>
-              <a:spcAft>
-                <a:spcPct val="0"/>
-              </a:spcAft>
-              <a:defRPr sz="1600" b="1">
-                <a:solidFill>
-                  <a:schemeClr val="tx1"/>
-                </a:solidFill>
-                <a:latin typeface="Arial" charset="0"/>
-                <a:ea typeface="ＭＳ Ｐゴシック" charset="0"/>
-              </a:defRPr>
-            </a:lvl7pPr>
-            <a:lvl8pPr marL="3429000" indent="-228600" eaLnBrk="0" fontAlgn="base" hangingPunct="0">
-              <a:spcBef>
-                <a:spcPct val="0"/>
-              </a:spcBef>
-              <a:spcAft>
-                <a:spcPct val="0"/>
-              </a:spcAft>
-              <a:defRPr sz="1600" b="1">
-                <a:solidFill>
-                  <a:schemeClr val="tx1"/>
-                </a:solidFill>
-                <a:latin typeface="Arial" charset="0"/>
-                <a:ea typeface="ＭＳ Ｐゴシック" charset="0"/>
-              </a:defRPr>
-            </a:lvl8pPr>
-            <a:lvl9pPr marL="3886200" indent="-228600" eaLnBrk="0" fontAlgn="base" hangingPunct="0">
-              <a:spcBef>
-                <a:spcPct val="0"/>
-              </a:spcBef>
-              <a:spcAft>
-                <a:spcPct val="0"/>
-              </a:spcAft>
-              <a:defRPr sz="1600" b="1">
-                <a:solidFill>
-                  <a:schemeClr val="tx1"/>
-                </a:solidFill>
-                <a:latin typeface="Arial" charset="0"/>
-                <a:ea typeface="ＭＳ Ｐゴシック" charset="0"/>
-              </a:defRPr>
-            </a:lvl9pPr>
-          </a:lstStyle>
-          <a:p>
-            <a:r>
-              <a:rPr lang="en-US" sz="2800" b="0">
-                <a:solidFill>
-                  <a:schemeClr val="bg1"/>
-                </a:solidFill>
-                <a:latin typeface="Gill Sans"/>
-                <a:cs typeface="Gill Sans"/>
-              </a:rPr>
-              <a:t>How do you spread the load?</a:t>
-            </a:r>
-          </a:p>
-        </p:txBody>
-      </p:sp>
-    </p:spTree>
-    <p:extLst>
-      <p:ext uri="{BB962C8B-B14F-4D97-AF65-F5344CB8AC3E}">
-        <p14:creationId xmlns:p14="http://schemas.microsoft.com/office/powerpoint/2010/main" val="1527421661"/>
-      </p:ext>
-    </p:extLst>
-  </p:cSld>
-  <p:clrMapOvr>
-    <a:masterClrMapping/>
-  </p:clrMapOvr>
-  <p:transition xmlns:p14="http://schemas.microsoft.com/office/powerpoint/2010/main"/>
-  <p:timing>
-    <p:tnLst>
-      <p:par>
-        <p:cTn xmlns:p14="http://schemas.microsoft.com/office/powerpoint/2010/main" id="1" dur="indefinite" restart="never" nodeType="tmRoot">
-          <p:childTnLst>
-            <p:seq concurrent="1" nextAc="seek">
-              <p:cTn id="2" dur="indefinite" nodeType="mainSeq">
-                <p:childTnLst>
-                  <p:par>
-                    <p:cTn id="3" fill="hold" nodeType="clickPar">
-                      <p:stCondLst>
-                        <p:cond delay="indefinite"/>
-                      </p:stCondLst>
-                      <p:childTnLst>
-                        <p:par>
-                          <p:cTn id="4" fill="hold" nodeType="withGroup">
-                            <p:stCondLst>
-                              <p:cond delay="0"/>
-                            </p:stCondLst>
-                            <p:childTnLst>
-                              <p:par>
-                                <p:cTn id="5" presetID="1" presetClass="entr" presetSubtype="0" fill="hold" grpId="0" nodeType="clickEffect">
-                                  <p:stCondLst>
-                                    <p:cond delay="0"/>
-                                  </p:stCondLst>
-                                  <p:childTnLst>
-                                    <p:set>
-                                      <p:cBhvr>
-                                        <p:cTn id="6" dur="1" fill="hold">
-                                          <p:stCondLst>
-                                            <p:cond delay="0"/>
-                                          </p:stCondLst>
-                                        </p:cTn>
-                                        <p:tgtEl>
-                                          <p:spTgt spid="40963"/>
-                                        </p:tgtEl>
-                                        <p:attrNameLst>
-                                          <p:attrName>style.visibility</p:attrName>
-                                        </p:attrNameLst>
-                                      </p:cBhvr>
-                                      <p:to>
-                                        <p:strVal val="visible"/>
-                                      </p:to>
-                                    </p:set>
-                                  </p:childTnLst>
-                                </p:cTn>
-                              </p:par>
-                              <p:par>
-                                <p:cTn id="7" presetID="1" presetClass="entr" presetSubtype="0" fill="hold" grpId="0" nodeType="withEffect">
-                                  <p:stCondLst>
-                                    <p:cond delay="0"/>
-                                  </p:stCondLst>
-                                  <p:childTnLst>
-                                    <p:set>
-                                      <p:cBhvr>
-                                        <p:cTn id="8" dur="1" fill="hold">
-                                          <p:stCondLst>
-                                            <p:cond delay="0"/>
-                                          </p:stCondLst>
-                                        </p:cTn>
-                                        <p:tgtEl>
-                                          <p:spTgt spid="40964"/>
-                                        </p:tgtEl>
-                                        <p:attrNameLst>
-                                          <p:attrName>style.visibility</p:attrName>
-                                        </p:attrNameLst>
-                                      </p:cBhvr>
-                                      <p:to>
-                                        <p:strVal val="visible"/>
-                                      </p:to>
-                                    </p:set>
-                                  </p:childTnLst>
-                                </p:cTn>
-                              </p:par>
-                            </p:childTnLst>
-                          </p:cTn>
-                        </p:par>
-                      </p:childTnLst>
-                    </p:cTn>
-                  </p:par>
-                  <p:par>
-                    <p:cTn id="9" fill="hold" nodeType="clickPar">
-                      <p:stCondLst>
-                        <p:cond delay="indefinite"/>
-                      </p:stCondLst>
-                      <p:childTnLst>
-                        <p:par>
-                          <p:cTn id="10" fill="hold" nodeType="withGroup">
-                            <p:stCondLst>
-                              <p:cond delay="0"/>
-                            </p:stCondLst>
-                            <p:childTnLst>
-                              <p:par>
-                                <p:cTn id="11" presetID="1" presetClass="entr" presetSubtype="0" fill="hold" grpId="0" nodeType="clickEffect">
-                                  <p:stCondLst>
-                                    <p:cond delay="0"/>
-                                  </p:stCondLst>
-                                  <p:childTnLst>
-                                    <p:set>
-                                      <p:cBhvr>
-                                        <p:cTn id="12" dur="1" fill="hold">
-                                          <p:stCondLst>
-                                            <p:cond delay="0"/>
-                                          </p:stCondLst>
-                                        </p:cTn>
-                                        <p:tgtEl>
-                                          <p:spTgt spid="40965"/>
-                                        </p:tgtEl>
-                                        <p:attrNameLst>
-                                          <p:attrName>style.visibility</p:attrName>
-                                        </p:attrNameLst>
-                                      </p:cBhvr>
-                                      <p:to>
-                                        <p:strVal val="visible"/>
-                                      </p:to>
-                                    </p:set>
-                                  </p:childTnLst>
-                                </p:cTn>
-                              </p:par>
-                            </p:childTnLst>
-                          </p:cTn>
-                        </p:par>
-                      </p:childTnLst>
-                    </p:cTn>
-                  </p:par>
-                </p:childTnLst>
-              </p:cTn>
-              <p:prevCondLst>
-                <p:cond evt="onPrev" delay="0">
-                  <p:tgtEl>
-                    <p:sldTgt/>
-                  </p:tgtEl>
-                </p:cond>
-              </p:prevCondLst>
-              <p:nextCondLst>
-                <p:cond evt="onNext" delay="0">
-                  <p:tgtEl>
-                    <p:sldTgt/>
-                  </p:tgtEl>
-                </p:cond>
-              </p:nextCondLst>
-            </p:seq>
-          </p:childTnLst>
-        </p:cTn>
-      </p:par>
-    </p:tnLst>
-    <p:bldLst>
-      <p:bldP spid="40963" grpId="0"/>
-      <p:bldP spid="40964" grpId="0"/>
-      <p:bldP spid="40965" grpId="0"/>
     </p:bldLst>
   </p:timing>
 </p:sld>
@@ -23214,6 +22755,860 @@
       </p:grpSpPr>
       <p:sp>
         <p:nvSpPr>
+          <p:cNvPr id="41986" name="TextBox 1"/>
+          <p:cNvSpPr txBox="1">
+            <a:spLocks noChangeArrowheads="1"/>
+          </p:cNvSpPr>
+          <p:nvPr/>
+        </p:nvSpPr>
+        <p:spPr bwMode="auto">
+          <a:xfrm>
+            <a:off x="152400" y="2249488"/>
+            <a:ext cx="8839200" cy="646112"/>
+          </a:xfrm>
+          <a:prstGeom prst="rect">
+            <a:avLst/>
+          </a:prstGeom>
+          <a:noFill/>
+          <a:ln>
+            <a:noFill/>
+          </a:ln>
+          <a:extLst>
+            <a:ext uri="{909E8E84-426E-40dd-AFC4-6F175D3DCCD1}">
+              <a14:hiddenFill xmlns:a14="http://schemas.microsoft.com/office/drawing/2010/main">
+                <a:solidFill>
+                  <a:srgbClr val="FFFFFF"/>
+                </a:solidFill>
+              </a14:hiddenFill>
+            </a:ext>
+            <a:ext uri="{91240B29-F687-4f45-9708-019B960494DF}">
+              <a14:hiddenLine xmlns:a14="http://schemas.microsoft.com/office/drawing/2010/main" w="9525">
+                <a:solidFill>
+                  <a:srgbClr val="000000"/>
+                </a:solidFill>
+                <a:miter lim="800000"/>
+                <a:headEnd/>
+                <a:tailEnd/>
+              </a14:hiddenLine>
+            </a:ext>
+          </a:extLst>
+        </p:spPr>
+        <p:txBody>
+          <a:bodyPr>
+            <a:spAutoFit/>
+          </a:bodyPr>
+          <a:lstStyle>
+            <a:lvl1pPr>
+              <a:defRPr sz="1600" b="1">
+                <a:solidFill>
+                  <a:schemeClr val="tx1"/>
+                </a:solidFill>
+                <a:latin typeface="Arial" charset="0"/>
+                <a:ea typeface="ＭＳ Ｐゴシック" charset="0"/>
+              </a:defRPr>
+            </a:lvl1pPr>
+            <a:lvl2pPr marL="742950" indent="-285750">
+              <a:defRPr sz="1600" b="1">
+                <a:solidFill>
+                  <a:schemeClr val="tx1"/>
+                </a:solidFill>
+                <a:latin typeface="Arial" charset="0"/>
+                <a:ea typeface="ＭＳ Ｐゴシック" charset="0"/>
+              </a:defRPr>
+            </a:lvl2pPr>
+            <a:lvl3pPr marL="1143000" indent="-228600">
+              <a:defRPr sz="1600" b="1">
+                <a:solidFill>
+                  <a:schemeClr val="tx1"/>
+                </a:solidFill>
+                <a:latin typeface="Arial" charset="0"/>
+                <a:ea typeface="ＭＳ Ｐゴシック" charset="0"/>
+              </a:defRPr>
+            </a:lvl3pPr>
+            <a:lvl4pPr marL="1600200" indent="-228600">
+              <a:defRPr sz="1600" b="1">
+                <a:solidFill>
+                  <a:schemeClr val="tx1"/>
+                </a:solidFill>
+                <a:latin typeface="Arial" charset="0"/>
+                <a:ea typeface="ＭＳ Ｐゴシック" charset="0"/>
+              </a:defRPr>
+            </a:lvl4pPr>
+            <a:lvl5pPr marL="2057400" indent="-228600">
+              <a:defRPr sz="1600" b="1">
+                <a:solidFill>
+                  <a:schemeClr val="tx1"/>
+                </a:solidFill>
+                <a:latin typeface="Arial" charset="0"/>
+                <a:ea typeface="ＭＳ Ｐゴシック" charset="0"/>
+              </a:defRPr>
+            </a:lvl5pPr>
+            <a:lvl6pPr marL="2514600" indent="-228600" eaLnBrk="0" fontAlgn="base" hangingPunct="0">
+              <a:spcBef>
+                <a:spcPct val="0"/>
+              </a:spcBef>
+              <a:spcAft>
+                <a:spcPct val="0"/>
+              </a:spcAft>
+              <a:defRPr sz="1600" b="1">
+                <a:solidFill>
+                  <a:schemeClr val="tx1"/>
+                </a:solidFill>
+                <a:latin typeface="Arial" charset="0"/>
+                <a:ea typeface="ＭＳ Ｐゴシック" charset="0"/>
+              </a:defRPr>
+            </a:lvl6pPr>
+            <a:lvl7pPr marL="2971800" indent="-228600" eaLnBrk="0" fontAlgn="base" hangingPunct="0">
+              <a:spcBef>
+                <a:spcPct val="0"/>
+              </a:spcBef>
+              <a:spcAft>
+                <a:spcPct val="0"/>
+              </a:spcAft>
+              <a:defRPr sz="1600" b="1">
+                <a:solidFill>
+                  <a:schemeClr val="tx1"/>
+                </a:solidFill>
+                <a:latin typeface="Arial" charset="0"/>
+                <a:ea typeface="ＭＳ Ｐゴシック" charset="0"/>
+              </a:defRPr>
+            </a:lvl7pPr>
+            <a:lvl8pPr marL="3429000" indent="-228600" eaLnBrk="0" fontAlgn="base" hangingPunct="0">
+              <a:spcBef>
+                <a:spcPct val="0"/>
+              </a:spcBef>
+              <a:spcAft>
+                <a:spcPct val="0"/>
+              </a:spcAft>
+              <a:defRPr sz="1600" b="1">
+                <a:solidFill>
+                  <a:schemeClr val="tx1"/>
+                </a:solidFill>
+                <a:latin typeface="Arial" charset="0"/>
+                <a:ea typeface="ＭＳ Ｐゴシック" charset="0"/>
+              </a:defRPr>
+            </a:lvl8pPr>
+            <a:lvl9pPr marL="3886200" indent="-228600" eaLnBrk="0" fontAlgn="base" hangingPunct="0">
+              <a:spcBef>
+                <a:spcPct val="0"/>
+              </a:spcBef>
+              <a:spcAft>
+                <a:spcPct val="0"/>
+              </a:spcAft>
+              <a:defRPr sz="1600" b="1">
+                <a:solidFill>
+                  <a:schemeClr val="tx1"/>
+                </a:solidFill>
+                <a:latin typeface="Arial" charset="0"/>
+                <a:ea typeface="ＭＳ Ｐゴシック" charset="0"/>
+              </a:defRPr>
+            </a:lvl9pPr>
+          </a:lstStyle>
+          <a:p>
+            <a:pPr algn="ctr"/>
+            <a:r>
+              <a:rPr lang="en-US" sz="3600" b="0">
+                <a:solidFill>
+                  <a:schemeClr val="bg1"/>
+                </a:solidFill>
+                <a:latin typeface="Gill Sans"/>
+                <a:cs typeface="Gill Sans"/>
+              </a:rPr>
+              <a:t>Must be fast</a:t>
+            </a:r>
+          </a:p>
+        </p:txBody>
+      </p:sp>
+      <p:sp>
+        <p:nvSpPr>
+          <p:cNvPr id="40963" name="TextBox 2"/>
+          <p:cNvSpPr txBox="1">
+            <a:spLocks noChangeArrowheads="1"/>
+          </p:cNvSpPr>
+          <p:nvPr/>
+        </p:nvSpPr>
+        <p:spPr bwMode="auto">
+          <a:xfrm>
+            <a:off x="2464965" y="2905125"/>
+            <a:ext cx="4545435" cy="523220"/>
+          </a:xfrm>
+          <a:prstGeom prst="rect">
+            <a:avLst/>
+          </a:prstGeom>
+          <a:noFill/>
+          <a:ln>
+            <a:noFill/>
+          </a:ln>
+          <a:extLst>
+            <a:ext uri="{909E8E84-426E-40dd-AFC4-6F175D3DCCD1}">
+              <a14:hiddenFill xmlns:a14="http://schemas.microsoft.com/office/drawing/2010/main">
+                <a:solidFill>
+                  <a:srgbClr val="FFFFFF"/>
+                </a:solidFill>
+              </a14:hiddenFill>
+            </a:ext>
+            <a:ext uri="{91240B29-F687-4f45-9708-019B960494DF}">
+              <a14:hiddenLine xmlns:a14="http://schemas.microsoft.com/office/drawing/2010/main" w="9525">
+                <a:solidFill>
+                  <a:srgbClr val="000000"/>
+                </a:solidFill>
+                <a:miter lim="800000"/>
+                <a:headEnd/>
+                <a:tailEnd/>
+              </a14:hiddenLine>
+            </a:ext>
+          </a:extLst>
+        </p:spPr>
+        <p:txBody>
+          <a:bodyPr wrap="none">
+            <a:spAutoFit/>
+          </a:bodyPr>
+          <a:lstStyle>
+            <a:lvl1pPr>
+              <a:defRPr sz="1600" b="1">
+                <a:solidFill>
+                  <a:schemeClr val="tx1"/>
+                </a:solidFill>
+                <a:latin typeface="Arial" charset="0"/>
+                <a:ea typeface="ＭＳ Ｐゴシック" charset="0"/>
+              </a:defRPr>
+            </a:lvl1pPr>
+            <a:lvl2pPr marL="742950" indent="-285750">
+              <a:defRPr sz="1600" b="1">
+                <a:solidFill>
+                  <a:schemeClr val="tx1"/>
+                </a:solidFill>
+                <a:latin typeface="Arial" charset="0"/>
+                <a:ea typeface="ＭＳ Ｐゴシック" charset="0"/>
+              </a:defRPr>
+            </a:lvl2pPr>
+            <a:lvl3pPr marL="1143000" indent="-228600">
+              <a:defRPr sz="1600" b="1">
+                <a:solidFill>
+                  <a:schemeClr val="tx1"/>
+                </a:solidFill>
+                <a:latin typeface="Arial" charset="0"/>
+                <a:ea typeface="ＭＳ Ｐゴシック" charset="0"/>
+              </a:defRPr>
+            </a:lvl3pPr>
+            <a:lvl4pPr marL="1600200" indent="-228600">
+              <a:defRPr sz="1600" b="1">
+                <a:solidFill>
+                  <a:schemeClr val="tx1"/>
+                </a:solidFill>
+                <a:latin typeface="Arial" charset="0"/>
+                <a:ea typeface="ＭＳ Ｐゴシック" charset="0"/>
+              </a:defRPr>
+            </a:lvl4pPr>
+            <a:lvl5pPr marL="2057400" indent="-228600">
+              <a:defRPr sz="1600" b="1">
+                <a:solidFill>
+                  <a:schemeClr val="tx1"/>
+                </a:solidFill>
+                <a:latin typeface="Arial" charset="0"/>
+                <a:ea typeface="ＭＳ Ｐゴシック" charset="0"/>
+              </a:defRPr>
+            </a:lvl5pPr>
+            <a:lvl6pPr marL="2514600" indent="-228600" eaLnBrk="0" fontAlgn="base" hangingPunct="0">
+              <a:spcBef>
+                <a:spcPct val="0"/>
+              </a:spcBef>
+              <a:spcAft>
+                <a:spcPct val="0"/>
+              </a:spcAft>
+              <a:defRPr sz="1600" b="1">
+                <a:solidFill>
+                  <a:schemeClr val="tx1"/>
+                </a:solidFill>
+                <a:latin typeface="Arial" charset="0"/>
+                <a:ea typeface="ＭＳ Ｐゴシック" charset="0"/>
+              </a:defRPr>
+            </a:lvl6pPr>
+            <a:lvl7pPr marL="2971800" indent="-228600" eaLnBrk="0" fontAlgn="base" hangingPunct="0">
+              <a:spcBef>
+                <a:spcPct val="0"/>
+              </a:spcBef>
+              <a:spcAft>
+                <a:spcPct val="0"/>
+              </a:spcAft>
+              <a:defRPr sz="1600" b="1">
+                <a:solidFill>
+                  <a:schemeClr val="tx1"/>
+                </a:solidFill>
+                <a:latin typeface="Arial" charset="0"/>
+                <a:ea typeface="ＭＳ Ｐゴシック" charset="0"/>
+              </a:defRPr>
+            </a:lvl7pPr>
+            <a:lvl8pPr marL="3429000" indent="-228600" eaLnBrk="0" fontAlgn="base" hangingPunct="0">
+              <a:spcBef>
+                <a:spcPct val="0"/>
+              </a:spcBef>
+              <a:spcAft>
+                <a:spcPct val="0"/>
+              </a:spcAft>
+              <a:defRPr sz="1600" b="1">
+                <a:solidFill>
+                  <a:schemeClr val="tx1"/>
+                </a:solidFill>
+                <a:latin typeface="Arial" charset="0"/>
+                <a:ea typeface="ＭＳ Ｐゴシック" charset="0"/>
+              </a:defRPr>
+            </a:lvl8pPr>
+            <a:lvl9pPr marL="3886200" indent="-228600" eaLnBrk="0" fontAlgn="base" hangingPunct="0">
+              <a:spcBef>
+                <a:spcPct val="0"/>
+              </a:spcBef>
+              <a:spcAft>
+                <a:spcPct val="0"/>
+              </a:spcAft>
+              <a:defRPr sz="1600" b="1">
+                <a:solidFill>
+                  <a:schemeClr val="tx1"/>
+                </a:solidFill>
+                <a:latin typeface="Arial" charset="0"/>
+                <a:ea typeface="ＭＳ Ｐゴシック" charset="0"/>
+              </a:defRPr>
+            </a:lvl9pPr>
+          </a:lstStyle>
+          <a:p>
+            <a:r>
+              <a:rPr lang="en-US" sz="2800" b="0" dirty="0">
+                <a:solidFill>
+                  <a:srgbClr val="FF0000"/>
+                </a:solidFill>
+                <a:latin typeface="Gill Sans"/>
+                <a:cs typeface="Gill Sans"/>
+              </a:rPr>
+              <a:t>Solution:</a:t>
+            </a:r>
+            <a:r>
+              <a:rPr lang="en-US" sz="2800" b="0" dirty="0">
+                <a:solidFill>
+                  <a:schemeClr val="bg1"/>
+                </a:solidFill>
+                <a:latin typeface="Gill Sans"/>
+                <a:cs typeface="Gill Sans"/>
+              </a:rPr>
+              <a:t> Use lots of machines</a:t>
+            </a:r>
+          </a:p>
+        </p:txBody>
+      </p:sp>
+      <p:sp>
+        <p:nvSpPr>
+          <p:cNvPr id="40964" name="TextBox 3"/>
+          <p:cNvSpPr txBox="1">
+            <a:spLocks noChangeArrowheads="1"/>
+          </p:cNvSpPr>
+          <p:nvPr/>
+        </p:nvSpPr>
+        <p:spPr bwMode="auto">
+          <a:xfrm>
+            <a:off x="4293765" y="3333750"/>
+            <a:ext cx="1841895" cy="400110"/>
+          </a:xfrm>
+          <a:prstGeom prst="rect">
+            <a:avLst/>
+          </a:prstGeom>
+          <a:noFill/>
+          <a:ln>
+            <a:noFill/>
+          </a:ln>
+          <a:extLst>
+            <a:ext uri="{909E8E84-426E-40dd-AFC4-6F175D3DCCD1}">
+              <a14:hiddenFill xmlns:a14="http://schemas.microsoft.com/office/drawing/2010/main">
+                <a:solidFill>
+                  <a:srgbClr val="FFFFFF"/>
+                </a:solidFill>
+              </a14:hiddenFill>
+            </a:ext>
+            <a:ext uri="{91240B29-F687-4f45-9708-019B960494DF}">
+              <a14:hiddenLine xmlns:a14="http://schemas.microsoft.com/office/drawing/2010/main" w="9525">
+                <a:solidFill>
+                  <a:srgbClr val="000000"/>
+                </a:solidFill>
+                <a:miter lim="800000"/>
+                <a:headEnd/>
+                <a:tailEnd/>
+              </a14:hiddenLine>
+            </a:ext>
+          </a:extLst>
+        </p:spPr>
+        <p:txBody>
+          <a:bodyPr wrap="none">
+            <a:spAutoFit/>
+          </a:bodyPr>
+          <a:lstStyle>
+            <a:lvl1pPr>
+              <a:defRPr sz="1600" b="1">
+                <a:solidFill>
+                  <a:schemeClr val="tx1"/>
+                </a:solidFill>
+                <a:latin typeface="Arial" charset="0"/>
+                <a:ea typeface="ＭＳ Ｐゴシック" charset="0"/>
+              </a:defRPr>
+            </a:lvl1pPr>
+            <a:lvl2pPr marL="742950" indent="-285750">
+              <a:defRPr sz="1600" b="1">
+                <a:solidFill>
+                  <a:schemeClr val="tx1"/>
+                </a:solidFill>
+                <a:latin typeface="Arial" charset="0"/>
+                <a:ea typeface="ＭＳ Ｐゴシック" charset="0"/>
+              </a:defRPr>
+            </a:lvl2pPr>
+            <a:lvl3pPr marL="1143000" indent="-228600">
+              <a:defRPr sz="1600" b="1">
+                <a:solidFill>
+                  <a:schemeClr val="tx1"/>
+                </a:solidFill>
+                <a:latin typeface="Arial" charset="0"/>
+                <a:ea typeface="ＭＳ Ｐゴシック" charset="0"/>
+              </a:defRPr>
+            </a:lvl3pPr>
+            <a:lvl4pPr marL="1600200" indent="-228600">
+              <a:defRPr sz="1600" b="1">
+                <a:solidFill>
+                  <a:schemeClr val="tx1"/>
+                </a:solidFill>
+                <a:latin typeface="Arial" charset="0"/>
+                <a:ea typeface="ＭＳ Ｐゴシック" charset="0"/>
+              </a:defRPr>
+            </a:lvl4pPr>
+            <a:lvl5pPr marL="2057400" indent="-228600">
+              <a:defRPr sz="1600" b="1">
+                <a:solidFill>
+                  <a:schemeClr val="tx1"/>
+                </a:solidFill>
+                <a:latin typeface="Arial" charset="0"/>
+                <a:ea typeface="ＭＳ Ｐゴシック" charset="0"/>
+              </a:defRPr>
+            </a:lvl5pPr>
+            <a:lvl6pPr marL="2514600" indent="-228600" eaLnBrk="0" fontAlgn="base" hangingPunct="0">
+              <a:spcBef>
+                <a:spcPct val="0"/>
+              </a:spcBef>
+              <a:spcAft>
+                <a:spcPct val="0"/>
+              </a:spcAft>
+              <a:defRPr sz="1600" b="1">
+                <a:solidFill>
+                  <a:schemeClr val="tx1"/>
+                </a:solidFill>
+                <a:latin typeface="Arial" charset="0"/>
+                <a:ea typeface="ＭＳ Ｐゴシック" charset="0"/>
+              </a:defRPr>
+            </a:lvl6pPr>
+            <a:lvl7pPr marL="2971800" indent="-228600" eaLnBrk="0" fontAlgn="base" hangingPunct="0">
+              <a:spcBef>
+                <a:spcPct val="0"/>
+              </a:spcBef>
+              <a:spcAft>
+                <a:spcPct val="0"/>
+              </a:spcAft>
+              <a:defRPr sz="1600" b="1">
+                <a:solidFill>
+                  <a:schemeClr val="tx1"/>
+                </a:solidFill>
+                <a:latin typeface="Arial" charset="0"/>
+                <a:ea typeface="ＭＳ Ｐゴシック" charset="0"/>
+              </a:defRPr>
+            </a:lvl7pPr>
+            <a:lvl8pPr marL="3429000" indent="-228600" eaLnBrk="0" fontAlgn="base" hangingPunct="0">
+              <a:spcBef>
+                <a:spcPct val="0"/>
+              </a:spcBef>
+              <a:spcAft>
+                <a:spcPct val="0"/>
+              </a:spcAft>
+              <a:defRPr sz="1600" b="1">
+                <a:solidFill>
+                  <a:schemeClr val="tx1"/>
+                </a:solidFill>
+                <a:latin typeface="Arial" charset="0"/>
+                <a:ea typeface="ＭＳ Ｐゴシック" charset="0"/>
+              </a:defRPr>
+            </a:lvl8pPr>
+            <a:lvl9pPr marL="3886200" indent="-228600" eaLnBrk="0" fontAlgn="base" hangingPunct="0">
+              <a:spcBef>
+                <a:spcPct val="0"/>
+              </a:spcBef>
+              <a:spcAft>
+                <a:spcPct val="0"/>
+              </a:spcAft>
+              <a:defRPr sz="1600" b="1">
+                <a:solidFill>
+                  <a:schemeClr val="tx1"/>
+                </a:solidFill>
+                <a:latin typeface="Arial" charset="0"/>
+                <a:ea typeface="ＭＳ Ｐゴシック" charset="0"/>
+              </a:defRPr>
+            </a:lvl9pPr>
+          </a:lstStyle>
+          <a:p>
+            <a:r>
+              <a:rPr lang="en-US" sz="2000" b="0" dirty="0">
+                <a:solidFill>
+                  <a:schemeClr val="bg1"/>
+                </a:solidFill>
+                <a:latin typeface="Gill Sans"/>
+                <a:cs typeface="Gill Sans"/>
+              </a:rPr>
+              <a:t>(Share the load) </a:t>
+            </a:r>
+          </a:p>
+        </p:txBody>
+      </p:sp>
+      <p:sp>
+        <p:nvSpPr>
+          <p:cNvPr id="40965" name="TextBox 4"/>
+          <p:cNvSpPr txBox="1">
+            <a:spLocks noChangeArrowheads="1"/>
+          </p:cNvSpPr>
+          <p:nvPr/>
+        </p:nvSpPr>
+        <p:spPr bwMode="auto">
+          <a:xfrm>
+            <a:off x="4419600" y="6172200"/>
+            <a:ext cx="4572000" cy="523875"/>
+          </a:xfrm>
+          <a:prstGeom prst="rect">
+            <a:avLst/>
+          </a:prstGeom>
+          <a:noFill/>
+          <a:ln>
+            <a:noFill/>
+          </a:ln>
+          <a:extLst>
+            <a:ext uri="{909E8E84-426E-40dd-AFC4-6F175D3DCCD1}">
+              <a14:hiddenFill xmlns:a14="http://schemas.microsoft.com/office/drawing/2010/main">
+                <a:solidFill>
+                  <a:srgbClr val="FFFFFF"/>
+                </a:solidFill>
+              </a14:hiddenFill>
+            </a:ext>
+            <a:ext uri="{91240B29-F687-4f45-9708-019B960494DF}">
+              <a14:hiddenLine xmlns:a14="http://schemas.microsoft.com/office/drawing/2010/main" w="9525">
+                <a:solidFill>
+                  <a:srgbClr val="000000"/>
+                </a:solidFill>
+                <a:miter lim="800000"/>
+                <a:headEnd/>
+                <a:tailEnd/>
+              </a14:hiddenLine>
+            </a:ext>
+          </a:extLst>
+        </p:spPr>
+        <p:txBody>
+          <a:bodyPr wrap="square">
+            <a:spAutoFit/>
+          </a:bodyPr>
+          <a:lstStyle>
+            <a:lvl1pPr>
+              <a:defRPr sz="1600" b="1">
+                <a:solidFill>
+                  <a:schemeClr val="tx1"/>
+                </a:solidFill>
+                <a:latin typeface="Arial" charset="0"/>
+                <a:ea typeface="ＭＳ Ｐゴシック" charset="0"/>
+              </a:defRPr>
+            </a:lvl1pPr>
+            <a:lvl2pPr marL="742950" indent="-285750">
+              <a:defRPr sz="1600" b="1">
+                <a:solidFill>
+                  <a:schemeClr val="tx1"/>
+                </a:solidFill>
+                <a:latin typeface="Arial" charset="0"/>
+                <a:ea typeface="ＭＳ Ｐゴシック" charset="0"/>
+              </a:defRPr>
+            </a:lvl2pPr>
+            <a:lvl3pPr marL="1143000" indent="-228600">
+              <a:defRPr sz="1600" b="1">
+                <a:solidFill>
+                  <a:schemeClr val="tx1"/>
+                </a:solidFill>
+                <a:latin typeface="Arial" charset="0"/>
+                <a:ea typeface="ＭＳ Ｐゴシック" charset="0"/>
+              </a:defRPr>
+            </a:lvl3pPr>
+            <a:lvl4pPr marL="1600200" indent="-228600">
+              <a:defRPr sz="1600" b="1">
+                <a:solidFill>
+                  <a:schemeClr val="tx1"/>
+                </a:solidFill>
+                <a:latin typeface="Arial" charset="0"/>
+                <a:ea typeface="ＭＳ Ｐゴシック" charset="0"/>
+              </a:defRPr>
+            </a:lvl4pPr>
+            <a:lvl5pPr marL="2057400" indent="-228600">
+              <a:defRPr sz="1600" b="1">
+                <a:solidFill>
+                  <a:schemeClr val="tx1"/>
+                </a:solidFill>
+                <a:latin typeface="Arial" charset="0"/>
+                <a:ea typeface="ＭＳ Ｐゴシック" charset="0"/>
+              </a:defRPr>
+            </a:lvl5pPr>
+            <a:lvl6pPr marL="2514600" indent="-228600" eaLnBrk="0" fontAlgn="base" hangingPunct="0">
+              <a:spcBef>
+                <a:spcPct val="0"/>
+              </a:spcBef>
+              <a:spcAft>
+                <a:spcPct val="0"/>
+              </a:spcAft>
+              <a:defRPr sz="1600" b="1">
+                <a:solidFill>
+                  <a:schemeClr val="tx1"/>
+                </a:solidFill>
+                <a:latin typeface="Arial" charset="0"/>
+                <a:ea typeface="ＭＳ Ｐゴシック" charset="0"/>
+              </a:defRPr>
+            </a:lvl6pPr>
+            <a:lvl7pPr marL="2971800" indent="-228600" eaLnBrk="0" fontAlgn="base" hangingPunct="0">
+              <a:spcBef>
+                <a:spcPct val="0"/>
+              </a:spcBef>
+              <a:spcAft>
+                <a:spcPct val="0"/>
+              </a:spcAft>
+              <a:defRPr sz="1600" b="1">
+                <a:solidFill>
+                  <a:schemeClr val="tx1"/>
+                </a:solidFill>
+                <a:latin typeface="Arial" charset="0"/>
+                <a:ea typeface="ＭＳ Ｐゴシック" charset="0"/>
+              </a:defRPr>
+            </a:lvl7pPr>
+            <a:lvl8pPr marL="3429000" indent="-228600" eaLnBrk="0" fontAlgn="base" hangingPunct="0">
+              <a:spcBef>
+                <a:spcPct val="0"/>
+              </a:spcBef>
+              <a:spcAft>
+                <a:spcPct val="0"/>
+              </a:spcAft>
+              <a:defRPr sz="1600" b="1">
+                <a:solidFill>
+                  <a:schemeClr val="tx1"/>
+                </a:solidFill>
+                <a:latin typeface="Arial" charset="0"/>
+                <a:ea typeface="ＭＳ Ｐゴシック" charset="0"/>
+              </a:defRPr>
+            </a:lvl8pPr>
+            <a:lvl9pPr marL="3886200" indent="-228600" eaLnBrk="0" fontAlgn="base" hangingPunct="0">
+              <a:spcBef>
+                <a:spcPct val="0"/>
+              </a:spcBef>
+              <a:spcAft>
+                <a:spcPct val="0"/>
+              </a:spcAft>
+              <a:defRPr sz="1600" b="1">
+                <a:solidFill>
+                  <a:schemeClr val="tx1"/>
+                </a:solidFill>
+                <a:latin typeface="Arial" charset="0"/>
+                <a:ea typeface="ＭＳ Ｐゴシック" charset="0"/>
+              </a:defRPr>
+            </a:lvl9pPr>
+          </a:lstStyle>
+          <a:p>
+            <a:r>
+              <a:rPr lang="en-US" sz="2800" b="0">
+                <a:solidFill>
+                  <a:schemeClr val="bg1"/>
+                </a:solidFill>
+                <a:latin typeface="Gill Sans"/>
+                <a:cs typeface="Gill Sans"/>
+              </a:rPr>
+              <a:t>How do you spread the load?</a:t>
+            </a:r>
+          </a:p>
+        </p:txBody>
+      </p:sp>
+    </p:spTree>
+    <p:extLst>
+      <p:ext uri="{BB962C8B-B14F-4D97-AF65-F5344CB8AC3E}">
+        <p14:creationId xmlns:p14="http://schemas.microsoft.com/office/powerpoint/2010/main" val="1527421661"/>
+      </p:ext>
+    </p:extLst>
+  </p:cSld>
+  <p:clrMapOvr>
+    <a:masterClrMapping/>
+  </p:clrMapOvr>
+  <p:transition xmlns:p14="http://schemas.microsoft.com/office/powerpoint/2010/main"/>
+  <p:timing>
+    <p:tnLst>
+      <p:par>
+        <p:cTn xmlns:p14="http://schemas.microsoft.com/office/powerpoint/2010/main" id="1" dur="indefinite" restart="never" nodeType="tmRoot">
+          <p:childTnLst>
+            <p:seq concurrent="1" nextAc="seek">
+              <p:cTn id="2" dur="indefinite" nodeType="mainSeq">
+                <p:childTnLst>
+                  <p:par>
+                    <p:cTn id="3" fill="hold" nodeType="clickPar">
+                      <p:stCondLst>
+                        <p:cond delay="indefinite"/>
+                      </p:stCondLst>
+                      <p:childTnLst>
+                        <p:par>
+                          <p:cTn id="4" fill="hold" nodeType="withGroup">
+                            <p:stCondLst>
+                              <p:cond delay="0"/>
+                            </p:stCondLst>
+                            <p:childTnLst>
+                              <p:par>
+                                <p:cTn id="5" presetID="1" presetClass="entr" presetSubtype="0" fill="hold" grpId="0" nodeType="clickEffect">
+                                  <p:stCondLst>
+                                    <p:cond delay="0"/>
+                                  </p:stCondLst>
+                                  <p:childTnLst>
+                                    <p:set>
+                                      <p:cBhvr>
+                                        <p:cTn id="6" dur="1" fill="hold">
+                                          <p:stCondLst>
+                                            <p:cond delay="0"/>
+                                          </p:stCondLst>
+                                        </p:cTn>
+                                        <p:tgtEl>
+                                          <p:spTgt spid="40963"/>
+                                        </p:tgtEl>
+                                        <p:attrNameLst>
+                                          <p:attrName>style.visibility</p:attrName>
+                                        </p:attrNameLst>
+                                      </p:cBhvr>
+                                      <p:to>
+                                        <p:strVal val="visible"/>
+                                      </p:to>
+                                    </p:set>
+                                  </p:childTnLst>
+                                </p:cTn>
+                              </p:par>
+                              <p:par>
+                                <p:cTn id="7" presetID="1" presetClass="entr" presetSubtype="0" fill="hold" grpId="0" nodeType="withEffect">
+                                  <p:stCondLst>
+                                    <p:cond delay="0"/>
+                                  </p:stCondLst>
+                                  <p:childTnLst>
+                                    <p:set>
+                                      <p:cBhvr>
+                                        <p:cTn id="8" dur="1" fill="hold">
+                                          <p:stCondLst>
+                                            <p:cond delay="0"/>
+                                          </p:stCondLst>
+                                        </p:cTn>
+                                        <p:tgtEl>
+                                          <p:spTgt spid="40964"/>
+                                        </p:tgtEl>
+                                        <p:attrNameLst>
+                                          <p:attrName>style.visibility</p:attrName>
+                                        </p:attrNameLst>
+                                      </p:cBhvr>
+                                      <p:to>
+                                        <p:strVal val="visible"/>
+                                      </p:to>
+                                    </p:set>
+                                  </p:childTnLst>
+                                </p:cTn>
+                              </p:par>
+                            </p:childTnLst>
+                          </p:cTn>
+                        </p:par>
+                      </p:childTnLst>
+                    </p:cTn>
+                  </p:par>
+                  <p:par>
+                    <p:cTn id="9" fill="hold" nodeType="clickPar">
+                      <p:stCondLst>
+                        <p:cond delay="indefinite"/>
+                      </p:stCondLst>
+                      <p:childTnLst>
+                        <p:par>
+                          <p:cTn id="10" fill="hold" nodeType="withGroup">
+                            <p:stCondLst>
+                              <p:cond delay="0"/>
+                            </p:stCondLst>
+                            <p:childTnLst>
+                              <p:par>
+                                <p:cTn id="11" presetID="1" presetClass="entr" presetSubtype="0" fill="hold" grpId="0" nodeType="clickEffect">
+                                  <p:stCondLst>
+                                    <p:cond delay="0"/>
+                                  </p:stCondLst>
+                                  <p:childTnLst>
+                                    <p:set>
+                                      <p:cBhvr>
+                                        <p:cTn id="12" dur="1" fill="hold">
+                                          <p:stCondLst>
+                                            <p:cond delay="0"/>
+                                          </p:stCondLst>
+                                        </p:cTn>
+                                        <p:tgtEl>
+                                          <p:spTgt spid="40965"/>
+                                        </p:tgtEl>
+                                        <p:attrNameLst>
+                                          <p:attrName>style.visibility</p:attrName>
+                                        </p:attrNameLst>
+                                      </p:cBhvr>
+                                      <p:to>
+                                        <p:strVal val="visible"/>
+                                      </p:to>
+                                    </p:set>
+                                  </p:childTnLst>
+                                </p:cTn>
+                              </p:par>
+                            </p:childTnLst>
+                          </p:cTn>
+                        </p:par>
+                      </p:childTnLst>
+                    </p:cTn>
+                  </p:par>
+                </p:childTnLst>
+              </p:cTn>
+              <p:prevCondLst>
+                <p:cond evt="onPrev" delay="0">
+                  <p:tgtEl>
+                    <p:sldTgt/>
+                  </p:tgtEl>
+                </p:cond>
+              </p:prevCondLst>
+              <p:nextCondLst>
+                <p:cond evt="onNext" delay="0">
+                  <p:tgtEl>
+                    <p:sldTgt/>
+                  </p:tgtEl>
+                </p:cond>
+              </p:nextCondLst>
+            </p:seq>
+          </p:childTnLst>
+        </p:cTn>
+      </p:par>
+    </p:tnLst>
+    <p:bldLst>
+      <p:bldP spid="40963" grpId="0"/>
+      <p:bldP spid="40964" grpId="0"/>
+      <p:bldP spid="40965" grpId="0"/>
+    </p:bldLst>
+  </p:timing>
+</p:sld>
+</file>
+
+<file path=ppt/slides/slide41.xml><?xml version="1.0" encoding="utf-8"?>
+<p:sld xmlns:a="http://schemas.openxmlformats.org/drawingml/2006/main" xmlns:r="http://schemas.openxmlformats.org/officeDocument/2006/relationships" xmlns:p="http://schemas.openxmlformats.org/presentationml/2006/main">
+  <p:cSld>
+    <p:spTree>
+      <p:nvGrpSpPr>
+        <p:cNvPr id="1" name=""/>
+        <p:cNvGrpSpPr/>
+        <p:nvPr/>
+      </p:nvGrpSpPr>
+      <p:grpSpPr>
+        <a:xfrm>
+          <a:off x="0" y="0"/>
+          <a:ext cx="0" cy="0"/>
+          <a:chOff x="0" y="0"/>
+          <a:chExt cx="0" cy="0"/>
+        </a:xfrm>
+      </p:grpSpPr>
+      <p:sp>
+        <p:nvSpPr>
           <p:cNvPr id="43010" name="TextBox 1"/>
           <p:cNvSpPr txBox="1">
             <a:spLocks noChangeArrowheads="1"/>
@@ -23897,7 +24292,7 @@
 </p:sld>
 </file>
 
-<file path=ppt/slides/slide41.xml><?xml version="1.0" encoding="utf-8"?>
+<file path=ppt/slides/slide42.xml><?xml version="1.0" encoding="utf-8"?>
 <p:sld xmlns:a="http://schemas.openxmlformats.org/drawingml/2006/main" xmlns:r="http://schemas.openxmlformats.org/officeDocument/2006/relationships" xmlns:p="http://schemas.openxmlformats.org/presentationml/2006/main">
   <p:cSld>
     <p:spTree>
@@ -24024,7 +24419,7 @@
 </p:sld>
 </file>
 
-<file path=ppt/slides/slide42.xml><?xml version="1.0" encoding="utf-8"?>
+<file path=ppt/slides/slide43.xml><?xml version="1.0" encoding="utf-8"?>
 <p:sld xmlns:a="http://schemas.openxmlformats.org/drawingml/2006/main" xmlns:r="http://schemas.openxmlformats.org/officeDocument/2006/relationships" xmlns:p="http://schemas.openxmlformats.org/presentationml/2006/main">
   <p:cSld>
     <p:spTree>
@@ -24152,7 +24547,7 @@
           <a:graphicData uri="http://schemas.openxmlformats.org/presentationml/2006/ole">
             <mc:AlternateContent xmlns:mc="http://schemas.openxmlformats.org/markup-compatibility/2006">
               <mc:Choice xmlns:v="urn:schemas-microsoft-com:vml" Requires="v">
-                <p:oleObj spid="_x0000_s39977" name="Clip" r:id="rId4" imgW="3120151" imgH="1205948" progId="MS_ClipArt_Gallery.2">
+                <p:oleObj spid="_x0000_s40019" name="Clip" r:id="rId4" imgW="3120151" imgH="1205948" progId="MS_ClipArt_Gallery.2">
                   <p:embed/>
                 </p:oleObj>
               </mc:Choice>
@@ -24417,7 +24812,7 @@
 </p:sld>
 </file>
 
-<file path=ppt/slides/slide43.xml><?xml version="1.0" encoding="utf-8"?>
+<file path=ppt/slides/slide44.xml><?xml version="1.0" encoding="utf-8"?>
 <p:sld xmlns:a="http://schemas.openxmlformats.org/drawingml/2006/main" xmlns:r="http://schemas.openxmlformats.org/officeDocument/2006/relationships" xmlns:p="http://schemas.openxmlformats.org/presentationml/2006/main">
   <p:cSld>
     <p:spTree>
@@ -25042,7 +25437,7 @@
 </p:sld>
 </file>
 
-<file path=ppt/slides/slide44.xml><?xml version="1.0" encoding="utf-8"?>
+<file path=ppt/slides/slide45.xml><?xml version="1.0" encoding="utf-8"?>
 <p:sld xmlns:a="http://schemas.openxmlformats.org/drawingml/2006/main" xmlns:r="http://schemas.openxmlformats.org/officeDocument/2006/relationships" xmlns:p="http://schemas.openxmlformats.org/presentationml/2006/main">
   <p:cSld>
     <p:spTree>
@@ -27234,55 +27629,59 @@
           <a:lstStyle/>
           <a:p>
             <a:r>
-              <a:rPr lang="en-US" smtClean="0"/>
+              <a:rPr lang="en-US" dirty="0" smtClean="0"/>
               <a:t>Entities: things in the world</a:t>
             </a:r>
           </a:p>
           <a:p>
             <a:pPr lvl="1"/>
             <a:r>
-              <a:rPr lang="en-US" smtClean="0"/>
+              <a:rPr lang="en-US" dirty="0" smtClean="0"/>
               <a:t>Example: airlines, tickets, passengers</a:t>
             </a:r>
           </a:p>
           <a:p>
             <a:r>
-              <a:rPr lang="en-US" smtClean="0"/>
+              <a:rPr lang="en-US" dirty="0" smtClean="0"/>
               <a:t>Relationships: how different things are related</a:t>
             </a:r>
           </a:p>
           <a:p>
             <a:pPr lvl="1"/>
             <a:r>
-              <a:rPr lang="en-US" smtClean="0"/>
+              <a:rPr lang="en-US" dirty="0" smtClean="0"/>
               <a:t>Example: the tickets each passenger bought</a:t>
             </a:r>
           </a:p>
           <a:p>
             <a:r>
-              <a:rPr lang="ja-JP" altLang="en-US" smtClean="0"/>
+              <a:rPr lang="en-US" altLang="ja-JP" dirty="0" smtClean="0"/>
               <a:t>“</a:t>
             </a:r>
             <a:r>
-              <a:rPr lang="en-US" smtClean="0"/>
+              <a:rPr lang="en-US" dirty="0" smtClean="0"/>
               <a:t>Business Logic</a:t>
             </a:r>
             <a:r>
-              <a:rPr lang="ja-JP" altLang="en-US" smtClean="0"/>
+              <a:rPr lang="en-US" altLang="ja-JP" dirty="0" smtClean="0"/>
               <a:t>”</a:t>
             </a:r>
             <a:r>
-              <a:rPr lang="en-US" smtClean="0"/>
-              <a:t>: rules about the world</a:t>
+              <a:rPr lang="en-US" dirty="0" smtClean="0"/>
+              <a:t>: </a:t>
+            </a:r>
+            <a:r>
+              <a:rPr lang="en-US" dirty="0" smtClean="0"/>
+              <a:t>rules about the world</a:t>
             </a:r>
           </a:p>
           <a:p>
             <a:pPr lvl="1"/>
             <a:r>
-              <a:rPr lang="en-US" smtClean="0"/>
+              <a:rPr lang="en-US" dirty="0" smtClean="0"/>
               <a:t>Example: fare rules</a:t>
             </a:r>
-            <a:endParaRPr lang="en-US"/>
+            <a:endParaRPr lang="en-US" dirty="0"/>
           </a:p>
         </p:txBody>
       </p:sp>
@@ -27302,7 +27701,7 @@
           <a:graphicData uri="http://schemas.openxmlformats.org/presentationml/2006/ole">
             <mc:AlternateContent xmlns:mc="http://schemas.openxmlformats.org/markup-compatibility/2006">
               <mc:Choice xmlns:v="urn:schemas-microsoft-com:vml" Requires="v">
-                <p:oleObj spid="_x0000_s25691" name="ClipArt" r:id="rId4" imgW="1702324" imgH="3660507" progId="MS_ClipArt_Gallery.2">
+                <p:oleObj spid="_x0000_s25733" name="ClipArt" r:id="rId4" imgW="1702324" imgH="3660507" progId="MS_ClipArt_Gallery.2">
                   <p:embed/>
                 </p:oleObj>
               </mc:Choice>

--- a/slides/session06.pptx
+++ b/slides/session06.pptx
@@ -2688,13 +2688,6 @@
               </a:rPr>
               <a:t>Thursday, October 16, 2014</a:t>
             </a:r>
-            <a:endParaRPr lang="en-US" sz="2400" b="0" kern="0" dirty="0" smtClean="0">
-              <a:solidFill>
-                <a:schemeClr val="bg1"/>
-              </a:solidFill>
-              <a:latin typeface="Gill Sans"/>
-              <a:cs typeface="Gill Sans"/>
-            </a:endParaRPr>
           </a:p>
         </p:txBody>
       </p:sp>
@@ -6041,7 +6034,7 @@
           <a:graphicData uri="http://schemas.openxmlformats.org/presentationml/2006/ole">
             <mc:AlternateContent xmlns:mc="http://schemas.openxmlformats.org/markup-compatibility/2006">
               <mc:Choice xmlns:v="urn:schemas-microsoft-com:vml" Requires="v">
-                <p:oleObj spid="_x0000_s5294" name="Worksheet" r:id="rId3" imgW="7353419" imgH="1143060" progId="Excel.Sheet.8">
+                <p:oleObj spid="_x0000_s5297" name="Worksheet" r:id="rId3" imgW="7353419" imgH="1143060" progId="Excel.Sheet.8">
                   <p:embed/>
                 </p:oleObj>
               </mc:Choice>
@@ -6716,7 +6709,7 @@
           <a:graphicData uri="http://schemas.openxmlformats.org/presentationml/2006/ole">
             <mc:AlternateContent xmlns:mc="http://schemas.openxmlformats.org/markup-compatibility/2006">
               <mc:Choice xmlns:v="urn:schemas-microsoft-com:vml" Requires="v">
-                <p:oleObj spid="_x0000_s7843" name="Worksheet" r:id="rId3" imgW="2295704" imgH="657165" progId="Excel.Sheet.8">
+                <p:oleObj spid="_x0000_s7852" name="Worksheet" r:id="rId3" imgW="2295704" imgH="657165" progId="Excel.Sheet.8">
                   <p:embed/>
                 </p:oleObj>
               </mc:Choice>
@@ -6806,7 +6799,7 @@
           <a:graphicData uri="http://schemas.openxmlformats.org/presentationml/2006/ole">
             <mc:AlternateContent xmlns:mc="http://schemas.openxmlformats.org/markup-compatibility/2006">
               <mc:Choice xmlns:v="urn:schemas-microsoft-com:vml" Requires="v">
-                <p:oleObj spid="_x0000_s7844" name="Worksheet" r:id="rId5" imgW="2047756" imgH="657165" progId="Excel.Sheet.8">
+                <p:oleObj spid="_x0000_s7853" name="Worksheet" r:id="rId5" imgW="2047756" imgH="657165" progId="Excel.Sheet.8">
                   <p:embed/>
                 </p:oleObj>
               </mc:Choice>
@@ -6896,7 +6889,7 @@
           <a:graphicData uri="http://schemas.openxmlformats.org/presentationml/2006/ole">
             <mc:AlternateContent xmlns:mc="http://schemas.openxmlformats.org/markup-compatibility/2006">
               <mc:Choice xmlns:v="urn:schemas-microsoft-com:vml" Requires="v">
-                <p:oleObj spid="_x0000_s7845" name="Worksheet" r:id="rId7" imgW="2371546" imgH="1143060" progId="Excel.Sheet.8">
+                <p:oleObj spid="_x0000_s7854" name="Worksheet" r:id="rId7" imgW="2371546" imgH="1143060" progId="Excel.Sheet.8">
                   <p:embed/>
                 </p:oleObj>
               </mc:Choice>
@@ -6986,7 +6979,7 @@
           <a:graphicData uri="http://schemas.openxmlformats.org/presentationml/2006/ole">
             <mc:AlternateContent xmlns:mc="http://schemas.openxmlformats.org/markup-compatibility/2006">
               <mc:Choice xmlns:v="urn:schemas-microsoft-com:vml" Requires="v">
-                <p:oleObj spid="_x0000_s7846" name="Worksheet" r:id="rId9" imgW="4752975" imgH="819150" progId="Excel.Sheet.8">
+                <p:oleObj spid="_x0000_s7855" name="Worksheet" r:id="rId9" imgW="4752975" imgH="819150" progId="Excel.Sheet.8">
                   <p:embed/>
                 </p:oleObj>
               </mc:Choice>
@@ -8122,7 +8115,7 @@
           <a:graphicData uri="http://schemas.openxmlformats.org/presentationml/2006/ole">
             <mc:AlternateContent xmlns:mc="http://schemas.openxmlformats.org/markup-compatibility/2006">
               <mc:Choice xmlns:v="urn:schemas-microsoft-com:vml" Requires="v">
-                <p:oleObj spid="_x0000_s11923" name="Worksheet" r:id="rId3" imgW="2295704" imgH="657165" progId="Excel.Sheet.8">
+                <p:oleObj spid="_x0000_s11932" name="Worksheet" r:id="rId3" imgW="2295704" imgH="657165" progId="Excel.Sheet.8">
                   <p:embed/>
                 </p:oleObj>
               </mc:Choice>
@@ -8212,7 +8205,7 @@
           <a:graphicData uri="http://schemas.openxmlformats.org/presentationml/2006/ole">
             <mc:AlternateContent xmlns:mc="http://schemas.openxmlformats.org/markup-compatibility/2006">
               <mc:Choice xmlns:v="urn:schemas-microsoft-com:vml" Requires="v">
-                <p:oleObj spid="_x0000_s11924" name="Worksheet" r:id="rId5" imgW="2047756" imgH="657165" progId="Excel.Sheet.8">
+                <p:oleObj spid="_x0000_s11933" name="Worksheet" r:id="rId5" imgW="2047756" imgH="657165" progId="Excel.Sheet.8">
                   <p:embed/>
                 </p:oleObj>
               </mc:Choice>
@@ -8302,7 +8295,7 @@
           <a:graphicData uri="http://schemas.openxmlformats.org/presentationml/2006/ole">
             <mc:AlternateContent xmlns:mc="http://schemas.openxmlformats.org/markup-compatibility/2006">
               <mc:Choice xmlns:v="urn:schemas-microsoft-com:vml" Requires="v">
-                <p:oleObj spid="_x0000_s11925" name="Worksheet" r:id="rId7" imgW="2371546" imgH="1143060" progId="Excel.Sheet.8">
+                <p:oleObj spid="_x0000_s11934" name="Worksheet" r:id="rId7" imgW="2371546" imgH="1143060" progId="Excel.Sheet.8">
                   <p:embed/>
                 </p:oleObj>
               </mc:Choice>
@@ -8392,7 +8385,7 @@
           <a:graphicData uri="http://schemas.openxmlformats.org/presentationml/2006/ole">
             <mc:AlternateContent xmlns:mc="http://schemas.openxmlformats.org/markup-compatibility/2006">
               <mc:Choice xmlns:v="urn:schemas-microsoft-com:vml" Requires="v">
-                <p:oleObj spid="_x0000_s11926" name="Worksheet" r:id="rId9" imgW="4752975" imgH="819150" progId="Excel.Sheet.8">
+                <p:oleObj spid="_x0000_s11935" name="Worksheet" r:id="rId9" imgW="4752975" imgH="819150" progId="Excel.Sheet.8">
                   <p:embed/>
                 </p:oleObj>
               </mc:Choice>
@@ -14250,7 +14243,7 @@
           <a:graphicData uri="http://schemas.openxmlformats.org/presentationml/2006/ole">
             <mc:AlternateContent xmlns:mc="http://schemas.openxmlformats.org/markup-compatibility/2006">
               <mc:Choice xmlns:v="urn:schemas-microsoft-com:vml" Requires="v">
-                <p:oleObj spid="_x0000_s19763" name="Worksheet" r:id="rId3" imgW="4857958" imgH="818965" progId="Excel.Sheet.8">
+                <p:oleObj spid="_x0000_s19768" name="Worksheet" r:id="rId3" imgW="4857958" imgH="818965" progId="Excel.Sheet.8">
                   <p:embed/>
                 </p:oleObj>
               </mc:Choice>
@@ -14340,7 +14333,7 @@
           <a:graphicData uri="http://schemas.openxmlformats.org/presentationml/2006/ole">
             <mc:AlternateContent xmlns:mc="http://schemas.openxmlformats.org/markup-compatibility/2006">
               <mc:Choice xmlns:v="urn:schemas-microsoft-com:vml" Requires="v">
-                <p:oleObj spid="_x0000_s19764" name="Worksheet" r:id="rId5" imgW="2104846" imgH="819269" progId="Excel.Sheet.8">
+                <p:oleObj spid="_x0000_s19769" name="Worksheet" r:id="rId5" imgW="2104846" imgH="819269" progId="Excel.Sheet.8">
                   <p:embed/>
                 </p:oleObj>
               </mc:Choice>
@@ -14491,7 +14484,7 @@
           <a:graphicData uri="http://schemas.openxmlformats.org/presentationml/2006/ole">
             <mc:AlternateContent xmlns:mc="http://schemas.openxmlformats.org/markup-compatibility/2006">
               <mc:Choice xmlns:v="urn:schemas-microsoft-com:vml" Requires="v">
-                <p:oleObj spid="_x0000_s20787" name="Worksheet" r:id="rId3" imgW="4857690" imgH="819269" progId="Excel.Sheet.8">
+                <p:oleObj spid="_x0000_s20792" name="Worksheet" r:id="rId3" imgW="4857690" imgH="819269" progId="Excel.Sheet.8">
                   <p:embed/>
                 </p:oleObj>
               </mc:Choice>
@@ -14581,7 +14574,7 @@
           <a:graphicData uri="http://schemas.openxmlformats.org/presentationml/2006/ole">
             <mc:AlternateContent xmlns:mc="http://schemas.openxmlformats.org/markup-compatibility/2006">
               <mc:Choice xmlns:v="urn:schemas-microsoft-com:vml" Requires="v">
-                <p:oleObj spid="_x0000_s20788" name="Worksheet" r:id="rId5" imgW="5143560" imgH="495479" progId="Excel.Sheet.8">
+                <p:oleObj spid="_x0000_s20793" name="Worksheet" r:id="rId5" imgW="5143560" imgH="495479" progId="Excel.Sheet.8">
                   <p:embed/>
                 </p:oleObj>
               </mc:Choice>
@@ -16578,7 +16571,7 @@
           <a:graphicData uri="http://schemas.openxmlformats.org/presentationml/2006/ole">
             <mc:AlternateContent xmlns:mc="http://schemas.openxmlformats.org/markup-compatibility/2006">
               <mc:Choice xmlns:v="urn:schemas-microsoft-com:vml" Requires="v">
-                <p:oleObj spid="_x0000_s18889" name="Worksheet" r:id="rId3" imgW="4857690" imgH="819269" progId="Excel.Sheet.8">
+                <p:oleObj spid="_x0000_s18896" name="Worksheet" r:id="rId3" imgW="4857690" imgH="819269" progId="Excel.Sheet.8">
                   <p:embed/>
                 </p:oleObj>
               </mc:Choice>
@@ -16945,7 +16938,7 @@
           <a:graphicData uri="http://schemas.openxmlformats.org/presentationml/2006/ole">
             <mc:AlternateContent xmlns:mc="http://schemas.openxmlformats.org/markup-compatibility/2006">
               <mc:Choice xmlns:v="urn:schemas-microsoft-com:vml" Requires="v">
-                <p:oleObj spid="_x0000_s18890" name="Worksheet" r:id="rId5" imgW="4753094" imgH="819269" progId="Excel.Sheet.8">
+                <p:oleObj spid="_x0000_s18897" name="Worksheet" r:id="rId5" imgW="4753094" imgH="819269" progId="Excel.Sheet.8">
                   <p:embed/>
                 </p:oleObj>
               </mc:Choice>
@@ -17365,7 +17358,7 @@
           <a:graphicData uri="http://schemas.openxmlformats.org/presentationml/2006/ole">
             <mc:AlternateContent xmlns:mc="http://schemas.openxmlformats.org/markup-compatibility/2006">
               <mc:Choice xmlns:v="urn:schemas-microsoft-com:vml" Requires="v">
-                <p:oleObj spid="_x0000_s18891" name="Worksheet" r:id="rId7" imgW="2295704" imgH="657165" progId="Excel.Sheet.8">
+                <p:oleObj spid="_x0000_s18898" name="Worksheet" r:id="rId7" imgW="2295704" imgH="657165" progId="Excel.Sheet.8">
                   <p:embed/>
                 </p:oleObj>
               </mc:Choice>
@@ -18142,7 +18135,27 @@
                 <a:latin typeface="Gill Sans"/>
                 <a:cs typeface="Gill Sans"/>
               </a:rPr>
-              <a:t>] on [join criterion]</a:t>
+              <a:t>] </a:t>
+            </a:r>
+            <a:r>
+              <a:rPr lang="en-US" sz="2800" b="0" dirty="0" smtClean="0">
+                <a:solidFill>
+                  <a:srgbClr val="FF0000"/>
+                </a:solidFill>
+                <a:latin typeface="Gill Sans"/>
+                <a:cs typeface="Gill Sans"/>
+              </a:rPr>
+              <a:t>on</a:t>
+            </a:r>
+            <a:r>
+              <a:rPr lang="en-US" sz="2800" b="0" dirty="0" smtClean="0">
+                <a:solidFill>
+                  <a:srgbClr val="000000"/>
+                </a:solidFill>
+                <a:latin typeface="Gill Sans"/>
+                <a:cs typeface="Gill Sans"/>
+              </a:rPr>
+              <a:t> [join criterion]</a:t>
             </a:r>
             <a:endParaRPr lang="en-US" sz="2800" b="0" dirty="0">
               <a:solidFill>
@@ -18344,7 +18357,27 @@
                 <a:latin typeface="Gill Sans"/>
                 <a:cs typeface="Gill Sans"/>
               </a:rPr>
-              <a:t>] on [join criterion]</a:t>
+              <a:t>] </a:t>
+            </a:r>
+            <a:r>
+              <a:rPr lang="en-US" sz="2800" b="0" dirty="0" smtClean="0">
+                <a:solidFill>
+                  <a:srgbClr val="FF0000"/>
+                </a:solidFill>
+                <a:latin typeface="Gill Sans"/>
+                <a:cs typeface="Gill Sans"/>
+              </a:rPr>
+              <a:t>on</a:t>
+            </a:r>
+            <a:r>
+              <a:rPr lang="en-US" sz="2800" b="0" dirty="0" smtClean="0">
+                <a:solidFill>
+                  <a:srgbClr val="000000"/>
+                </a:solidFill>
+                <a:latin typeface="Gill Sans"/>
+                <a:cs typeface="Gill Sans"/>
+              </a:rPr>
+              <a:t> [join criterion]</a:t>
             </a:r>
             <a:endParaRPr lang="en-US" sz="2800" b="0" dirty="0">
               <a:solidFill>
@@ -24509,7 +24542,7 @@
           <a:graphicData uri="http://schemas.openxmlformats.org/presentationml/2006/ole">
             <mc:AlternateContent xmlns:mc="http://schemas.openxmlformats.org/markup-compatibility/2006">
               <mc:Choice xmlns:v="urn:schemas-microsoft-com:vml" Requires="v">
-                <p:oleObj spid="_x0000_s40027" name="Clip" r:id="rId4" imgW="3120151" imgH="1205948" progId="MS_ClipArt_Gallery.2">
+                <p:oleObj spid="_x0000_s40030" name="Clip" r:id="rId4" imgW="3120151" imgH="1205948" progId="MS_ClipArt_Gallery.2">
                   <p:embed/>
                 </p:oleObj>
               </mc:Choice>
@@ -27659,7 +27692,7 @@
           <a:graphicData uri="http://schemas.openxmlformats.org/presentationml/2006/ole">
             <mc:AlternateContent xmlns:mc="http://schemas.openxmlformats.org/markup-compatibility/2006">
               <mc:Choice xmlns:v="urn:schemas-microsoft-com:vml" Requires="v">
-                <p:oleObj spid="_x0000_s25741" name="ClipArt" r:id="rId4" imgW="1702324" imgH="3660507" progId="MS_ClipArt_Gallery.2">
+                <p:oleObj spid="_x0000_s25744" name="ClipArt" r:id="rId4" imgW="1702324" imgH="3660507" progId="MS_ClipArt_Gallery.2">
                   <p:embed/>
                 </p:oleObj>
               </mc:Choice>
